--- a/Presentation/Inverse Kinematics and Particles.pptx
+++ b/Presentation/Inverse Kinematics and Particles.pptx
@@ -9,6 +9,17 @@
     <p:sldId id="257" r:id="rId3"/>
     <p:sldId id="258" r:id="rId4"/>
     <p:sldId id="259" r:id="rId5"/>
+    <p:sldId id="260" r:id="rId6"/>
+    <p:sldId id="261" r:id="rId7"/>
+    <p:sldId id="262" r:id="rId8"/>
+    <p:sldId id="263" r:id="rId9"/>
+    <p:sldId id="264" r:id="rId10"/>
+    <p:sldId id="265" r:id="rId11"/>
+    <p:sldId id="266" r:id="rId12"/>
+    <p:sldId id="267" r:id="rId13"/>
+    <p:sldId id="268" r:id="rId14"/>
+    <p:sldId id="269" r:id="rId15"/>
+    <p:sldId id="270" r:id="rId16"/>
   </p:sldIdLst>
   <p:sldSz cx="12192000" cy="6858000"/>
   <p:notesSz cx="6858000" cy="9144000"/>
@@ -107,6 +118,11 @@
       </a:defRPr>
     </a:lvl9pPr>
   </p:defaultTextStyle>
+  <p:extLst>
+    <p:ext uri="{EFAFB233-063F-42B5-8137-9DF3F51BA10A}">
+      <p15:sldGuideLst xmlns:p15="http://schemas.microsoft.com/office/powerpoint/2012/main"/>
+    </p:ext>
+  </p:extLst>
 </p:presentation>
 </file>
 
@@ -286,7 +302,7 @@
           <a:p>
             <a:fld id="{96DFF08F-DC6B-4601-B491-B0F83F6DD2DA}" type="datetimeFigureOut">
               <a:rPr lang="en-US" dirty="0"/>
-              <a:t>11/26/2015</a:t>
+              <a:t>11/28/2015</a:t>
             </a:fld>
             <a:endParaRPr lang="en-US" dirty="0"/>
           </a:p>
@@ -451,7 +467,7 @@
           <a:p>
             <a:fld id="{96DFF08F-DC6B-4601-B491-B0F83F6DD2DA}" type="datetimeFigureOut">
               <a:rPr lang="en-US" dirty="0"/>
-              <a:t>11/26/2015</a:t>
+              <a:t>11/28/2015</a:t>
             </a:fld>
             <a:endParaRPr lang="en-US" dirty="0"/>
           </a:p>
@@ -669,7 +685,7 @@
           <a:p>
             <a:fld id="{96DFF08F-DC6B-4601-B491-B0F83F6DD2DA}" type="datetimeFigureOut">
               <a:rPr lang="en-US" dirty="0"/>
-              <a:t>11/26/2015</a:t>
+              <a:t>11/28/2015</a:t>
             </a:fld>
             <a:endParaRPr lang="en-US" dirty="0"/>
           </a:p>
@@ -844,7 +860,7 @@
           <a:p>
             <a:fld id="{96DFF08F-DC6B-4601-B491-B0F83F6DD2DA}" type="datetimeFigureOut">
               <a:rPr lang="en-US" dirty="0"/>
-              <a:t>11/26/2015</a:t>
+              <a:t>11/28/2015</a:t>
             </a:fld>
             <a:endParaRPr lang="en-US" dirty="0"/>
           </a:p>
@@ -1141,7 +1157,7 @@
             <a:fld id="{96DFF08F-DC6B-4601-B491-B0F83F6DD2DA}" type="datetimeFigureOut">
               <a:rPr lang="en-US" dirty="0"/>
               <a:pPr/>
-              <a:t>11/26/2015</a:t>
+              <a:t>11/28/2015</a:t>
             </a:fld>
             <a:endParaRPr lang="en-US" dirty="0"/>
           </a:p>
@@ -1441,7 +1457,7 @@
           <a:p>
             <a:fld id="{96DFF08F-DC6B-4601-B491-B0F83F6DD2DA}" type="datetimeFigureOut">
               <a:rPr lang="en-US" dirty="0"/>
-              <a:t>11/26/2015</a:t>
+              <a:t>11/28/2015</a:t>
             </a:fld>
             <a:endParaRPr lang="en-US" dirty="0"/>
           </a:p>
@@ -1858,7 +1874,7 @@
           <a:p>
             <a:fld id="{96DFF08F-DC6B-4601-B491-B0F83F6DD2DA}" type="datetimeFigureOut">
               <a:rPr lang="en-US" dirty="0"/>
-              <a:t>11/26/2015</a:t>
+              <a:t>11/28/2015</a:t>
             </a:fld>
             <a:endParaRPr lang="en-US" dirty="0"/>
           </a:p>
@@ -1971,7 +1987,7 @@
           <a:p>
             <a:fld id="{96DFF08F-DC6B-4601-B491-B0F83F6DD2DA}" type="datetimeFigureOut">
               <a:rPr lang="en-US" dirty="0"/>
-              <a:t>11/26/2015</a:t>
+              <a:t>11/28/2015</a:t>
             </a:fld>
             <a:endParaRPr lang="en-US" dirty="0"/>
           </a:p>
@@ -2061,7 +2077,7 @@
           <a:p>
             <a:fld id="{96DFF08F-DC6B-4601-B491-B0F83F6DD2DA}" type="datetimeFigureOut">
               <a:rPr lang="en-US" dirty="0"/>
-              <a:t>11/26/2015</a:t>
+              <a:t>11/28/2015</a:t>
             </a:fld>
             <a:endParaRPr lang="en-US" dirty="0"/>
           </a:p>
@@ -2329,7 +2345,7 @@
           <a:p>
             <a:fld id="{96DFF08F-DC6B-4601-B491-B0F83F6DD2DA}" type="datetimeFigureOut">
               <a:rPr lang="en-US" dirty="0"/>
-              <a:t>11/26/2015</a:t>
+              <a:t>11/28/2015</a:t>
             </a:fld>
             <a:endParaRPr lang="en-US" dirty="0"/>
           </a:p>
@@ -2589,7 +2605,7 @@
           <a:p>
             <a:fld id="{96DFF08F-DC6B-4601-B491-B0F83F6DD2DA}" type="datetimeFigureOut">
               <a:rPr lang="en-US" dirty="0"/>
-              <a:t>11/26/2015</a:t>
+              <a:t>11/28/2015</a:t>
             </a:fld>
             <a:endParaRPr lang="en-US" dirty="0"/>
           </a:p>
@@ -2837,7 +2853,7 @@
             <a:fld id="{96DFF08F-DC6B-4601-B491-B0F83F6DD2DA}" type="datetimeFigureOut">
               <a:rPr lang="en-US" dirty="0"/>
               <a:pPr/>
-              <a:t>11/26/2015</a:t>
+              <a:t>11/28/2015</a:t>
             </a:fld>
             <a:endParaRPr lang="en-US" dirty="0"/>
           </a:p>
@@ -3407,6 +3423,474 @@
 </p:sld>
 </file>
 
+<file path=ppt/slides/slide10.xml><?xml version="1.0" encoding="utf-8"?>
+<p:sld xmlns:a="http://schemas.openxmlformats.org/drawingml/2006/main" xmlns:r="http://schemas.openxmlformats.org/officeDocument/2006/relationships" xmlns:p="http://schemas.openxmlformats.org/presentationml/2006/main">
+  <p:cSld>
+    <p:spTree>
+      <p:nvGrpSpPr>
+        <p:cNvPr id="1" name=""/>
+        <p:cNvGrpSpPr/>
+        <p:nvPr/>
+      </p:nvGrpSpPr>
+      <p:grpSpPr>
+        <a:xfrm>
+          <a:off x="0" y="0"/>
+          <a:ext cx="0" cy="0"/>
+          <a:chOff x="0" y="0"/>
+          <a:chExt cx="0" cy="0"/>
+        </a:xfrm>
+      </p:grpSpPr>
+      <p:sp>
+        <p:nvSpPr>
+          <p:cNvPr id="2" name="Title 1"/>
+          <p:cNvSpPr>
+            <a:spLocks noGrp="1"/>
+          </p:cNvSpPr>
+          <p:nvPr>
+            <p:ph type="title"/>
+          </p:nvPr>
+        </p:nvSpPr>
+        <p:spPr/>
+        <p:txBody>
+          <a:bodyPr/>
+          <a:lstStyle/>
+          <a:p>
+            <a:r>
+              <a:rPr lang="en-GB" cap="none" dirty="0" smtClean="0"/>
+              <a:t>Line v line</a:t>
+            </a:r>
+            <a:endParaRPr lang="en-GB" cap="none" dirty="0"/>
+          </a:p>
+        </p:txBody>
+      </p:sp>
+      <p:sp>
+        <p:nvSpPr>
+          <p:cNvPr id="3" name="Content Placeholder 2"/>
+          <p:cNvSpPr>
+            <a:spLocks noGrp="1"/>
+          </p:cNvSpPr>
+          <p:nvPr>
+            <p:ph idx="1"/>
+          </p:nvPr>
+        </p:nvSpPr>
+        <p:spPr/>
+        <p:txBody>
+          <a:bodyPr/>
+          <a:lstStyle/>
+          <a:p>
+            <a:endParaRPr lang="en-GB" dirty="0"/>
+          </a:p>
+        </p:txBody>
+      </p:sp>
+    </p:spTree>
+    <p:extLst>
+      <p:ext uri="{BB962C8B-B14F-4D97-AF65-F5344CB8AC3E}">
+        <p14:creationId xmlns:p14="http://schemas.microsoft.com/office/powerpoint/2010/main" val="3252208971"/>
+      </p:ext>
+    </p:extLst>
+  </p:cSld>
+  <p:clrMapOvr>
+    <a:masterClrMapping/>
+  </p:clrMapOvr>
+</p:sld>
+</file>
+
+<file path=ppt/slides/slide11.xml><?xml version="1.0" encoding="utf-8"?>
+<p:sld xmlns:a="http://schemas.openxmlformats.org/drawingml/2006/main" xmlns:r="http://schemas.openxmlformats.org/officeDocument/2006/relationships" xmlns:p="http://schemas.openxmlformats.org/presentationml/2006/main">
+  <p:cSld>
+    <p:spTree>
+      <p:nvGrpSpPr>
+        <p:cNvPr id="1" name=""/>
+        <p:cNvGrpSpPr/>
+        <p:nvPr/>
+      </p:nvGrpSpPr>
+      <p:grpSpPr>
+        <a:xfrm>
+          <a:off x="0" y="0"/>
+          <a:ext cx="0" cy="0"/>
+          <a:chOff x="0" y="0"/>
+          <a:chExt cx="0" cy="0"/>
+        </a:xfrm>
+      </p:grpSpPr>
+      <p:sp>
+        <p:nvSpPr>
+          <p:cNvPr id="2" name="Title 1"/>
+          <p:cNvSpPr>
+            <a:spLocks noGrp="1"/>
+          </p:cNvSpPr>
+          <p:nvPr>
+            <p:ph type="title"/>
+          </p:nvPr>
+        </p:nvSpPr>
+        <p:spPr/>
+        <p:txBody>
+          <a:bodyPr/>
+          <a:lstStyle/>
+          <a:p>
+            <a:r>
+              <a:rPr lang="en-GB" cap="none" dirty="0" smtClean="0"/>
+              <a:t>Sphere v plane</a:t>
+            </a:r>
+            <a:endParaRPr lang="en-GB" cap="none" dirty="0"/>
+          </a:p>
+        </p:txBody>
+      </p:sp>
+      <p:sp>
+        <p:nvSpPr>
+          <p:cNvPr id="3" name="Content Placeholder 2"/>
+          <p:cNvSpPr>
+            <a:spLocks noGrp="1"/>
+          </p:cNvSpPr>
+          <p:nvPr>
+            <p:ph idx="1"/>
+          </p:nvPr>
+        </p:nvSpPr>
+        <p:spPr/>
+        <p:txBody>
+          <a:bodyPr/>
+          <a:lstStyle/>
+          <a:p>
+            <a:endParaRPr lang="en-GB"/>
+          </a:p>
+        </p:txBody>
+      </p:sp>
+    </p:spTree>
+    <p:extLst>
+      <p:ext uri="{BB962C8B-B14F-4D97-AF65-F5344CB8AC3E}">
+        <p14:creationId xmlns:p14="http://schemas.microsoft.com/office/powerpoint/2010/main" val="938866574"/>
+      </p:ext>
+    </p:extLst>
+  </p:cSld>
+  <p:clrMapOvr>
+    <a:masterClrMapping/>
+  </p:clrMapOvr>
+</p:sld>
+</file>
+
+<file path=ppt/slides/slide12.xml><?xml version="1.0" encoding="utf-8"?>
+<p:sld xmlns:a="http://schemas.openxmlformats.org/drawingml/2006/main" xmlns:r="http://schemas.openxmlformats.org/officeDocument/2006/relationships" xmlns:p="http://schemas.openxmlformats.org/presentationml/2006/main">
+  <p:cSld>
+    <p:spTree>
+      <p:nvGrpSpPr>
+        <p:cNvPr id="1" name=""/>
+        <p:cNvGrpSpPr/>
+        <p:nvPr/>
+      </p:nvGrpSpPr>
+      <p:grpSpPr>
+        <a:xfrm>
+          <a:off x="0" y="0"/>
+          <a:ext cx="0" cy="0"/>
+          <a:chOff x="0" y="0"/>
+          <a:chExt cx="0" cy="0"/>
+        </a:xfrm>
+      </p:grpSpPr>
+      <p:sp>
+        <p:nvSpPr>
+          <p:cNvPr id="2" name="Title 1"/>
+          <p:cNvSpPr>
+            <a:spLocks noGrp="1"/>
+          </p:cNvSpPr>
+          <p:nvPr>
+            <p:ph type="title"/>
+          </p:nvPr>
+        </p:nvSpPr>
+        <p:spPr/>
+        <p:txBody>
+          <a:bodyPr/>
+          <a:lstStyle/>
+          <a:p>
+            <a:r>
+              <a:rPr lang="en-GB" cap="none" dirty="0" smtClean="0"/>
+              <a:t>Particle System</a:t>
+            </a:r>
+            <a:endParaRPr lang="en-GB" cap="none" dirty="0"/>
+          </a:p>
+        </p:txBody>
+      </p:sp>
+      <p:sp>
+        <p:nvSpPr>
+          <p:cNvPr id="3" name="Picture Placeholder 2"/>
+          <p:cNvSpPr>
+            <a:spLocks noGrp="1"/>
+          </p:cNvSpPr>
+          <p:nvPr>
+            <p:ph type="pic" idx="1"/>
+          </p:nvPr>
+        </p:nvSpPr>
+        <p:spPr/>
+      </p:sp>
+      <p:sp>
+        <p:nvSpPr>
+          <p:cNvPr id="4" name="Text Placeholder 3"/>
+          <p:cNvSpPr>
+            <a:spLocks noGrp="1"/>
+          </p:cNvSpPr>
+          <p:nvPr>
+            <p:ph type="body" sz="half" idx="2"/>
+          </p:nvPr>
+        </p:nvSpPr>
+        <p:spPr/>
+        <p:txBody>
+          <a:bodyPr/>
+          <a:lstStyle/>
+          <a:p>
+            <a:endParaRPr lang="en-GB"/>
+          </a:p>
+        </p:txBody>
+      </p:sp>
+    </p:spTree>
+    <p:extLst>
+      <p:ext uri="{BB962C8B-B14F-4D97-AF65-F5344CB8AC3E}">
+        <p14:creationId xmlns:p14="http://schemas.microsoft.com/office/powerpoint/2010/main" val="3860982027"/>
+      </p:ext>
+    </p:extLst>
+  </p:cSld>
+  <p:clrMapOvr>
+    <a:masterClrMapping/>
+  </p:clrMapOvr>
+</p:sld>
+</file>
+
+<file path=ppt/slides/slide13.xml><?xml version="1.0" encoding="utf-8"?>
+<p:sld xmlns:a="http://schemas.openxmlformats.org/drawingml/2006/main" xmlns:r="http://schemas.openxmlformats.org/officeDocument/2006/relationships" xmlns:p="http://schemas.openxmlformats.org/presentationml/2006/main">
+  <p:cSld>
+    <p:spTree>
+      <p:nvGrpSpPr>
+        <p:cNvPr id="1" name=""/>
+        <p:cNvGrpSpPr/>
+        <p:nvPr/>
+      </p:nvGrpSpPr>
+      <p:grpSpPr>
+        <a:xfrm>
+          <a:off x="0" y="0"/>
+          <a:ext cx="0" cy="0"/>
+          <a:chOff x="0" y="0"/>
+          <a:chExt cx="0" cy="0"/>
+        </a:xfrm>
+      </p:grpSpPr>
+      <p:sp>
+        <p:nvSpPr>
+          <p:cNvPr id="2" name="Title 1"/>
+          <p:cNvSpPr>
+            <a:spLocks noGrp="1"/>
+          </p:cNvSpPr>
+          <p:nvPr>
+            <p:ph type="title"/>
+          </p:nvPr>
+        </p:nvSpPr>
+        <p:spPr/>
+        <p:txBody>
+          <a:bodyPr/>
+          <a:lstStyle/>
+          <a:p>
+            <a:r>
+              <a:rPr lang="en-GB" cap="none" dirty="0" smtClean="0"/>
+              <a:t>Spatial Partitioning</a:t>
+            </a:r>
+            <a:endParaRPr lang="en-GB" cap="none" dirty="0"/>
+          </a:p>
+        </p:txBody>
+      </p:sp>
+      <p:sp>
+        <p:nvSpPr>
+          <p:cNvPr id="3" name="Picture Placeholder 2"/>
+          <p:cNvSpPr>
+            <a:spLocks noGrp="1"/>
+          </p:cNvSpPr>
+          <p:nvPr>
+            <p:ph type="pic" idx="1"/>
+          </p:nvPr>
+        </p:nvSpPr>
+        <p:spPr/>
+      </p:sp>
+      <p:sp>
+        <p:nvSpPr>
+          <p:cNvPr id="4" name="Text Placeholder 3"/>
+          <p:cNvSpPr>
+            <a:spLocks noGrp="1"/>
+          </p:cNvSpPr>
+          <p:nvPr>
+            <p:ph type="body" sz="half" idx="2"/>
+          </p:nvPr>
+        </p:nvSpPr>
+        <p:spPr/>
+        <p:txBody>
+          <a:bodyPr/>
+          <a:lstStyle/>
+          <a:p>
+            <a:endParaRPr lang="en-GB"/>
+          </a:p>
+        </p:txBody>
+      </p:sp>
+    </p:spTree>
+    <p:extLst>
+      <p:ext uri="{BB962C8B-B14F-4D97-AF65-F5344CB8AC3E}">
+        <p14:creationId xmlns:p14="http://schemas.microsoft.com/office/powerpoint/2010/main" val="3796874950"/>
+      </p:ext>
+    </p:extLst>
+  </p:cSld>
+  <p:clrMapOvr>
+    <a:masterClrMapping/>
+  </p:clrMapOvr>
+</p:sld>
+</file>
+
+<file path=ppt/slides/slide14.xml><?xml version="1.0" encoding="utf-8"?>
+<p:sld xmlns:a="http://schemas.openxmlformats.org/drawingml/2006/main" xmlns:r="http://schemas.openxmlformats.org/officeDocument/2006/relationships" xmlns:p="http://schemas.openxmlformats.org/presentationml/2006/main">
+  <p:cSld>
+    <p:spTree>
+      <p:nvGrpSpPr>
+        <p:cNvPr id="1" name=""/>
+        <p:cNvGrpSpPr/>
+        <p:nvPr/>
+      </p:nvGrpSpPr>
+      <p:grpSpPr>
+        <a:xfrm>
+          <a:off x="0" y="0"/>
+          <a:ext cx="0" cy="0"/>
+          <a:chOff x="0" y="0"/>
+          <a:chExt cx="0" cy="0"/>
+        </a:xfrm>
+      </p:grpSpPr>
+      <p:sp>
+        <p:nvSpPr>
+          <p:cNvPr id="2" name="Title 1"/>
+          <p:cNvSpPr>
+            <a:spLocks noGrp="1"/>
+          </p:cNvSpPr>
+          <p:nvPr>
+            <p:ph type="title"/>
+          </p:nvPr>
+        </p:nvSpPr>
+        <p:spPr/>
+        <p:txBody>
+          <a:bodyPr/>
+          <a:lstStyle/>
+          <a:p>
+            <a:r>
+              <a:rPr lang="en-GB" cap="none" dirty="0" smtClean="0"/>
+              <a:t>Rigid Bodies – linear dynamics</a:t>
+            </a:r>
+            <a:endParaRPr lang="en-GB" cap="none" dirty="0"/>
+          </a:p>
+        </p:txBody>
+      </p:sp>
+      <p:sp>
+        <p:nvSpPr>
+          <p:cNvPr id="3" name="Picture Placeholder 2"/>
+          <p:cNvSpPr>
+            <a:spLocks noGrp="1"/>
+          </p:cNvSpPr>
+          <p:nvPr>
+            <p:ph type="pic" idx="1"/>
+          </p:nvPr>
+        </p:nvSpPr>
+        <p:spPr/>
+      </p:sp>
+      <p:sp>
+        <p:nvSpPr>
+          <p:cNvPr id="4" name="Text Placeholder 3"/>
+          <p:cNvSpPr>
+            <a:spLocks noGrp="1"/>
+          </p:cNvSpPr>
+          <p:nvPr>
+            <p:ph type="body" sz="half" idx="2"/>
+          </p:nvPr>
+        </p:nvSpPr>
+        <p:spPr/>
+        <p:txBody>
+          <a:bodyPr/>
+          <a:lstStyle/>
+          <a:p>
+            <a:endParaRPr lang="en-GB"/>
+          </a:p>
+        </p:txBody>
+      </p:sp>
+    </p:spTree>
+    <p:extLst>
+      <p:ext uri="{BB962C8B-B14F-4D97-AF65-F5344CB8AC3E}">
+        <p14:creationId xmlns:p14="http://schemas.microsoft.com/office/powerpoint/2010/main" val="1286415300"/>
+      </p:ext>
+    </p:extLst>
+  </p:cSld>
+  <p:clrMapOvr>
+    <a:masterClrMapping/>
+  </p:clrMapOvr>
+</p:sld>
+</file>
+
+<file path=ppt/slides/slide15.xml><?xml version="1.0" encoding="utf-8"?>
+<p:sld xmlns:a="http://schemas.openxmlformats.org/drawingml/2006/main" xmlns:r="http://schemas.openxmlformats.org/officeDocument/2006/relationships" xmlns:p="http://schemas.openxmlformats.org/presentationml/2006/main">
+  <p:cSld>
+    <p:spTree>
+      <p:nvGrpSpPr>
+        <p:cNvPr id="1" name=""/>
+        <p:cNvGrpSpPr/>
+        <p:nvPr/>
+      </p:nvGrpSpPr>
+      <p:grpSpPr>
+        <a:xfrm>
+          <a:off x="0" y="0"/>
+          <a:ext cx="0" cy="0"/>
+          <a:chOff x="0" y="0"/>
+          <a:chExt cx="0" cy="0"/>
+        </a:xfrm>
+      </p:grpSpPr>
+      <p:sp>
+        <p:nvSpPr>
+          <p:cNvPr id="2" name="Title 1"/>
+          <p:cNvSpPr>
+            <a:spLocks noGrp="1"/>
+          </p:cNvSpPr>
+          <p:nvPr>
+            <p:ph type="title"/>
+          </p:nvPr>
+        </p:nvSpPr>
+        <p:spPr/>
+        <p:txBody>
+          <a:bodyPr/>
+          <a:lstStyle/>
+          <a:p>
+            <a:r>
+              <a:rPr lang="en-GB" cap="none" dirty="0" smtClean="0"/>
+              <a:t>Improvements</a:t>
+            </a:r>
+            <a:endParaRPr lang="en-GB" cap="none" dirty="0"/>
+          </a:p>
+        </p:txBody>
+      </p:sp>
+      <p:sp>
+        <p:nvSpPr>
+          <p:cNvPr id="3" name="Content Placeholder 2"/>
+          <p:cNvSpPr>
+            <a:spLocks noGrp="1"/>
+          </p:cNvSpPr>
+          <p:nvPr>
+            <p:ph idx="1"/>
+          </p:nvPr>
+        </p:nvSpPr>
+        <p:spPr/>
+        <p:txBody>
+          <a:bodyPr/>
+          <a:lstStyle/>
+          <a:p>
+            <a:endParaRPr lang="en-GB"/>
+          </a:p>
+        </p:txBody>
+      </p:sp>
+    </p:spTree>
+    <p:extLst>
+      <p:ext uri="{BB962C8B-B14F-4D97-AF65-F5344CB8AC3E}">
+        <p14:creationId xmlns:p14="http://schemas.microsoft.com/office/powerpoint/2010/main" val="3882430168"/>
+      </p:ext>
+    </p:extLst>
+  </p:cSld>
+  <p:clrMapOvr>
+    <a:masterClrMapping/>
+  </p:clrMapOvr>
+</p:sld>
+</file>
+
 <file path=ppt/slides/slide2.xml><?xml version="1.0" encoding="utf-8"?>
 <p:sld xmlns:a="http://schemas.openxmlformats.org/drawingml/2006/main" xmlns:r="http://schemas.openxmlformats.org/officeDocument/2006/relationships" xmlns:p="http://schemas.openxmlformats.org/presentationml/2006/main">
   <p:cSld>
@@ -4233,6 +4717,2171 @@
       </p:par>
     </p:tnLst>
   </p:timing>
+</p:sld>
+</file>
+
+<file path=ppt/slides/slide5.xml><?xml version="1.0" encoding="utf-8"?>
+<p:sld xmlns:a="http://schemas.openxmlformats.org/drawingml/2006/main" xmlns:r="http://schemas.openxmlformats.org/officeDocument/2006/relationships" xmlns:p="http://schemas.openxmlformats.org/presentationml/2006/main">
+  <p:cSld>
+    <p:spTree>
+      <p:nvGrpSpPr>
+        <p:cNvPr id="1" name=""/>
+        <p:cNvGrpSpPr/>
+        <p:nvPr/>
+      </p:nvGrpSpPr>
+      <p:grpSpPr>
+        <a:xfrm>
+          <a:off x="0" y="0"/>
+          <a:ext cx="0" cy="0"/>
+          <a:chOff x="0" y="0"/>
+          <a:chExt cx="0" cy="0"/>
+        </a:xfrm>
+      </p:grpSpPr>
+      <p:sp>
+        <p:nvSpPr>
+          <p:cNvPr id="2" name="Title 1"/>
+          <p:cNvSpPr>
+            <a:spLocks noGrp="1"/>
+          </p:cNvSpPr>
+          <p:nvPr>
+            <p:ph type="title"/>
+          </p:nvPr>
+        </p:nvSpPr>
+        <p:spPr/>
+        <p:txBody>
+          <a:bodyPr/>
+          <a:lstStyle/>
+          <a:p>
+            <a:r>
+              <a:rPr lang="en-GB" cap="none" dirty="0" smtClean="0"/>
+              <a:t>Collision Detection</a:t>
+            </a:r>
+            <a:endParaRPr lang="en-GB" cap="none" dirty="0"/>
+          </a:p>
+        </p:txBody>
+      </p:sp>
+      <p:sp>
+        <p:nvSpPr>
+          <p:cNvPr id="3" name="Content Placeholder 2"/>
+          <p:cNvSpPr>
+            <a:spLocks noGrp="1"/>
+          </p:cNvSpPr>
+          <p:nvPr>
+            <p:ph idx="1"/>
+          </p:nvPr>
+        </p:nvSpPr>
+        <p:spPr/>
+        <p:txBody>
+          <a:bodyPr/>
+          <a:lstStyle/>
+          <a:p>
+            <a:r>
+              <a:rPr lang="en-GB" dirty="0" smtClean="0"/>
+              <a:t>Sphere v Sphere</a:t>
+            </a:r>
+          </a:p>
+          <a:p>
+            <a:r>
+              <a:rPr lang="en-GB" dirty="0" smtClean="0"/>
+              <a:t>AABB v AABB (Axis Aligned Bounding Box)</a:t>
+            </a:r>
+          </a:p>
+          <a:p>
+            <a:r>
+              <a:rPr lang="en-GB" dirty="0" smtClean="0"/>
+              <a:t>OBB v OBB (Orientated Bounding Box)</a:t>
+            </a:r>
+          </a:p>
+          <a:p>
+            <a:r>
+              <a:rPr lang="en-GB" dirty="0" smtClean="0"/>
+              <a:t>Line v Line</a:t>
+            </a:r>
+          </a:p>
+          <a:p>
+            <a:r>
+              <a:rPr lang="en-GB" dirty="0" smtClean="0"/>
+              <a:t>Sphere v Plane</a:t>
+            </a:r>
+          </a:p>
+          <a:p>
+            <a:endParaRPr lang="en-GB" dirty="0"/>
+          </a:p>
+          <a:p>
+            <a:pPr marL="0" indent="0">
+              <a:buNone/>
+            </a:pPr>
+            <a:r>
+              <a:rPr lang="en-GB" dirty="0" smtClean="0"/>
+              <a:t>Other combinations will not be covered since they are mostly derivatives of the above</a:t>
+            </a:r>
+          </a:p>
+        </p:txBody>
+      </p:sp>
+    </p:spTree>
+    <p:extLst>
+      <p:ext uri="{BB962C8B-B14F-4D97-AF65-F5344CB8AC3E}">
+        <p14:creationId xmlns:p14="http://schemas.microsoft.com/office/powerpoint/2010/main" val="1989505614"/>
+      </p:ext>
+    </p:extLst>
+  </p:cSld>
+  <p:clrMapOvr>
+    <a:masterClrMapping/>
+  </p:clrMapOvr>
+</p:sld>
+</file>
+
+<file path=ppt/slides/slide6.xml><?xml version="1.0" encoding="utf-8"?>
+<p:sld xmlns:a="http://schemas.openxmlformats.org/drawingml/2006/main" xmlns:r="http://schemas.openxmlformats.org/officeDocument/2006/relationships" xmlns:p="http://schemas.openxmlformats.org/presentationml/2006/main">
+  <p:cSld>
+    <p:spTree>
+      <p:nvGrpSpPr>
+        <p:cNvPr id="1" name=""/>
+        <p:cNvGrpSpPr/>
+        <p:nvPr/>
+      </p:nvGrpSpPr>
+      <p:grpSpPr>
+        <a:xfrm>
+          <a:off x="0" y="0"/>
+          <a:ext cx="0" cy="0"/>
+          <a:chOff x="0" y="0"/>
+          <a:chExt cx="0" cy="0"/>
+        </a:xfrm>
+      </p:grpSpPr>
+      <p:sp>
+        <p:nvSpPr>
+          <p:cNvPr id="2" name="Title 1"/>
+          <p:cNvSpPr>
+            <a:spLocks noGrp="1"/>
+          </p:cNvSpPr>
+          <p:nvPr>
+            <p:ph type="title"/>
+          </p:nvPr>
+        </p:nvSpPr>
+        <p:spPr/>
+        <p:txBody>
+          <a:bodyPr/>
+          <a:lstStyle/>
+          <a:p>
+            <a:r>
+              <a:rPr lang="en-GB" cap="none" dirty="0" smtClean="0"/>
+              <a:t>Sphere v Sphere</a:t>
+            </a:r>
+            <a:endParaRPr lang="en-GB" cap="none" dirty="0"/>
+          </a:p>
+        </p:txBody>
+      </p:sp>
+      <p:sp>
+        <p:nvSpPr>
+          <p:cNvPr id="3" name="Content Placeholder 2"/>
+          <p:cNvSpPr>
+            <a:spLocks noGrp="1"/>
+          </p:cNvSpPr>
+          <p:nvPr>
+            <p:ph idx="1"/>
+          </p:nvPr>
+        </p:nvSpPr>
+        <p:spPr>
+          <a:xfrm>
+            <a:off x="4198513" y="2011680"/>
+            <a:ext cx="6788486" cy="4206240"/>
+          </a:xfrm>
+        </p:spPr>
+        <p:txBody>
+          <a:bodyPr/>
+          <a:lstStyle/>
+          <a:p>
+            <a:r>
+              <a:rPr lang="en-GB" dirty="0" smtClean="0"/>
+              <a:t>Offset vector from </a:t>
+            </a:r>
+            <a:r>
+              <a:rPr lang="en-GB" dirty="0" err="1" smtClean="0"/>
+              <a:t>sphereA</a:t>
+            </a:r>
+            <a:r>
+              <a:rPr lang="en-GB" dirty="0" smtClean="0"/>
+              <a:t> and </a:t>
+            </a:r>
+            <a:r>
+              <a:rPr lang="en-GB" dirty="0" err="1" smtClean="0"/>
+              <a:t>sphereB</a:t>
+            </a:r>
+            <a:endParaRPr lang="en-GB" dirty="0" smtClean="0"/>
+          </a:p>
+          <a:p>
+            <a:r>
+              <a:rPr lang="en-GB" dirty="0" smtClean="0"/>
+              <a:t>Take the magnitude of the offset</a:t>
+            </a:r>
+          </a:p>
+          <a:p>
+            <a:r>
+              <a:rPr lang="en-GB" dirty="0" smtClean="0"/>
+              <a:t>If the sum of the radii is less than the magnitude</a:t>
+            </a:r>
+          </a:p>
+          <a:p>
+            <a:pPr lvl="1"/>
+            <a:r>
+              <a:rPr lang="en-GB" dirty="0" smtClean="0"/>
+              <a:t>There is an intersection</a:t>
+            </a:r>
+            <a:endParaRPr lang="en-GB" dirty="0"/>
+          </a:p>
+          <a:p>
+            <a:r>
+              <a:rPr lang="en-GB" dirty="0"/>
+              <a:t>If the sum of the radii is less than the </a:t>
+            </a:r>
+            <a:r>
+              <a:rPr lang="en-GB" dirty="0" smtClean="0"/>
+              <a:t>magnitude</a:t>
+            </a:r>
+          </a:p>
+          <a:p>
+            <a:pPr lvl="1"/>
+            <a:r>
+              <a:rPr lang="en-GB" dirty="0" smtClean="0"/>
+              <a:t>No Intersection</a:t>
+            </a:r>
+            <a:endParaRPr lang="en-GB" dirty="0"/>
+          </a:p>
+          <a:p>
+            <a:pPr lvl="1"/>
+            <a:endParaRPr lang="en-GB" dirty="0" smtClean="0"/>
+          </a:p>
+        </p:txBody>
+      </p:sp>
+      <p:sp>
+        <p:nvSpPr>
+          <p:cNvPr id="4" name="Oval 3"/>
+          <p:cNvSpPr/>
+          <p:nvPr/>
+        </p:nvSpPr>
+        <p:spPr>
+          <a:xfrm>
+            <a:off x="914400" y="2846231"/>
+            <a:ext cx="953037" cy="953037"/>
+          </a:xfrm>
+          <a:prstGeom prst="ellipse">
+            <a:avLst/>
+          </a:prstGeom>
+        </p:spPr>
+        <p:style>
+          <a:lnRef idx="0">
+            <a:schemeClr val="accent5"/>
+          </a:lnRef>
+          <a:fillRef idx="3">
+            <a:schemeClr val="accent5"/>
+          </a:fillRef>
+          <a:effectRef idx="3">
+            <a:schemeClr val="accent5"/>
+          </a:effectRef>
+          <a:fontRef idx="minor">
+            <a:schemeClr val="lt1"/>
+          </a:fontRef>
+        </p:style>
+        <p:txBody>
+          <a:bodyPr rtlCol="0" anchor="ctr"/>
+          <a:lstStyle/>
+          <a:p>
+            <a:pPr algn="ctr"/>
+            <a:endParaRPr lang="en-GB" dirty="0"/>
+          </a:p>
+        </p:txBody>
+      </p:sp>
+      <p:sp>
+        <p:nvSpPr>
+          <p:cNvPr id="5" name="Oval 4"/>
+          <p:cNvSpPr/>
+          <p:nvPr/>
+        </p:nvSpPr>
+        <p:spPr>
+          <a:xfrm>
+            <a:off x="1867437" y="3799268"/>
+            <a:ext cx="953037" cy="953037"/>
+          </a:xfrm>
+          <a:prstGeom prst="ellipse">
+            <a:avLst/>
+          </a:prstGeom>
+        </p:spPr>
+        <p:style>
+          <a:lnRef idx="0">
+            <a:schemeClr val="accent5"/>
+          </a:lnRef>
+          <a:fillRef idx="3">
+            <a:schemeClr val="accent5"/>
+          </a:fillRef>
+          <a:effectRef idx="3">
+            <a:schemeClr val="accent5"/>
+          </a:effectRef>
+          <a:fontRef idx="minor">
+            <a:schemeClr val="lt1"/>
+          </a:fontRef>
+        </p:style>
+        <p:txBody>
+          <a:bodyPr rtlCol="0" anchor="ctr"/>
+          <a:lstStyle/>
+          <a:p>
+            <a:pPr algn="ctr"/>
+            <a:endParaRPr lang="en-GB" dirty="0" smtClean="0"/>
+          </a:p>
+        </p:txBody>
+      </p:sp>
+      <p:sp>
+        <p:nvSpPr>
+          <p:cNvPr id="8" name="Oval 7"/>
+          <p:cNvSpPr/>
+          <p:nvPr/>
+        </p:nvSpPr>
+        <p:spPr>
+          <a:xfrm>
+            <a:off x="2273121" y="4204952"/>
+            <a:ext cx="141668" cy="141668"/>
+          </a:xfrm>
+          <a:prstGeom prst="ellipse">
+            <a:avLst/>
+          </a:prstGeom>
+          <a:effectLst>
+            <a:outerShdw blurRad="63500" sx="102000" sy="102000" algn="ctr" rotWithShape="0">
+              <a:prstClr val="black">
+                <a:alpha val="40000"/>
+              </a:prstClr>
+            </a:outerShdw>
+          </a:effectLst>
+        </p:spPr>
+        <p:style>
+          <a:lnRef idx="1">
+            <a:schemeClr val="accent2"/>
+          </a:lnRef>
+          <a:fillRef idx="2">
+            <a:schemeClr val="accent2"/>
+          </a:fillRef>
+          <a:effectRef idx="1">
+            <a:schemeClr val="accent2"/>
+          </a:effectRef>
+          <a:fontRef idx="minor">
+            <a:schemeClr val="dk1"/>
+          </a:fontRef>
+        </p:style>
+        <p:txBody>
+          <a:bodyPr rtlCol="0" anchor="ctr"/>
+          <a:lstStyle/>
+          <a:p>
+            <a:pPr algn="ctr"/>
+            <a:endParaRPr lang="en-GB"/>
+          </a:p>
+        </p:txBody>
+      </p:sp>
+      <p:sp>
+        <p:nvSpPr>
+          <p:cNvPr id="9" name="Oval 8"/>
+          <p:cNvSpPr/>
+          <p:nvPr/>
+        </p:nvSpPr>
+        <p:spPr>
+          <a:xfrm>
+            <a:off x="1320084" y="3251915"/>
+            <a:ext cx="141668" cy="141668"/>
+          </a:xfrm>
+          <a:prstGeom prst="ellipse">
+            <a:avLst/>
+          </a:prstGeom>
+          <a:effectLst>
+            <a:outerShdw blurRad="63500" sx="102000" sy="102000" algn="ctr" rotWithShape="0">
+              <a:prstClr val="black">
+                <a:alpha val="40000"/>
+              </a:prstClr>
+            </a:outerShdw>
+          </a:effectLst>
+        </p:spPr>
+        <p:style>
+          <a:lnRef idx="1">
+            <a:schemeClr val="accent2"/>
+          </a:lnRef>
+          <a:fillRef idx="2">
+            <a:schemeClr val="accent2"/>
+          </a:fillRef>
+          <a:effectRef idx="1">
+            <a:schemeClr val="accent2"/>
+          </a:effectRef>
+          <a:fontRef idx="minor">
+            <a:schemeClr val="dk1"/>
+          </a:fontRef>
+        </p:style>
+        <p:txBody>
+          <a:bodyPr rtlCol="0" anchor="ctr"/>
+          <a:lstStyle/>
+          <a:p>
+            <a:pPr algn="ctr"/>
+            <a:endParaRPr lang="en-GB"/>
+          </a:p>
+        </p:txBody>
+      </p:sp>
+      <p:sp>
+        <p:nvSpPr>
+          <p:cNvPr id="15" name="TextBox 14"/>
+          <p:cNvSpPr txBox="1"/>
+          <p:nvPr/>
+        </p:nvSpPr>
+        <p:spPr>
+          <a:xfrm>
+            <a:off x="1390918" y="2846229"/>
+            <a:ext cx="193518" cy="369332"/>
+          </a:xfrm>
+          <a:prstGeom prst="rect">
+            <a:avLst/>
+          </a:prstGeom>
+          <a:noFill/>
+        </p:spPr>
+        <p:txBody>
+          <a:bodyPr wrap="square" rtlCol="0">
+            <a:spAutoFit/>
+          </a:bodyPr>
+          <a:lstStyle/>
+          <a:p>
+            <a:r>
+              <a:rPr lang="en-GB" dirty="0" smtClean="0"/>
+              <a:t>r</a:t>
+            </a:r>
+            <a:endParaRPr lang="en-GB" dirty="0"/>
+          </a:p>
+        </p:txBody>
+      </p:sp>
+      <p:sp>
+        <p:nvSpPr>
+          <p:cNvPr id="16" name="TextBox 15"/>
+          <p:cNvSpPr txBox="1"/>
+          <p:nvPr/>
+        </p:nvSpPr>
+        <p:spPr>
+          <a:xfrm>
+            <a:off x="2318030" y="3797168"/>
+            <a:ext cx="193518" cy="369332"/>
+          </a:xfrm>
+          <a:prstGeom prst="rect">
+            <a:avLst/>
+          </a:prstGeom>
+          <a:noFill/>
+        </p:spPr>
+        <p:txBody>
+          <a:bodyPr wrap="square" rtlCol="0">
+            <a:spAutoFit/>
+          </a:bodyPr>
+          <a:lstStyle/>
+          <a:p>
+            <a:r>
+              <a:rPr lang="en-GB" dirty="0" smtClean="0"/>
+              <a:t>r</a:t>
+            </a:r>
+            <a:endParaRPr lang="en-GB" dirty="0"/>
+          </a:p>
+        </p:txBody>
+      </p:sp>
+      <p:sp>
+        <p:nvSpPr>
+          <p:cNvPr id="17" name="TextBox 16"/>
+          <p:cNvSpPr txBox="1"/>
+          <p:nvPr/>
+        </p:nvSpPr>
+        <p:spPr>
+          <a:xfrm>
+            <a:off x="1203634" y="3721016"/>
+            <a:ext cx="1223492" cy="369332"/>
+          </a:xfrm>
+          <a:prstGeom prst="rect">
+            <a:avLst/>
+          </a:prstGeom>
+          <a:noFill/>
+          <a:effectLst>
+            <a:outerShdw blurRad="50800" dist="38100" dir="2700000" algn="tl" rotWithShape="0">
+              <a:prstClr val="black">
+                <a:alpha val="40000"/>
+              </a:prstClr>
+            </a:outerShdw>
+          </a:effectLst>
+        </p:spPr>
+        <p:txBody>
+          <a:bodyPr wrap="square" rtlCol="0">
+            <a:spAutoFit/>
+          </a:bodyPr>
+          <a:lstStyle/>
+          <a:p>
+            <a:r>
+              <a:rPr lang="en-GB" dirty="0" smtClean="0"/>
+              <a:t>offset</a:t>
+            </a:r>
+            <a:endParaRPr lang="en-GB" dirty="0"/>
+          </a:p>
+        </p:txBody>
+      </p:sp>
+      <p:cxnSp>
+        <p:nvCxnSpPr>
+          <p:cNvPr id="25" name="Straight Arrow Connector 24"/>
+          <p:cNvCxnSpPr>
+            <a:stCxn id="9" idx="7"/>
+            <a:endCxn id="4" idx="7"/>
+          </p:cNvCxnSpPr>
+          <p:nvPr/>
+        </p:nvCxnSpPr>
+        <p:spPr>
+          <a:xfrm flipV="1">
+            <a:off x="1441005" y="2985800"/>
+            <a:ext cx="286863" cy="286862"/>
+          </a:xfrm>
+          <a:prstGeom prst="straightConnector1">
+            <a:avLst/>
+          </a:prstGeom>
+          <a:ln>
+            <a:solidFill>
+              <a:srgbClr val="E4F2BC"/>
+            </a:solidFill>
+            <a:headEnd type="triangle"/>
+            <a:tailEnd type="triangle"/>
+          </a:ln>
+        </p:spPr>
+        <p:style>
+          <a:lnRef idx="3">
+            <a:schemeClr val="accent2"/>
+          </a:lnRef>
+          <a:fillRef idx="0">
+            <a:schemeClr val="accent2"/>
+          </a:fillRef>
+          <a:effectRef idx="2">
+            <a:schemeClr val="accent2"/>
+          </a:effectRef>
+          <a:fontRef idx="minor">
+            <a:schemeClr val="tx1"/>
+          </a:fontRef>
+        </p:style>
+      </p:cxnSp>
+      <p:cxnSp>
+        <p:nvCxnSpPr>
+          <p:cNvPr id="28" name="Straight Arrow Connector 27"/>
+          <p:cNvCxnSpPr>
+            <a:stCxn id="8" idx="7"/>
+            <a:endCxn id="5" idx="7"/>
+          </p:cNvCxnSpPr>
+          <p:nvPr/>
+        </p:nvCxnSpPr>
+        <p:spPr>
+          <a:xfrm flipV="1">
+            <a:off x="2394042" y="3938837"/>
+            <a:ext cx="286863" cy="286862"/>
+          </a:xfrm>
+          <a:prstGeom prst="straightConnector1">
+            <a:avLst/>
+          </a:prstGeom>
+          <a:ln>
+            <a:solidFill>
+              <a:srgbClr val="E4F2BC"/>
+            </a:solidFill>
+            <a:headEnd type="triangle"/>
+            <a:tailEnd type="triangle"/>
+          </a:ln>
+        </p:spPr>
+        <p:style>
+          <a:lnRef idx="3">
+            <a:schemeClr val="accent2"/>
+          </a:lnRef>
+          <a:fillRef idx="0">
+            <a:schemeClr val="accent2"/>
+          </a:fillRef>
+          <a:effectRef idx="2">
+            <a:schemeClr val="accent2"/>
+          </a:effectRef>
+          <a:fontRef idx="minor">
+            <a:schemeClr val="tx1"/>
+          </a:fontRef>
+        </p:style>
+      </p:cxnSp>
+      <p:cxnSp>
+        <p:nvCxnSpPr>
+          <p:cNvPr id="31" name="Straight Arrow Connector 30"/>
+          <p:cNvCxnSpPr>
+            <a:stCxn id="9" idx="5"/>
+            <a:endCxn id="8" idx="1"/>
+          </p:cNvCxnSpPr>
+          <p:nvPr/>
+        </p:nvCxnSpPr>
+        <p:spPr>
+          <a:xfrm>
+            <a:off x="1441005" y="3372836"/>
+            <a:ext cx="852863" cy="852863"/>
+          </a:xfrm>
+          <a:prstGeom prst="straightConnector1">
+            <a:avLst/>
+          </a:prstGeom>
+          <a:ln>
+            <a:solidFill>
+              <a:schemeClr val="tx1"/>
+            </a:solidFill>
+            <a:headEnd type="triangle"/>
+            <a:tailEnd type="triangle"/>
+          </a:ln>
+        </p:spPr>
+        <p:style>
+          <a:lnRef idx="3">
+            <a:schemeClr val="accent2"/>
+          </a:lnRef>
+          <a:fillRef idx="0">
+            <a:schemeClr val="accent2"/>
+          </a:fillRef>
+          <a:effectRef idx="2">
+            <a:schemeClr val="accent2"/>
+          </a:effectRef>
+          <a:fontRef idx="minor">
+            <a:schemeClr val="tx1"/>
+          </a:fontRef>
+        </p:style>
+      </p:cxnSp>
+      <p:sp>
+        <p:nvSpPr>
+          <p:cNvPr id="34" name="TextBox 33"/>
+          <p:cNvSpPr txBox="1"/>
+          <p:nvPr/>
+        </p:nvSpPr>
+        <p:spPr>
+          <a:xfrm>
+            <a:off x="864918" y="2482092"/>
+            <a:ext cx="1051999" cy="369332"/>
+          </a:xfrm>
+          <a:prstGeom prst="rect">
+            <a:avLst/>
+          </a:prstGeom>
+          <a:noFill/>
+          <a:effectLst>
+            <a:outerShdw blurRad="50800" dist="38100" dir="2700000" algn="tl" rotWithShape="0">
+              <a:prstClr val="black">
+                <a:alpha val="40000"/>
+              </a:prstClr>
+            </a:outerShdw>
+          </a:effectLst>
+        </p:spPr>
+        <p:txBody>
+          <a:bodyPr wrap="square" rtlCol="0">
+            <a:spAutoFit/>
+          </a:bodyPr>
+          <a:lstStyle/>
+          <a:p>
+            <a:r>
+              <a:rPr lang="en-GB" dirty="0" smtClean="0"/>
+              <a:t>Sphere A</a:t>
+            </a:r>
+            <a:endParaRPr lang="en-GB" dirty="0"/>
+          </a:p>
+        </p:txBody>
+      </p:sp>
+      <p:sp>
+        <p:nvSpPr>
+          <p:cNvPr id="35" name="TextBox 34"/>
+          <p:cNvSpPr txBox="1"/>
+          <p:nvPr/>
+        </p:nvSpPr>
+        <p:spPr>
+          <a:xfrm>
+            <a:off x="1795418" y="4747111"/>
+            <a:ext cx="1097074" cy="369332"/>
+          </a:xfrm>
+          <a:prstGeom prst="rect">
+            <a:avLst/>
+          </a:prstGeom>
+          <a:noFill/>
+          <a:effectLst>
+            <a:outerShdw blurRad="50800" dist="38100" dir="2700000" algn="tl" rotWithShape="0">
+              <a:prstClr val="black">
+                <a:alpha val="40000"/>
+              </a:prstClr>
+            </a:outerShdw>
+          </a:effectLst>
+        </p:spPr>
+        <p:txBody>
+          <a:bodyPr wrap="square" rtlCol="0">
+            <a:spAutoFit/>
+          </a:bodyPr>
+          <a:lstStyle/>
+          <a:p>
+            <a:r>
+              <a:rPr lang="en-GB" dirty="0" smtClean="0"/>
+              <a:t>Sphere B</a:t>
+            </a:r>
+            <a:endParaRPr lang="en-GB" dirty="0"/>
+          </a:p>
+        </p:txBody>
+      </p:sp>
+    </p:spTree>
+    <p:extLst>
+      <p:ext uri="{BB962C8B-B14F-4D97-AF65-F5344CB8AC3E}">
+        <p14:creationId xmlns:p14="http://schemas.microsoft.com/office/powerpoint/2010/main" val="3618651687"/>
+      </p:ext>
+    </p:extLst>
+  </p:cSld>
+  <p:clrMapOvr>
+    <a:masterClrMapping/>
+  </p:clrMapOvr>
+</p:sld>
+</file>
+
+<file path=ppt/slides/slide7.xml><?xml version="1.0" encoding="utf-8"?>
+<p:sld xmlns:a="http://schemas.openxmlformats.org/drawingml/2006/main" xmlns:r="http://schemas.openxmlformats.org/officeDocument/2006/relationships" xmlns:p="http://schemas.openxmlformats.org/presentationml/2006/main">
+  <p:cSld>
+    <p:spTree>
+      <p:nvGrpSpPr>
+        <p:cNvPr id="1" name=""/>
+        <p:cNvGrpSpPr/>
+        <p:nvPr/>
+      </p:nvGrpSpPr>
+      <p:grpSpPr>
+        <a:xfrm>
+          <a:off x="0" y="0"/>
+          <a:ext cx="0" cy="0"/>
+          <a:chOff x="0" y="0"/>
+          <a:chExt cx="0" cy="0"/>
+        </a:xfrm>
+      </p:grpSpPr>
+      <p:sp>
+        <p:nvSpPr>
+          <p:cNvPr id="2" name="Title 1"/>
+          <p:cNvSpPr>
+            <a:spLocks noGrp="1"/>
+          </p:cNvSpPr>
+          <p:nvPr>
+            <p:ph type="title"/>
+          </p:nvPr>
+        </p:nvSpPr>
+        <p:spPr/>
+        <p:txBody>
+          <a:bodyPr/>
+          <a:lstStyle/>
+          <a:p>
+            <a:r>
+              <a:rPr lang="en-GB" cap="none" dirty="0" smtClean="0"/>
+              <a:t>AABB v AABB</a:t>
+            </a:r>
+            <a:endParaRPr lang="en-GB" cap="none" dirty="0"/>
+          </a:p>
+        </p:txBody>
+      </p:sp>
+      <p:sp>
+        <p:nvSpPr>
+          <p:cNvPr id="4" name="Content Placeholder 2"/>
+          <p:cNvSpPr>
+            <a:spLocks noGrp="1"/>
+          </p:cNvSpPr>
+          <p:nvPr>
+            <p:ph idx="1"/>
+          </p:nvPr>
+        </p:nvSpPr>
+        <p:spPr>
+          <a:xfrm>
+            <a:off x="4198513" y="2011680"/>
+            <a:ext cx="6788486" cy="4206240"/>
+          </a:xfrm>
+        </p:spPr>
+        <p:txBody>
+          <a:bodyPr/>
+          <a:lstStyle/>
+          <a:p>
+            <a:pPr lvl="1"/>
+            <a:r>
+              <a:rPr lang="en-GB" dirty="0" smtClean="0"/>
+              <a:t>For each axis: x, y and z</a:t>
+            </a:r>
+          </a:p>
+          <a:p>
+            <a:pPr lvl="2"/>
+            <a:r>
+              <a:rPr lang="en-GB" dirty="0" smtClean="0"/>
+              <a:t>Check centre[axis] of </a:t>
+            </a:r>
+            <a:r>
+              <a:rPr lang="en-GB" dirty="0" err="1" smtClean="0"/>
+              <a:t>cubeA</a:t>
+            </a:r>
+            <a:r>
+              <a:rPr lang="en-GB" dirty="0" smtClean="0"/>
+              <a:t> – centre[axis] of </a:t>
+            </a:r>
+            <a:r>
+              <a:rPr lang="en-GB" dirty="0" err="1" smtClean="0"/>
+              <a:t>cubeB</a:t>
+            </a:r>
+            <a:r>
+              <a:rPr lang="en-GB" dirty="0" smtClean="0"/>
+              <a:t> is less than</a:t>
+            </a:r>
+          </a:p>
+          <a:p>
+            <a:pPr lvl="2"/>
+            <a:r>
+              <a:rPr lang="en-GB" dirty="0" smtClean="0"/>
+              <a:t>The sum of the dimension of each cube on that axis</a:t>
+            </a:r>
+          </a:p>
+          <a:p>
+            <a:pPr lvl="2"/>
+            <a:endParaRPr lang="en-GB" dirty="0"/>
+          </a:p>
+          <a:p>
+            <a:pPr lvl="1"/>
+            <a:r>
+              <a:rPr lang="en-GB" dirty="0" smtClean="0"/>
+              <a:t>If the check is true on each axis then there is an intersection</a:t>
+            </a:r>
+          </a:p>
+          <a:p>
+            <a:pPr lvl="1"/>
+            <a:endParaRPr lang="en-GB" dirty="0"/>
+          </a:p>
+        </p:txBody>
+      </p:sp>
+      <p:sp>
+        <p:nvSpPr>
+          <p:cNvPr id="40" name="TextBox 39"/>
+          <p:cNvSpPr txBox="1"/>
+          <p:nvPr/>
+        </p:nvSpPr>
+        <p:spPr>
+          <a:xfrm>
+            <a:off x="622864" y="3840480"/>
+            <a:ext cx="914400" cy="369332"/>
+          </a:xfrm>
+          <a:prstGeom prst="rect">
+            <a:avLst/>
+          </a:prstGeom>
+          <a:noFill/>
+        </p:spPr>
+        <p:txBody>
+          <a:bodyPr wrap="square" rtlCol="0">
+            <a:spAutoFit/>
+          </a:bodyPr>
+          <a:lstStyle/>
+          <a:p>
+            <a:r>
+              <a:rPr lang="en-GB" dirty="0" err="1" smtClean="0"/>
+              <a:t>cubeA</a:t>
+            </a:r>
+            <a:endParaRPr lang="en-GB" dirty="0"/>
+          </a:p>
+        </p:txBody>
+      </p:sp>
+      <p:sp>
+        <p:nvSpPr>
+          <p:cNvPr id="41" name="TextBox 40"/>
+          <p:cNvSpPr txBox="1"/>
+          <p:nvPr/>
+        </p:nvSpPr>
+        <p:spPr>
+          <a:xfrm>
+            <a:off x="1977152" y="5562990"/>
+            <a:ext cx="914400" cy="369332"/>
+          </a:xfrm>
+          <a:prstGeom prst="rect">
+            <a:avLst/>
+          </a:prstGeom>
+          <a:noFill/>
+        </p:spPr>
+        <p:txBody>
+          <a:bodyPr wrap="square" rtlCol="0">
+            <a:spAutoFit/>
+          </a:bodyPr>
+          <a:lstStyle/>
+          <a:p>
+            <a:r>
+              <a:rPr lang="en-GB" dirty="0" err="1" smtClean="0"/>
+              <a:t>cubeB</a:t>
+            </a:r>
+            <a:endParaRPr lang="en-GB" dirty="0"/>
+          </a:p>
+        </p:txBody>
+      </p:sp>
+      <p:grpSp>
+        <p:nvGrpSpPr>
+          <p:cNvPr id="48" name="Group 47"/>
+          <p:cNvGrpSpPr/>
+          <p:nvPr/>
+        </p:nvGrpSpPr>
+        <p:grpSpPr>
+          <a:xfrm>
+            <a:off x="633047" y="2490025"/>
+            <a:ext cx="2291027" cy="1343421"/>
+            <a:chOff x="633047" y="2490025"/>
+            <a:chExt cx="2291027" cy="1343421"/>
+          </a:xfrm>
+        </p:grpSpPr>
+        <p:grpSp>
+          <p:nvGrpSpPr>
+            <p:cNvPr id="47" name="Group 46"/>
+            <p:cNvGrpSpPr/>
+            <p:nvPr/>
+          </p:nvGrpSpPr>
+          <p:grpSpPr>
+            <a:xfrm>
+              <a:off x="633047" y="2750233"/>
+              <a:ext cx="1083600" cy="1083213"/>
+              <a:chOff x="633047" y="2750233"/>
+              <a:chExt cx="1083600" cy="1083213"/>
+            </a:xfrm>
+          </p:grpSpPr>
+          <p:sp>
+            <p:nvSpPr>
+              <p:cNvPr id="6" name="Cube 5"/>
+              <p:cNvSpPr/>
+              <p:nvPr/>
+            </p:nvSpPr>
+            <p:spPr>
+              <a:xfrm flipH="1" flipV="1">
+                <a:off x="633047" y="2750233"/>
+                <a:ext cx="1083600" cy="1083213"/>
+              </a:xfrm>
+              <a:prstGeom prst="cube">
+                <a:avLst/>
+              </a:prstGeom>
+              <a:noFill/>
+              <a:ln>
+                <a:solidFill>
+                  <a:schemeClr val="tx1">
+                    <a:lumMod val="75000"/>
+                  </a:schemeClr>
+                </a:solidFill>
+              </a:ln>
+            </p:spPr>
+            <p:style>
+              <a:lnRef idx="2">
+                <a:schemeClr val="accent1">
+                  <a:shade val="50000"/>
+                </a:schemeClr>
+              </a:lnRef>
+              <a:fillRef idx="1">
+                <a:schemeClr val="accent1"/>
+              </a:fillRef>
+              <a:effectRef idx="0">
+                <a:schemeClr val="accent1"/>
+              </a:effectRef>
+              <a:fontRef idx="minor">
+                <a:schemeClr val="lt1"/>
+              </a:fontRef>
+            </p:style>
+            <p:txBody>
+              <a:bodyPr rtlCol="0" anchor="ctr"/>
+              <a:lstStyle/>
+              <a:p>
+                <a:pPr algn="ctr"/>
+                <a:endParaRPr lang="en-GB"/>
+              </a:p>
+            </p:txBody>
+          </p:sp>
+          <p:sp>
+            <p:nvSpPr>
+              <p:cNvPr id="9" name="Cube 8"/>
+              <p:cNvSpPr/>
+              <p:nvPr/>
+            </p:nvSpPr>
+            <p:spPr>
+              <a:xfrm>
+                <a:off x="633047" y="2750233"/>
+                <a:ext cx="1083600" cy="1083213"/>
+              </a:xfrm>
+              <a:prstGeom prst="cube">
+                <a:avLst/>
+              </a:prstGeom>
+              <a:noFill/>
+              <a:ln>
+                <a:solidFill>
+                  <a:schemeClr val="tx1"/>
+                </a:solidFill>
+              </a:ln>
+            </p:spPr>
+            <p:style>
+              <a:lnRef idx="2">
+                <a:schemeClr val="accent1">
+                  <a:shade val="50000"/>
+                </a:schemeClr>
+              </a:lnRef>
+              <a:fillRef idx="1">
+                <a:schemeClr val="accent1"/>
+              </a:fillRef>
+              <a:effectRef idx="0">
+                <a:schemeClr val="accent1"/>
+              </a:effectRef>
+              <a:fontRef idx="minor">
+                <a:schemeClr val="lt1"/>
+              </a:fontRef>
+            </p:style>
+            <p:txBody>
+              <a:bodyPr rtlCol="0" anchor="ctr"/>
+              <a:lstStyle/>
+              <a:p>
+                <a:pPr algn="ctr"/>
+                <a:endParaRPr lang="en-GB"/>
+              </a:p>
+            </p:txBody>
+          </p:sp>
+        </p:grpSp>
+        <p:grpSp>
+          <p:nvGrpSpPr>
+            <p:cNvPr id="44" name="Group 43"/>
+            <p:cNvGrpSpPr/>
+            <p:nvPr/>
+          </p:nvGrpSpPr>
+          <p:grpSpPr>
+            <a:xfrm>
+              <a:off x="1716647" y="2490025"/>
+              <a:ext cx="1207427" cy="1292662"/>
+              <a:chOff x="3029838" y="3833446"/>
+              <a:chExt cx="1207427" cy="1292662"/>
+            </a:xfrm>
+          </p:grpSpPr>
+          <p:sp>
+            <p:nvSpPr>
+              <p:cNvPr id="45" name="TextBox 44"/>
+              <p:cNvSpPr txBox="1"/>
+              <p:nvPr/>
+            </p:nvSpPr>
+            <p:spPr>
+              <a:xfrm>
+                <a:off x="3046960" y="3833446"/>
+                <a:ext cx="914400" cy="646331"/>
+              </a:xfrm>
+              <a:prstGeom prst="rect">
+                <a:avLst/>
+              </a:prstGeom>
+              <a:noFill/>
+            </p:spPr>
+            <p:txBody>
+              <a:bodyPr wrap="square" rtlCol="0">
+                <a:spAutoFit/>
+              </a:bodyPr>
+              <a:lstStyle/>
+              <a:p>
+                <a:r>
+                  <a:rPr lang="en-GB" dirty="0" smtClean="0"/>
+                  <a:t>Centre</a:t>
+                </a:r>
+              </a:p>
+              <a:p>
+                <a:r>
+                  <a:rPr lang="en-GB" dirty="0" smtClean="0"/>
+                  <a:t>(x, y, z)</a:t>
+                </a:r>
+                <a:endParaRPr lang="en-GB" dirty="0"/>
+              </a:p>
+            </p:txBody>
+          </p:sp>
+          <p:sp>
+            <p:nvSpPr>
+              <p:cNvPr id="46" name="TextBox 45"/>
+              <p:cNvSpPr txBox="1"/>
+              <p:nvPr/>
+            </p:nvSpPr>
+            <p:spPr>
+              <a:xfrm>
+                <a:off x="3029838" y="4479777"/>
+                <a:ext cx="1207427" cy="646331"/>
+              </a:xfrm>
+              <a:prstGeom prst="rect">
+                <a:avLst/>
+              </a:prstGeom>
+              <a:noFill/>
+            </p:spPr>
+            <p:txBody>
+              <a:bodyPr wrap="square" rtlCol="0">
+                <a:spAutoFit/>
+              </a:bodyPr>
+              <a:lstStyle/>
+              <a:p>
+                <a:r>
+                  <a:rPr lang="en-GB" dirty="0" smtClean="0"/>
+                  <a:t>Dimension</a:t>
+                </a:r>
+              </a:p>
+              <a:p>
+                <a:r>
+                  <a:rPr lang="en-GB" dirty="0" smtClean="0"/>
+                  <a:t>(x, y, z)</a:t>
+                </a:r>
+                <a:endParaRPr lang="en-GB" dirty="0"/>
+              </a:p>
+            </p:txBody>
+          </p:sp>
+        </p:grpSp>
+      </p:grpSp>
+      <p:grpSp>
+        <p:nvGrpSpPr>
+          <p:cNvPr id="49" name="Group 48"/>
+          <p:cNvGrpSpPr/>
+          <p:nvPr/>
+        </p:nvGrpSpPr>
+        <p:grpSpPr>
+          <a:xfrm>
+            <a:off x="1947854" y="4244948"/>
+            <a:ext cx="2291027" cy="1343421"/>
+            <a:chOff x="633047" y="2490025"/>
+            <a:chExt cx="2291027" cy="1343421"/>
+          </a:xfrm>
+        </p:grpSpPr>
+        <p:grpSp>
+          <p:nvGrpSpPr>
+            <p:cNvPr id="50" name="Group 49"/>
+            <p:cNvGrpSpPr/>
+            <p:nvPr/>
+          </p:nvGrpSpPr>
+          <p:grpSpPr>
+            <a:xfrm>
+              <a:off x="633047" y="2750233"/>
+              <a:ext cx="1083600" cy="1083213"/>
+              <a:chOff x="633047" y="2750233"/>
+              <a:chExt cx="1083600" cy="1083213"/>
+            </a:xfrm>
+          </p:grpSpPr>
+          <p:sp>
+            <p:nvSpPr>
+              <p:cNvPr id="54" name="Cube 53"/>
+              <p:cNvSpPr/>
+              <p:nvPr/>
+            </p:nvSpPr>
+            <p:spPr>
+              <a:xfrm flipH="1" flipV="1">
+                <a:off x="633047" y="2750233"/>
+                <a:ext cx="1083600" cy="1083213"/>
+              </a:xfrm>
+              <a:prstGeom prst="cube">
+                <a:avLst/>
+              </a:prstGeom>
+              <a:noFill/>
+              <a:ln>
+                <a:solidFill>
+                  <a:schemeClr val="tx1">
+                    <a:lumMod val="75000"/>
+                  </a:schemeClr>
+                </a:solidFill>
+              </a:ln>
+            </p:spPr>
+            <p:style>
+              <a:lnRef idx="2">
+                <a:schemeClr val="accent1">
+                  <a:shade val="50000"/>
+                </a:schemeClr>
+              </a:lnRef>
+              <a:fillRef idx="1">
+                <a:schemeClr val="accent1"/>
+              </a:fillRef>
+              <a:effectRef idx="0">
+                <a:schemeClr val="accent1"/>
+              </a:effectRef>
+              <a:fontRef idx="minor">
+                <a:schemeClr val="lt1"/>
+              </a:fontRef>
+            </p:style>
+            <p:txBody>
+              <a:bodyPr rtlCol="0" anchor="ctr"/>
+              <a:lstStyle/>
+              <a:p>
+                <a:pPr algn="ctr"/>
+                <a:endParaRPr lang="en-GB"/>
+              </a:p>
+            </p:txBody>
+          </p:sp>
+          <p:sp>
+            <p:nvSpPr>
+              <p:cNvPr id="55" name="Cube 54"/>
+              <p:cNvSpPr/>
+              <p:nvPr/>
+            </p:nvSpPr>
+            <p:spPr>
+              <a:xfrm>
+                <a:off x="633047" y="2750233"/>
+                <a:ext cx="1083600" cy="1083213"/>
+              </a:xfrm>
+              <a:prstGeom prst="cube">
+                <a:avLst/>
+              </a:prstGeom>
+              <a:noFill/>
+              <a:ln>
+                <a:solidFill>
+                  <a:schemeClr val="tx1"/>
+                </a:solidFill>
+              </a:ln>
+            </p:spPr>
+            <p:style>
+              <a:lnRef idx="2">
+                <a:schemeClr val="accent1">
+                  <a:shade val="50000"/>
+                </a:schemeClr>
+              </a:lnRef>
+              <a:fillRef idx="1">
+                <a:schemeClr val="accent1"/>
+              </a:fillRef>
+              <a:effectRef idx="0">
+                <a:schemeClr val="accent1"/>
+              </a:effectRef>
+              <a:fontRef idx="minor">
+                <a:schemeClr val="lt1"/>
+              </a:fontRef>
+            </p:style>
+            <p:txBody>
+              <a:bodyPr rtlCol="0" anchor="ctr"/>
+              <a:lstStyle/>
+              <a:p>
+                <a:pPr algn="ctr"/>
+                <a:endParaRPr lang="en-GB"/>
+              </a:p>
+            </p:txBody>
+          </p:sp>
+        </p:grpSp>
+        <p:grpSp>
+          <p:nvGrpSpPr>
+            <p:cNvPr id="51" name="Group 50"/>
+            <p:cNvGrpSpPr/>
+            <p:nvPr/>
+          </p:nvGrpSpPr>
+          <p:grpSpPr>
+            <a:xfrm>
+              <a:off x="1716647" y="2490025"/>
+              <a:ext cx="1207427" cy="1292662"/>
+              <a:chOff x="3029838" y="3833446"/>
+              <a:chExt cx="1207427" cy="1292662"/>
+            </a:xfrm>
+          </p:grpSpPr>
+          <p:sp>
+            <p:nvSpPr>
+              <p:cNvPr id="52" name="TextBox 51"/>
+              <p:cNvSpPr txBox="1"/>
+              <p:nvPr/>
+            </p:nvSpPr>
+            <p:spPr>
+              <a:xfrm>
+                <a:off x="3046960" y="3833446"/>
+                <a:ext cx="914400" cy="646331"/>
+              </a:xfrm>
+              <a:prstGeom prst="rect">
+                <a:avLst/>
+              </a:prstGeom>
+              <a:noFill/>
+            </p:spPr>
+            <p:txBody>
+              <a:bodyPr wrap="square" rtlCol="0">
+                <a:spAutoFit/>
+              </a:bodyPr>
+              <a:lstStyle/>
+              <a:p>
+                <a:r>
+                  <a:rPr lang="en-GB" dirty="0" smtClean="0"/>
+                  <a:t>Centre</a:t>
+                </a:r>
+              </a:p>
+              <a:p>
+                <a:r>
+                  <a:rPr lang="en-GB" dirty="0" smtClean="0"/>
+                  <a:t>(x, y, z)</a:t>
+                </a:r>
+                <a:endParaRPr lang="en-GB" dirty="0"/>
+              </a:p>
+            </p:txBody>
+          </p:sp>
+          <p:sp>
+            <p:nvSpPr>
+              <p:cNvPr id="53" name="TextBox 52"/>
+              <p:cNvSpPr txBox="1"/>
+              <p:nvPr/>
+            </p:nvSpPr>
+            <p:spPr>
+              <a:xfrm>
+                <a:off x="3029838" y="4479777"/>
+                <a:ext cx="1207427" cy="646331"/>
+              </a:xfrm>
+              <a:prstGeom prst="rect">
+                <a:avLst/>
+              </a:prstGeom>
+              <a:noFill/>
+            </p:spPr>
+            <p:txBody>
+              <a:bodyPr wrap="square" rtlCol="0">
+                <a:spAutoFit/>
+              </a:bodyPr>
+              <a:lstStyle/>
+              <a:p>
+                <a:r>
+                  <a:rPr lang="en-GB" dirty="0" smtClean="0"/>
+                  <a:t>Dimension</a:t>
+                </a:r>
+              </a:p>
+              <a:p>
+                <a:r>
+                  <a:rPr lang="en-GB" dirty="0" smtClean="0"/>
+                  <a:t>(x, y, z)</a:t>
+                </a:r>
+                <a:endParaRPr lang="en-GB" dirty="0"/>
+              </a:p>
+            </p:txBody>
+          </p:sp>
+        </p:grpSp>
+      </p:grpSp>
+    </p:spTree>
+    <p:extLst>
+      <p:ext uri="{BB962C8B-B14F-4D97-AF65-F5344CB8AC3E}">
+        <p14:creationId xmlns:p14="http://schemas.microsoft.com/office/powerpoint/2010/main" val="832188072"/>
+      </p:ext>
+    </p:extLst>
+  </p:cSld>
+  <p:clrMapOvr>
+    <a:masterClrMapping/>
+  </p:clrMapOvr>
+</p:sld>
+</file>
+
+<file path=ppt/slides/slide8.xml><?xml version="1.0" encoding="utf-8"?>
+<p:sld xmlns:a="http://schemas.openxmlformats.org/drawingml/2006/main" xmlns:r="http://schemas.openxmlformats.org/officeDocument/2006/relationships" xmlns:p="http://schemas.openxmlformats.org/presentationml/2006/main">
+  <p:cSld>
+    <p:spTree>
+      <p:nvGrpSpPr>
+        <p:cNvPr id="1" name=""/>
+        <p:cNvGrpSpPr/>
+        <p:nvPr/>
+      </p:nvGrpSpPr>
+      <p:grpSpPr>
+        <a:xfrm>
+          <a:off x="0" y="0"/>
+          <a:ext cx="0" cy="0"/>
+          <a:chOff x="0" y="0"/>
+          <a:chExt cx="0" cy="0"/>
+        </a:xfrm>
+      </p:grpSpPr>
+      <p:sp>
+        <p:nvSpPr>
+          <p:cNvPr id="27" name="TextBox 26"/>
+          <p:cNvSpPr txBox="1"/>
+          <p:nvPr/>
+        </p:nvSpPr>
+        <p:spPr>
+          <a:xfrm>
+            <a:off x="21572" y="1852642"/>
+            <a:ext cx="4438017" cy="4524315"/>
+          </a:xfrm>
+          <a:prstGeom prst="rect">
+            <a:avLst/>
+          </a:prstGeom>
+          <a:noFill/>
+        </p:spPr>
+        <p:txBody>
+          <a:bodyPr wrap="square" rtlCol="0">
+            <a:spAutoFit/>
+          </a:bodyPr>
+          <a:lstStyle/>
+          <a:p>
+            <a:r>
+              <a:rPr lang="en-GB" dirty="0"/>
+              <a:t>cube0.normals[0</a:t>
+            </a:r>
+            <a:r>
+              <a:rPr lang="en-GB" dirty="0" smtClean="0"/>
+              <a:t>],</a:t>
+            </a:r>
+            <a:endParaRPr lang="en-GB" dirty="0"/>
+          </a:p>
+          <a:p>
+            <a:r>
+              <a:rPr lang="en-GB" dirty="0"/>
+              <a:t>cube0.normals[1</a:t>
+            </a:r>
+            <a:r>
+              <a:rPr lang="en-GB" dirty="0" smtClean="0"/>
+              <a:t>],</a:t>
+            </a:r>
+            <a:endParaRPr lang="en-GB" dirty="0"/>
+          </a:p>
+          <a:p>
+            <a:r>
+              <a:rPr lang="en-GB" dirty="0" smtClean="0"/>
+              <a:t>cube0.normals[2],</a:t>
+            </a:r>
+            <a:endParaRPr lang="en-GB" dirty="0"/>
+          </a:p>
+          <a:p>
+            <a:r>
+              <a:rPr lang="en-GB" dirty="0"/>
+              <a:t>cube1.normals[0</a:t>
+            </a:r>
+            <a:r>
+              <a:rPr lang="en-GB" dirty="0" smtClean="0"/>
+              <a:t>],</a:t>
+            </a:r>
+            <a:endParaRPr lang="en-GB" dirty="0"/>
+          </a:p>
+          <a:p>
+            <a:r>
+              <a:rPr lang="en-GB" dirty="0"/>
+              <a:t>cube1.normals[1</a:t>
+            </a:r>
+            <a:r>
+              <a:rPr lang="en-GB" dirty="0" smtClean="0"/>
+              <a:t>],</a:t>
+            </a:r>
+            <a:endParaRPr lang="en-GB" dirty="0"/>
+          </a:p>
+          <a:p>
+            <a:r>
+              <a:rPr lang="en-GB" dirty="0"/>
+              <a:t>cube1.normals[2</a:t>
+            </a:r>
+            <a:r>
+              <a:rPr lang="en-GB" dirty="0" smtClean="0"/>
+              <a:t>],</a:t>
+            </a:r>
+            <a:endParaRPr lang="en-GB" dirty="0"/>
+          </a:p>
+          <a:p>
+            <a:r>
+              <a:rPr lang="en-GB" dirty="0"/>
+              <a:t>cross(cube0.normals[0], cube1.normals[0</a:t>
+            </a:r>
+            <a:r>
+              <a:rPr lang="en-GB" dirty="0" smtClean="0"/>
+              <a:t>]),</a:t>
+            </a:r>
+            <a:endParaRPr lang="en-GB" dirty="0"/>
+          </a:p>
+          <a:p>
+            <a:r>
+              <a:rPr lang="en-GB" dirty="0"/>
+              <a:t>cross(cube0.normals[0], </a:t>
+            </a:r>
+            <a:r>
+              <a:rPr lang="en-GB" dirty="0" smtClean="0"/>
+              <a:t>cube1.normals[1</a:t>
+            </a:r>
+            <a:r>
+              <a:rPr lang="en-GB" dirty="0"/>
+              <a:t>]),</a:t>
+            </a:r>
+          </a:p>
+          <a:p>
+            <a:r>
+              <a:rPr lang="en-GB" dirty="0" smtClean="0"/>
+              <a:t>cross(cube0.normals[0</a:t>
+            </a:r>
+            <a:r>
+              <a:rPr lang="en-GB" dirty="0"/>
+              <a:t>], cube1.normals[2]),</a:t>
+            </a:r>
+          </a:p>
+          <a:p>
+            <a:r>
+              <a:rPr lang="en-GB" dirty="0" smtClean="0"/>
+              <a:t>cross(cube0.normals[1</a:t>
+            </a:r>
+            <a:r>
+              <a:rPr lang="en-GB" dirty="0"/>
+              <a:t>], cube1.normals[0</a:t>
+            </a:r>
+            <a:r>
+              <a:rPr lang="en-GB" dirty="0" smtClean="0"/>
+              <a:t>]),</a:t>
+            </a:r>
+          </a:p>
+          <a:p>
+            <a:r>
+              <a:rPr lang="en-GB" dirty="0" smtClean="0"/>
+              <a:t> cross(cube0.normals[1</a:t>
+            </a:r>
+            <a:r>
+              <a:rPr lang="en-GB" dirty="0"/>
+              <a:t>], cube1.normals[1]),</a:t>
+            </a:r>
+          </a:p>
+          <a:p>
+            <a:r>
+              <a:rPr lang="en-GB" dirty="0" smtClean="0"/>
+              <a:t>cross(cube0.normals[1</a:t>
+            </a:r>
+            <a:r>
+              <a:rPr lang="en-GB" dirty="0"/>
+              <a:t>], cube1.normals[2]),</a:t>
+            </a:r>
+          </a:p>
+          <a:p>
+            <a:r>
+              <a:rPr lang="en-GB" dirty="0" smtClean="0"/>
+              <a:t>cross(cube0.normals[2</a:t>
+            </a:r>
+            <a:r>
+              <a:rPr lang="en-GB" dirty="0"/>
+              <a:t>], cube1.normals[0]),</a:t>
+            </a:r>
+          </a:p>
+          <a:p>
+            <a:r>
+              <a:rPr lang="en-GB" dirty="0" smtClean="0"/>
+              <a:t>cross(cube0.normals[2</a:t>
+            </a:r>
+            <a:r>
+              <a:rPr lang="en-GB" dirty="0"/>
+              <a:t>], cube1.normals[1]),</a:t>
+            </a:r>
+          </a:p>
+          <a:p>
+            <a:r>
+              <a:rPr lang="en-GB" dirty="0" smtClean="0"/>
+              <a:t>cross(cube0.normals[2</a:t>
+            </a:r>
+            <a:r>
+              <a:rPr lang="en-GB" dirty="0"/>
+              <a:t>], cube1.normals[2])</a:t>
+            </a:r>
+          </a:p>
+          <a:p>
+            <a:r>
+              <a:rPr lang="en-GB" dirty="0" smtClean="0"/>
+              <a:t>normalize(cube1.position </a:t>
+            </a:r>
+            <a:r>
+              <a:rPr lang="en-GB" dirty="0"/>
+              <a:t>- cube0.position</a:t>
+            </a:r>
+            <a:r>
+              <a:rPr lang="en-GB" dirty="0" smtClean="0"/>
+              <a:t>)</a:t>
+            </a:r>
+            <a:endParaRPr lang="en-GB" dirty="0"/>
+          </a:p>
+        </p:txBody>
+      </p:sp>
+      <p:sp>
+        <p:nvSpPr>
+          <p:cNvPr id="4" name="Title 1"/>
+          <p:cNvSpPr>
+            <a:spLocks noGrp="1"/>
+          </p:cNvSpPr>
+          <p:nvPr>
+            <p:ph type="title"/>
+          </p:nvPr>
+        </p:nvSpPr>
+        <p:spPr>
+          <a:xfrm>
+            <a:off x="1202919" y="284176"/>
+            <a:ext cx="9784080" cy="1508760"/>
+          </a:xfrm>
+        </p:spPr>
+        <p:txBody>
+          <a:bodyPr/>
+          <a:lstStyle/>
+          <a:p>
+            <a:r>
+              <a:rPr lang="en-GB" cap="none" dirty="0" smtClean="0"/>
+              <a:t>OBB v OBB</a:t>
+            </a:r>
+            <a:endParaRPr lang="en-GB" cap="none" dirty="0"/>
+          </a:p>
+        </p:txBody>
+      </p:sp>
+      <p:sp>
+        <p:nvSpPr>
+          <p:cNvPr id="5" name="Content Placeholder 2"/>
+          <p:cNvSpPr>
+            <a:spLocks noGrp="1"/>
+          </p:cNvSpPr>
+          <p:nvPr>
+            <p:ph idx="1"/>
+          </p:nvPr>
+        </p:nvSpPr>
+        <p:spPr>
+          <a:xfrm>
+            <a:off x="5718702" y="2011680"/>
+            <a:ext cx="5268296" cy="4206240"/>
+          </a:xfrm>
+        </p:spPr>
+        <p:txBody>
+          <a:bodyPr/>
+          <a:lstStyle/>
+          <a:p>
+            <a:pPr lvl="1"/>
+            <a:r>
+              <a:rPr lang="en-GB" dirty="0" smtClean="0"/>
+              <a:t>Take the 3 normal of two cubes (ignoring </a:t>
+            </a:r>
+            <a:r>
+              <a:rPr lang="en-GB" dirty="0" err="1" smtClean="0"/>
+              <a:t>normals</a:t>
+            </a:r>
+            <a:r>
+              <a:rPr lang="en-GB" dirty="0" smtClean="0"/>
+              <a:t> that are the negative of another)</a:t>
+            </a:r>
+          </a:p>
+          <a:p>
+            <a:pPr lvl="1"/>
+            <a:r>
+              <a:rPr lang="en-GB" dirty="0" smtClean="0"/>
+              <a:t>Add them to a list called ‘axes’</a:t>
+            </a:r>
+          </a:p>
+          <a:p>
+            <a:pPr lvl="1"/>
+            <a:r>
+              <a:rPr lang="en-GB" dirty="0" smtClean="0"/>
+              <a:t>Take the cross of each normal from the first cube and each normal from the second cube</a:t>
+            </a:r>
+          </a:p>
+          <a:p>
+            <a:pPr lvl="1"/>
+            <a:r>
+              <a:rPr lang="en-GB" dirty="0" smtClean="0"/>
+              <a:t>Add them to ‘axes’</a:t>
+            </a:r>
+          </a:p>
+          <a:p>
+            <a:pPr lvl="1"/>
+            <a:r>
+              <a:rPr lang="en-GB" dirty="0" smtClean="0"/>
+              <a:t>Add the normalized offset of the cubes to the list as well ‘axes’</a:t>
+            </a:r>
+          </a:p>
+          <a:p>
+            <a:pPr lvl="1"/>
+            <a:r>
+              <a:rPr lang="en-GB" dirty="0" smtClean="0"/>
+              <a:t>Get the corners of both cubes and add them to a list called ‘corners’</a:t>
+            </a:r>
+          </a:p>
+        </p:txBody>
+      </p:sp>
+      <p:sp>
+        <p:nvSpPr>
+          <p:cNvPr id="16" name="TextBox 15"/>
+          <p:cNvSpPr txBox="1"/>
+          <p:nvPr/>
+        </p:nvSpPr>
+        <p:spPr>
+          <a:xfrm>
+            <a:off x="4494517" y="1792936"/>
+            <a:ext cx="914400" cy="646331"/>
+          </a:xfrm>
+          <a:prstGeom prst="rect">
+            <a:avLst/>
+          </a:prstGeom>
+          <a:noFill/>
+        </p:spPr>
+        <p:txBody>
+          <a:bodyPr wrap="square" rtlCol="0">
+            <a:spAutoFit/>
+          </a:bodyPr>
+          <a:lstStyle/>
+          <a:p>
+            <a:r>
+              <a:rPr lang="en-GB" dirty="0" smtClean="0"/>
+              <a:t>Centre</a:t>
+            </a:r>
+          </a:p>
+          <a:p>
+            <a:r>
+              <a:rPr lang="en-GB" dirty="0" smtClean="0"/>
+              <a:t>(x, y, z)</a:t>
+            </a:r>
+            <a:endParaRPr lang="en-GB" dirty="0"/>
+          </a:p>
+        </p:txBody>
+      </p:sp>
+      <p:sp>
+        <p:nvSpPr>
+          <p:cNvPr id="17" name="TextBox 16"/>
+          <p:cNvSpPr txBox="1"/>
+          <p:nvPr/>
+        </p:nvSpPr>
+        <p:spPr>
+          <a:xfrm>
+            <a:off x="4476871" y="2427068"/>
+            <a:ext cx="1207427" cy="646331"/>
+          </a:xfrm>
+          <a:prstGeom prst="rect">
+            <a:avLst/>
+          </a:prstGeom>
+          <a:noFill/>
+        </p:spPr>
+        <p:txBody>
+          <a:bodyPr wrap="square" rtlCol="0">
+            <a:spAutoFit/>
+          </a:bodyPr>
+          <a:lstStyle/>
+          <a:p>
+            <a:r>
+              <a:rPr lang="en-GB" dirty="0" smtClean="0"/>
+              <a:t>Dimension</a:t>
+            </a:r>
+          </a:p>
+          <a:p>
+            <a:r>
+              <a:rPr lang="en-GB" dirty="0" smtClean="0"/>
+              <a:t>(x, y, z)</a:t>
+            </a:r>
+            <a:endParaRPr lang="en-GB" dirty="0"/>
+          </a:p>
+        </p:txBody>
+      </p:sp>
+      <p:sp>
+        <p:nvSpPr>
+          <p:cNvPr id="20" name="TextBox 19"/>
+          <p:cNvSpPr txBox="1"/>
+          <p:nvPr/>
+        </p:nvSpPr>
+        <p:spPr>
+          <a:xfrm>
+            <a:off x="4493993" y="3073399"/>
+            <a:ext cx="1463311" cy="646331"/>
+          </a:xfrm>
+          <a:prstGeom prst="rect">
+            <a:avLst/>
+          </a:prstGeom>
+          <a:noFill/>
+        </p:spPr>
+        <p:txBody>
+          <a:bodyPr wrap="square" rtlCol="0">
+            <a:spAutoFit/>
+          </a:bodyPr>
+          <a:lstStyle/>
+          <a:p>
+            <a:r>
+              <a:rPr lang="en-GB" dirty="0" smtClean="0"/>
+              <a:t>Rotation</a:t>
+            </a:r>
+          </a:p>
+          <a:p>
+            <a:r>
+              <a:rPr lang="en-GB" dirty="0" smtClean="0"/>
+              <a:t>(4x4 Matrix)</a:t>
+            </a:r>
+            <a:endParaRPr lang="en-GB" dirty="0"/>
+          </a:p>
+        </p:txBody>
+      </p:sp>
+      <p:cxnSp>
+        <p:nvCxnSpPr>
+          <p:cNvPr id="22" name="Straight Arrow Connector 21"/>
+          <p:cNvCxnSpPr/>
+          <p:nvPr/>
+        </p:nvCxnSpPr>
+        <p:spPr>
+          <a:xfrm flipH="1">
+            <a:off x="3199376" y="2755120"/>
+            <a:ext cx="351692" cy="0"/>
+          </a:xfrm>
+          <a:prstGeom prst="straightConnector1">
+            <a:avLst/>
+          </a:prstGeom>
+          <a:ln>
+            <a:solidFill>
+              <a:srgbClr val="FD3535"/>
+            </a:solidFill>
+            <a:tailEnd type="triangle"/>
+          </a:ln>
+        </p:spPr>
+        <p:style>
+          <a:lnRef idx="3">
+            <a:schemeClr val="accent4"/>
+          </a:lnRef>
+          <a:fillRef idx="0">
+            <a:schemeClr val="accent4"/>
+          </a:fillRef>
+          <a:effectRef idx="2">
+            <a:schemeClr val="accent4"/>
+          </a:effectRef>
+          <a:fontRef idx="minor">
+            <a:schemeClr val="tx1"/>
+          </a:fontRef>
+        </p:style>
+      </p:cxnSp>
+      <p:sp>
+        <p:nvSpPr>
+          <p:cNvPr id="19" name="Cube 18"/>
+          <p:cNvSpPr/>
+          <p:nvPr/>
+        </p:nvSpPr>
+        <p:spPr>
+          <a:xfrm>
+            <a:off x="3410392" y="2165061"/>
+            <a:ext cx="1083600" cy="1083213"/>
+          </a:xfrm>
+          <a:prstGeom prst="cube">
+            <a:avLst/>
+          </a:prstGeom>
+          <a:solidFill>
+            <a:schemeClr val="bg1">
+              <a:lumMod val="25000"/>
+              <a:lumOff val="75000"/>
+            </a:schemeClr>
+          </a:solidFill>
+          <a:ln>
+            <a:solidFill>
+              <a:schemeClr val="bg1">
+                <a:lumMod val="75000"/>
+                <a:lumOff val="25000"/>
+              </a:schemeClr>
+            </a:solidFill>
+          </a:ln>
+        </p:spPr>
+        <p:style>
+          <a:lnRef idx="2">
+            <a:schemeClr val="accent1">
+              <a:shade val="50000"/>
+            </a:schemeClr>
+          </a:lnRef>
+          <a:fillRef idx="1">
+            <a:schemeClr val="accent1"/>
+          </a:fillRef>
+          <a:effectRef idx="0">
+            <a:schemeClr val="accent1"/>
+          </a:effectRef>
+          <a:fontRef idx="minor">
+            <a:schemeClr val="lt1"/>
+          </a:fontRef>
+        </p:style>
+        <p:txBody>
+          <a:bodyPr rtlCol="0" anchor="ctr"/>
+          <a:lstStyle/>
+          <a:p>
+            <a:pPr algn="ctr"/>
+            <a:endParaRPr lang="en-GB"/>
+          </a:p>
+        </p:txBody>
+      </p:sp>
+      <p:cxnSp>
+        <p:nvCxnSpPr>
+          <p:cNvPr id="23" name="Straight Arrow Connector 22"/>
+          <p:cNvCxnSpPr/>
+          <p:nvPr/>
+        </p:nvCxnSpPr>
+        <p:spPr>
+          <a:xfrm rot="5400000" flipH="1">
+            <a:off x="3776282" y="2150993"/>
+            <a:ext cx="351692" cy="0"/>
+          </a:xfrm>
+          <a:prstGeom prst="straightConnector1">
+            <a:avLst/>
+          </a:prstGeom>
+          <a:ln>
+            <a:solidFill>
+              <a:srgbClr val="FD3535"/>
+            </a:solidFill>
+            <a:tailEnd type="triangle"/>
+          </a:ln>
+        </p:spPr>
+        <p:style>
+          <a:lnRef idx="3">
+            <a:schemeClr val="accent4"/>
+          </a:lnRef>
+          <a:fillRef idx="0">
+            <a:schemeClr val="accent4"/>
+          </a:fillRef>
+          <a:effectRef idx="2">
+            <a:schemeClr val="accent4"/>
+          </a:effectRef>
+          <a:fontRef idx="minor">
+            <a:schemeClr val="tx1"/>
+          </a:fontRef>
+        </p:style>
+      </p:cxnSp>
+      <p:cxnSp>
+        <p:nvCxnSpPr>
+          <p:cNvPr id="25" name="Straight Arrow Connector 24"/>
+          <p:cNvCxnSpPr/>
+          <p:nvPr/>
+        </p:nvCxnSpPr>
+        <p:spPr>
+          <a:xfrm rot="18900000" flipH="1">
+            <a:off x="3548024" y="2939715"/>
+            <a:ext cx="351692" cy="0"/>
+          </a:xfrm>
+          <a:prstGeom prst="straightConnector1">
+            <a:avLst/>
+          </a:prstGeom>
+          <a:ln>
+            <a:solidFill>
+              <a:srgbClr val="FD3535"/>
+            </a:solidFill>
+            <a:tailEnd type="triangle"/>
+          </a:ln>
+        </p:spPr>
+        <p:style>
+          <a:lnRef idx="3">
+            <a:schemeClr val="accent4"/>
+          </a:lnRef>
+          <a:fillRef idx="0">
+            <a:schemeClr val="accent4"/>
+          </a:fillRef>
+          <a:effectRef idx="2">
+            <a:schemeClr val="accent4"/>
+          </a:effectRef>
+          <a:fontRef idx="minor">
+            <a:schemeClr val="tx1"/>
+          </a:fontRef>
+        </p:style>
+      </p:cxnSp>
+      <p:sp>
+        <p:nvSpPr>
+          <p:cNvPr id="26" name="TextBox 25"/>
+          <p:cNvSpPr txBox="1"/>
+          <p:nvPr/>
+        </p:nvSpPr>
+        <p:spPr>
+          <a:xfrm>
+            <a:off x="4493993" y="3719729"/>
+            <a:ext cx="1146468" cy="646331"/>
+          </a:xfrm>
+          <a:prstGeom prst="rect">
+            <a:avLst/>
+          </a:prstGeom>
+          <a:noFill/>
+        </p:spPr>
+        <p:txBody>
+          <a:bodyPr wrap="none" rtlCol="0">
+            <a:spAutoFit/>
+          </a:bodyPr>
+          <a:lstStyle/>
+          <a:p>
+            <a:r>
+              <a:rPr lang="en-GB" dirty="0" smtClean="0"/>
+              <a:t>3 </a:t>
+            </a:r>
+            <a:r>
+              <a:rPr lang="en-GB" dirty="0" err="1" smtClean="0"/>
+              <a:t>Normals</a:t>
+            </a:r>
+            <a:endParaRPr lang="en-GB" dirty="0"/>
+          </a:p>
+          <a:p>
+            <a:r>
+              <a:rPr lang="en-GB" dirty="0" smtClean="0"/>
+              <a:t>(x, y, z)</a:t>
+            </a:r>
+            <a:endParaRPr lang="en-GB" dirty="0"/>
+          </a:p>
+        </p:txBody>
+      </p:sp>
+      <p:cxnSp>
+        <p:nvCxnSpPr>
+          <p:cNvPr id="44" name="Straight Connector 43"/>
+          <p:cNvCxnSpPr/>
+          <p:nvPr/>
+        </p:nvCxnSpPr>
+        <p:spPr>
+          <a:xfrm>
+            <a:off x="4290646" y="3560692"/>
+            <a:ext cx="0" cy="2657228"/>
+          </a:xfrm>
+          <a:prstGeom prst="line">
+            <a:avLst/>
+          </a:prstGeom>
+        </p:spPr>
+        <p:style>
+          <a:lnRef idx="3">
+            <a:schemeClr val="dk1"/>
+          </a:lnRef>
+          <a:fillRef idx="0">
+            <a:schemeClr val="dk1"/>
+          </a:fillRef>
+          <a:effectRef idx="2">
+            <a:schemeClr val="dk1"/>
+          </a:effectRef>
+          <a:fontRef idx="minor">
+            <a:schemeClr val="tx1"/>
+          </a:fontRef>
+        </p:style>
+      </p:cxnSp>
+    </p:spTree>
+    <p:extLst>
+      <p:ext uri="{BB962C8B-B14F-4D97-AF65-F5344CB8AC3E}">
+        <p14:creationId xmlns:p14="http://schemas.microsoft.com/office/powerpoint/2010/main" val="3343722169"/>
+      </p:ext>
+    </p:extLst>
+  </p:cSld>
+  <p:clrMapOvr>
+    <a:masterClrMapping/>
+  </p:clrMapOvr>
+</p:sld>
+</file>
+
+<file path=ppt/slides/slide9.xml><?xml version="1.0" encoding="utf-8"?>
+<p:sld xmlns:a="http://schemas.openxmlformats.org/drawingml/2006/main" xmlns:r="http://schemas.openxmlformats.org/officeDocument/2006/relationships" xmlns:p="http://schemas.openxmlformats.org/presentationml/2006/main">
+  <p:cSld>
+    <p:spTree>
+      <p:nvGrpSpPr>
+        <p:cNvPr id="1" name=""/>
+        <p:cNvGrpSpPr/>
+        <p:nvPr/>
+      </p:nvGrpSpPr>
+      <p:grpSpPr>
+        <a:xfrm>
+          <a:off x="0" y="0"/>
+          <a:ext cx="0" cy="0"/>
+          <a:chOff x="0" y="0"/>
+          <a:chExt cx="0" cy="0"/>
+        </a:xfrm>
+      </p:grpSpPr>
+      <p:sp>
+        <p:nvSpPr>
+          <p:cNvPr id="2" name="Title 1"/>
+          <p:cNvSpPr>
+            <a:spLocks noGrp="1"/>
+          </p:cNvSpPr>
+          <p:nvPr>
+            <p:ph type="title"/>
+          </p:nvPr>
+        </p:nvSpPr>
+        <p:spPr/>
+        <p:txBody>
+          <a:bodyPr/>
+          <a:lstStyle/>
+          <a:p>
+            <a:r>
+              <a:rPr lang="en-GB" cap="none" dirty="0" smtClean="0"/>
+              <a:t>OBB v OBB (cont.)</a:t>
+            </a:r>
+            <a:endParaRPr lang="en-GB" cap="none" dirty="0"/>
+          </a:p>
+        </p:txBody>
+      </p:sp>
+      <p:sp>
+        <p:nvSpPr>
+          <p:cNvPr id="3" name="Content Placeholder 2"/>
+          <p:cNvSpPr>
+            <a:spLocks noGrp="1"/>
+          </p:cNvSpPr>
+          <p:nvPr>
+            <p:ph idx="1"/>
+          </p:nvPr>
+        </p:nvSpPr>
+        <p:spPr/>
+        <p:txBody>
+          <a:bodyPr/>
+          <a:lstStyle/>
+          <a:p>
+            <a:r>
+              <a:rPr lang="en-GB" dirty="0" smtClean="0"/>
+              <a:t>For every axis in the ‘axes’ list</a:t>
+            </a:r>
+          </a:p>
+          <a:p>
+            <a:pPr lvl="1"/>
+            <a:r>
+              <a:rPr lang="en-GB" dirty="0" smtClean="0"/>
+              <a:t>Do a 1D intersection test</a:t>
+            </a:r>
+          </a:p>
+          <a:p>
+            <a:pPr lvl="1"/>
+            <a:r>
+              <a:rPr lang="en-GB" dirty="0" smtClean="0"/>
+              <a:t>If at any point, the 1D intersection is false, there is no intersection = no collision</a:t>
+            </a:r>
+          </a:p>
+          <a:p>
+            <a:r>
+              <a:rPr lang="en-GB" dirty="0" smtClean="0"/>
+              <a:t>If each test returned true, pick the test that returned the lowest overlap and use the axis for that as the collision direction</a:t>
+            </a:r>
+          </a:p>
+          <a:p>
+            <a:r>
+              <a:rPr lang="en-GB" dirty="0" smtClean="0"/>
+              <a:t>1D intersection test:</a:t>
+            </a:r>
+          </a:p>
+          <a:p>
+            <a:pPr lvl="1"/>
+            <a:r>
+              <a:rPr lang="en-GB" dirty="0" smtClean="0"/>
+              <a:t>Take the dot product of the axis against each corner (for both cubes)</a:t>
+            </a:r>
+          </a:p>
+          <a:p>
+            <a:pPr lvl="1"/>
+            <a:r>
+              <a:rPr lang="en-GB" dirty="0" smtClean="0"/>
+              <a:t>Store the min and max value from the dot product for each cube</a:t>
+            </a:r>
+          </a:p>
+          <a:p>
+            <a:pPr lvl="1"/>
+            <a:r>
+              <a:rPr lang="en-GB" dirty="0" smtClean="0"/>
+              <a:t>Calculate the </a:t>
+            </a:r>
+            <a:r>
+              <a:rPr lang="en-GB" dirty="0" err="1" smtClean="0"/>
+              <a:t>longSpan</a:t>
+            </a:r>
+            <a:r>
+              <a:rPr lang="en-GB" dirty="0" smtClean="0"/>
+              <a:t> </a:t>
+            </a:r>
+            <a:r>
+              <a:rPr lang="en-GB" dirty="0"/>
+              <a:t>= </a:t>
+            </a:r>
+            <a:r>
+              <a:rPr lang="en-GB" dirty="0" err="1"/>
+              <a:t>fmax</a:t>
+            </a:r>
+            <a:r>
+              <a:rPr lang="en-GB" dirty="0"/>
+              <a:t>(max0, max1) - </a:t>
+            </a:r>
+            <a:r>
+              <a:rPr lang="en-GB" dirty="0" err="1"/>
+              <a:t>fmin</a:t>
+            </a:r>
+            <a:r>
+              <a:rPr lang="en-GB" dirty="0"/>
+              <a:t>(min0, min1</a:t>
+            </a:r>
+            <a:r>
+              <a:rPr lang="en-GB" dirty="0" smtClean="0"/>
+              <a:t>)</a:t>
+            </a:r>
+          </a:p>
+          <a:p>
+            <a:pPr lvl="1"/>
+            <a:r>
+              <a:rPr lang="en-GB" dirty="0"/>
+              <a:t>Calculate the </a:t>
+            </a:r>
+            <a:r>
+              <a:rPr lang="en-GB" sz="2000" dirty="0" err="1" smtClean="0"/>
+              <a:t>sumSpan</a:t>
+            </a:r>
+            <a:r>
+              <a:rPr lang="en-GB" sz="2000" dirty="0" smtClean="0"/>
+              <a:t> </a:t>
+            </a:r>
+            <a:r>
+              <a:rPr lang="en-GB" sz="2000" dirty="0"/>
+              <a:t>= max0 - min0 + max1 - </a:t>
+            </a:r>
+            <a:r>
+              <a:rPr lang="en-GB" sz="2000" dirty="0" smtClean="0"/>
+              <a:t>min1</a:t>
+            </a:r>
+          </a:p>
+          <a:p>
+            <a:pPr lvl="1"/>
+            <a:r>
+              <a:rPr lang="en-GB" dirty="0" smtClean="0"/>
+              <a:t>If the long span is less than or equal to the sum span, there is an overlap on the axis</a:t>
+            </a:r>
+            <a:endParaRPr lang="en-GB" sz="2000" dirty="0" smtClean="0"/>
+          </a:p>
+        </p:txBody>
+      </p:sp>
+    </p:spTree>
+    <p:extLst>
+      <p:ext uri="{BB962C8B-B14F-4D97-AF65-F5344CB8AC3E}">
+        <p14:creationId xmlns:p14="http://schemas.microsoft.com/office/powerpoint/2010/main" val="144255503"/>
+      </p:ext>
+    </p:extLst>
+  </p:cSld>
+  <p:clrMapOvr>
+    <a:masterClrMapping/>
+  </p:clrMapOvr>
 </p:sld>
 </file>
 

--- a/Presentation/Inverse Kinematics and Particles.pptx
+++ b/Presentation/Inverse Kinematics and Particles.pptx
@@ -14,12 +14,15 @@
     <p:sldId id="262" r:id="rId8"/>
     <p:sldId id="263" r:id="rId9"/>
     <p:sldId id="264" r:id="rId10"/>
-    <p:sldId id="265" r:id="rId11"/>
-    <p:sldId id="266" r:id="rId12"/>
-    <p:sldId id="267" r:id="rId13"/>
+    <p:sldId id="266" r:id="rId11"/>
+    <p:sldId id="267" r:id="rId12"/>
+    <p:sldId id="271" r:id="rId13"/>
     <p:sldId id="268" r:id="rId14"/>
-    <p:sldId id="269" r:id="rId15"/>
-    <p:sldId id="270" r:id="rId16"/>
+    <p:sldId id="272" r:id="rId15"/>
+    <p:sldId id="273" r:id="rId16"/>
+    <p:sldId id="274" r:id="rId17"/>
+    <p:sldId id="275" r:id="rId18"/>
+    <p:sldId id="270" r:id="rId19"/>
   </p:sldIdLst>
   <p:sldSz cx="12192000" cy="6858000"/>
   <p:notesSz cx="6858000" cy="9144000"/>
@@ -302,7 +305,7 @@
           <a:p>
             <a:fld id="{96DFF08F-DC6B-4601-B491-B0F83F6DD2DA}" type="datetimeFigureOut">
               <a:rPr lang="en-US" dirty="0"/>
-              <a:t>11/28/2015</a:t>
+              <a:t>11/30/2015</a:t>
             </a:fld>
             <a:endParaRPr lang="en-US" dirty="0"/>
           </a:p>
@@ -467,7 +470,7 @@
           <a:p>
             <a:fld id="{96DFF08F-DC6B-4601-B491-B0F83F6DD2DA}" type="datetimeFigureOut">
               <a:rPr lang="en-US" dirty="0"/>
-              <a:t>11/28/2015</a:t>
+              <a:t>11/30/2015</a:t>
             </a:fld>
             <a:endParaRPr lang="en-US" dirty="0"/>
           </a:p>
@@ -685,7 +688,7 @@
           <a:p>
             <a:fld id="{96DFF08F-DC6B-4601-B491-B0F83F6DD2DA}" type="datetimeFigureOut">
               <a:rPr lang="en-US" dirty="0"/>
-              <a:t>11/28/2015</a:t>
+              <a:t>11/30/2015</a:t>
             </a:fld>
             <a:endParaRPr lang="en-US" dirty="0"/>
           </a:p>
@@ -860,7 +863,7 @@
           <a:p>
             <a:fld id="{96DFF08F-DC6B-4601-B491-B0F83F6DD2DA}" type="datetimeFigureOut">
               <a:rPr lang="en-US" dirty="0"/>
-              <a:t>11/28/2015</a:t>
+              <a:t>11/30/2015</a:t>
             </a:fld>
             <a:endParaRPr lang="en-US" dirty="0"/>
           </a:p>
@@ -1157,7 +1160,7 @@
             <a:fld id="{96DFF08F-DC6B-4601-B491-B0F83F6DD2DA}" type="datetimeFigureOut">
               <a:rPr lang="en-US" dirty="0"/>
               <a:pPr/>
-              <a:t>11/28/2015</a:t>
+              <a:t>11/30/2015</a:t>
             </a:fld>
             <a:endParaRPr lang="en-US" dirty="0"/>
           </a:p>
@@ -1457,7 +1460,7 @@
           <a:p>
             <a:fld id="{96DFF08F-DC6B-4601-B491-B0F83F6DD2DA}" type="datetimeFigureOut">
               <a:rPr lang="en-US" dirty="0"/>
-              <a:t>11/28/2015</a:t>
+              <a:t>11/30/2015</a:t>
             </a:fld>
             <a:endParaRPr lang="en-US" dirty="0"/>
           </a:p>
@@ -1874,7 +1877,7 @@
           <a:p>
             <a:fld id="{96DFF08F-DC6B-4601-B491-B0F83F6DD2DA}" type="datetimeFigureOut">
               <a:rPr lang="en-US" dirty="0"/>
-              <a:t>11/28/2015</a:t>
+              <a:t>11/30/2015</a:t>
             </a:fld>
             <a:endParaRPr lang="en-US" dirty="0"/>
           </a:p>
@@ -1987,7 +1990,7 @@
           <a:p>
             <a:fld id="{96DFF08F-DC6B-4601-B491-B0F83F6DD2DA}" type="datetimeFigureOut">
               <a:rPr lang="en-US" dirty="0"/>
-              <a:t>11/28/2015</a:t>
+              <a:t>11/30/2015</a:t>
             </a:fld>
             <a:endParaRPr lang="en-US" dirty="0"/>
           </a:p>
@@ -2077,7 +2080,7 @@
           <a:p>
             <a:fld id="{96DFF08F-DC6B-4601-B491-B0F83F6DD2DA}" type="datetimeFigureOut">
               <a:rPr lang="en-US" dirty="0"/>
-              <a:t>11/28/2015</a:t>
+              <a:t>11/30/2015</a:t>
             </a:fld>
             <a:endParaRPr lang="en-US" dirty="0"/>
           </a:p>
@@ -2345,7 +2348,7 @@
           <a:p>
             <a:fld id="{96DFF08F-DC6B-4601-B491-B0F83F6DD2DA}" type="datetimeFigureOut">
               <a:rPr lang="en-US" dirty="0"/>
-              <a:t>11/28/2015</a:t>
+              <a:t>11/30/2015</a:t>
             </a:fld>
             <a:endParaRPr lang="en-US" dirty="0"/>
           </a:p>
@@ -2605,7 +2608,7 @@
           <a:p>
             <a:fld id="{96DFF08F-DC6B-4601-B491-B0F83F6DD2DA}" type="datetimeFigureOut">
               <a:rPr lang="en-US" dirty="0"/>
-              <a:t>11/28/2015</a:t>
+              <a:t>11/30/2015</a:t>
             </a:fld>
             <a:endParaRPr lang="en-US" dirty="0"/>
           </a:p>
@@ -2853,7 +2856,7 @@
             <a:fld id="{96DFF08F-DC6B-4601-B491-B0F83F6DD2DA}" type="datetimeFigureOut">
               <a:rPr lang="en-US" dirty="0"/>
               <a:pPr/>
-              <a:t>11/28/2015</a:t>
+              <a:t>11/30/2015</a:t>
             </a:fld>
             <a:endParaRPr lang="en-US" dirty="0"/>
           </a:p>
@@ -3457,41 +3460,1044 @@
           <a:p>
             <a:r>
               <a:rPr lang="en-GB" cap="none" dirty="0" smtClean="0"/>
-              <a:t>Line v line</a:t>
+              <a:t>Sphere v plane</a:t>
             </a:r>
             <a:endParaRPr lang="en-GB" cap="none" dirty="0"/>
           </a:p>
         </p:txBody>
       </p:sp>
-      <p:sp>
-        <p:nvSpPr>
-          <p:cNvPr id="3" name="Content Placeholder 2"/>
-          <p:cNvSpPr>
-            <a:spLocks noGrp="1"/>
-          </p:cNvSpPr>
-          <p:nvPr>
-            <p:ph idx="1"/>
-          </p:nvPr>
-        </p:nvSpPr>
-        <p:spPr/>
-        <p:txBody>
-          <a:bodyPr/>
-          <a:lstStyle/>
-          <a:p>
-            <a:endParaRPr lang="en-GB" dirty="0"/>
-          </a:p>
-        </p:txBody>
-      </p:sp>
+      <mc:AlternateContent xmlns:mc="http://schemas.openxmlformats.org/markup-compatibility/2006">
+        <mc:Choice xmlns:a14="http://schemas.microsoft.com/office/drawing/2010/main" Requires="a14">
+          <p:sp>
+            <p:nvSpPr>
+              <p:cNvPr id="3" name="Content Placeholder 2"/>
+              <p:cNvSpPr>
+                <a:spLocks noGrp="1"/>
+              </p:cNvSpPr>
+              <p:nvPr>
+                <p:ph idx="1"/>
+              </p:nvPr>
+            </p:nvSpPr>
+            <p:spPr>
+              <a:xfrm>
+                <a:off x="4331302" y="2011680"/>
+                <a:ext cx="6655697" cy="4206240"/>
+              </a:xfrm>
+            </p:spPr>
+            <p:txBody>
+              <a:bodyPr/>
+              <a:lstStyle/>
+              <a:p>
+                <a:pPr>
+                  <a:buFont typeface="Arial" panose="020B0604020202020204" pitchFamily="34" charset="0"/>
+                  <a:buChar char="•"/>
+                </a:pPr>
+                <a:r>
+                  <a:rPr lang="en-GB" dirty="0" smtClean="0"/>
+                  <a:t>Calculate the distance from the origin</a:t>
+                </a:r>
+              </a:p>
+              <a:p>
+                <a:pPr lvl="1">
+                  <a:buFont typeface="Arial" panose="020B0604020202020204" pitchFamily="34" charset="0"/>
+                  <a:buChar char="•"/>
+                </a:pPr>
+                <a14:m>
+                  <m:oMath xmlns:m="http://schemas.openxmlformats.org/officeDocument/2006/math">
+                    <m:sSub>
+                      <m:sSubPr>
+                        <m:ctrlPr>
+                          <a:rPr lang="en-GB" i="1" smtClean="0">
+                            <a:latin typeface="Cambria Math" panose="02040503050406030204" pitchFamily="18" charset="0"/>
+                          </a:rPr>
+                        </m:ctrlPr>
+                      </m:sSubPr>
+                      <m:e>
+                        <m:r>
+                          <a:rPr lang="en-GB" b="0" i="1" smtClean="0">
+                            <a:latin typeface="Cambria Math" panose="02040503050406030204" pitchFamily="18" charset="0"/>
+                          </a:rPr>
+                          <m:t>𝑑</m:t>
+                        </m:r>
+                      </m:e>
+                      <m:sub>
+                        <m:r>
+                          <a:rPr lang="en-GB" b="0" i="1" smtClean="0">
+                            <a:latin typeface="Cambria Math" panose="02040503050406030204" pitchFamily="18" charset="0"/>
+                          </a:rPr>
+                          <m:t>0</m:t>
+                        </m:r>
+                      </m:sub>
+                    </m:sSub>
+                    <m:r>
+                      <a:rPr lang="en-GB" b="0" i="1" smtClean="0">
+                        <a:latin typeface="Cambria Math" panose="02040503050406030204" pitchFamily="18" charset="0"/>
+                      </a:rPr>
+                      <m:t>= </m:t>
+                    </m:r>
+                    <m:sSub>
+                      <m:sSubPr>
+                        <m:ctrlPr>
+                          <a:rPr lang="en-GB" b="0" i="1" smtClean="0">
+                            <a:latin typeface="Cambria Math" panose="02040503050406030204" pitchFamily="18" charset="0"/>
+                          </a:rPr>
+                        </m:ctrlPr>
+                      </m:sSubPr>
+                      <m:e>
+                        <m:r>
+                          <a:rPr lang="en-GB" i="1">
+                            <a:latin typeface="Cambria Math" panose="02040503050406030204" pitchFamily="18" charset="0"/>
+                          </a:rPr>
+                          <m:t>𝑃𝑙𝑎𝑛𝑒</m:t>
+                        </m:r>
+                      </m:e>
+                      <m:sub>
+                        <m:r>
+                          <a:rPr lang="en-GB" b="0" i="1" smtClean="0">
+                            <a:latin typeface="Cambria Math" panose="02040503050406030204" pitchFamily="18" charset="0"/>
+                          </a:rPr>
+                          <m:t>𝑛𝑜𝑟𝑚𝑎𝑙</m:t>
+                        </m:r>
+                      </m:sub>
+                    </m:sSub>
+                    <m:r>
+                      <a:rPr lang="en-GB" b="0" i="1" smtClean="0">
+                        <a:latin typeface="Cambria Math" panose="02040503050406030204" pitchFamily="18" charset="0"/>
+                      </a:rPr>
+                      <m:t> . </m:t>
+                    </m:r>
+                    <m:sSub>
+                      <m:sSubPr>
+                        <m:ctrlPr>
+                          <a:rPr lang="en-GB" b="0" i="1" smtClean="0">
+                            <a:latin typeface="Cambria Math" panose="02040503050406030204" pitchFamily="18" charset="0"/>
+                          </a:rPr>
+                        </m:ctrlPr>
+                      </m:sSubPr>
+                      <m:e>
+                        <m:r>
+                          <a:rPr lang="en-GB" b="0" i="1" smtClean="0">
+                            <a:latin typeface="Cambria Math" panose="02040503050406030204" pitchFamily="18" charset="0"/>
+                          </a:rPr>
+                          <m:t>𝑃𝑙𝑎𝑛𝑒</m:t>
+                        </m:r>
+                      </m:e>
+                      <m:sub>
+                        <m:r>
+                          <a:rPr lang="en-GB" b="0" i="1" smtClean="0">
+                            <a:latin typeface="Cambria Math" panose="02040503050406030204" pitchFamily="18" charset="0"/>
+                          </a:rPr>
+                          <m:t>𝑝𝑜𝑠𝑖𝑡𝑖𝑜𝑛</m:t>
+                        </m:r>
+                      </m:sub>
+                    </m:sSub>
+                  </m:oMath>
+                </a14:m>
+                <a:r>
+                  <a:rPr lang="en-GB" dirty="0" smtClean="0"/>
+                  <a:t> </a:t>
+                </a:r>
+              </a:p>
+              <a:p>
+                <a:pPr>
+                  <a:buFont typeface="Arial" panose="020B0604020202020204" pitchFamily="34" charset="0"/>
+                  <a:buChar char="•"/>
+                </a:pPr>
+                <a:r>
+                  <a:rPr lang="en-GB" dirty="0" smtClean="0"/>
+                  <a:t>Calculate the distance between the sphere and the plane</a:t>
+                </a:r>
+              </a:p>
+              <a:p>
+                <a:pPr lvl="1">
+                  <a:buFont typeface="Arial" panose="020B0604020202020204" pitchFamily="34" charset="0"/>
+                  <a:buChar char="•"/>
+                </a:pPr>
+                <a14:m>
+                  <m:oMath xmlns:m="http://schemas.openxmlformats.org/officeDocument/2006/math">
+                    <m:r>
+                      <a:rPr lang="en-GB" sz="1800" b="0" i="1" smtClean="0">
+                        <a:latin typeface="Cambria Math" panose="02040503050406030204" pitchFamily="18" charset="0"/>
+                      </a:rPr>
+                      <m:t>𝑑</m:t>
+                    </m:r>
+                    <m:r>
+                      <a:rPr lang="en-GB" sz="1800" b="0" i="1" smtClean="0">
+                        <a:latin typeface="Cambria Math" panose="02040503050406030204" pitchFamily="18" charset="0"/>
+                      </a:rPr>
+                      <m:t>= </m:t>
+                    </m:r>
+                    <m:sSub>
+                      <m:sSubPr>
+                        <m:ctrlPr>
+                          <a:rPr lang="en-GB" sz="1800" b="0" i="1" smtClean="0">
+                            <a:latin typeface="Cambria Math" panose="02040503050406030204" pitchFamily="18" charset="0"/>
+                          </a:rPr>
+                        </m:ctrlPr>
+                      </m:sSubPr>
+                      <m:e>
+                        <m:r>
+                          <a:rPr lang="en-GB" sz="1800" b="0" i="1" smtClean="0">
+                            <a:latin typeface="Cambria Math" panose="02040503050406030204" pitchFamily="18" charset="0"/>
+                          </a:rPr>
+                          <m:t>𝑃𝑙𝑎𝑛𝑒</m:t>
+                        </m:r>
+                      </m:e>
+                      <m:sub>
+                        <m:r>
+                          <a:rPr lang="en-GB" sz="1800" b="0" i="1" smtClean="0">
+                            <a:latin typeface="Cambria Math" panose="02040503050406030204" pitchFamily="18" charset="0"/>
+                          </a:rPr>
+                          <m:t>𝑛𝑜𝑟𝑚𝑎𝑙</m:t>
+                        </m:r>
+                      </m:sub>
+                    </m:sSub>
+                    <m:r>
+                      <a:rPr lang="en-GB" sz="1800" b="0" i="1" smtClean="0">
+                        <a:latin typeface="Cambria Math" panose="02040503050406030204" pitchFamily="18" charset="0"/>
+                      </a:rPr>
+                      <m:t> . </m:t>
+                    </m:r>
+                    <m:d>
+                      <m:dPr>
+                        <m:ctrlPr>
+                          <a:rPr lang="en-GB" sz="1800" b="0" i="1" smtClean="0">
+                            <a:latin typeface="Cambria Math" panose="02040503050406030204" pitchFamily="18" charset="0"/>
+                          </a:rPr>
+                        </m:ctrlPr>
+                      </m:dPr>
+                      <m:e>
+                        <m:sSub>
+                          <m:sSubPr>
+                            <m:ctrlPr>
+                              <a:rPr lang="en-GB" sz="1800" b="0" i="1" smtClean="0">
+                                <a:latin typeface="Cambria Math" panose="02040503050406030204" pitchFamily="18" charset="0"/>
+                              </a:rPr>
+                            </m:ctrlPr>
+                          </m:sSubPr>
+                          <m:e>
+                            <m:r>
+                              <a:rPr lang="en-GB" sz="1800" b="0" i="1" smtClean="0">
+                                <a:latin typeface="Cambria Math" panose="02040503050406030204" pitchFamily="18" charset="0"/>
+                              </a:rPr>
+                              <m:t>𝑆𝑝h𝑒𝑟𝑒</m:t>
+                            </m:r>
+                          </m:e>
+                          <m:sub>
+                            <m:r>
+                              <a:rPr lang="en-GB" sz="1800" b="0" i="1" smtClean="0">
+                                <a:latin typeface="Cambria Math" panose="02040503050406030204" pitchFamily="18" charset="0"/>
+                              </a:rPr>
+                              <m:t>𝑝𝑜𝑠𝑖𝑡𝑖𝑜𝑛</m:t>
+                            </m:r>
+                          </m:sub>
+                        </m:sSub>
+                        <m:r>
+                          <a:rPr lang="en-GB" sz="1800" b="0" i="1" smtClean="0">
+                            <a:latin typeface="Cambria Math" panose="02040503050406030204" pitchFamily="18" charset="0"/>
+                          </a:rPr>
+                          <m:t>−</m:t>
+                        </m:r>
+                        <m:sSub>
+                          <m:sSubPr>
+                            <m:ctrlPr>
+                              <a:rPr lang="en-GB" sz="1800" b="0" i="1" smtClean="0">
+                                <a:latin typeface="Cambria Math" panose="02040503050406030204" pitchFamily="18" charset="0"/>
+                              </a:rPr>
+                            </m:ctrlPr>
+                          </m:sSubPr>
+                          <m:e>
+                            <m:r>
+                              <a:rPr lang="en-GB" sz="1800" b="0" i="1" smtClean="0">
+                                <a:latin typeface="Cambria Math" panose="02040503050406030204" pitchFamily="18" charset="0"/>
+                              </a:rPr>
+                              <m:t>𝑃𝑙𝑎𝑛𝑒</m:t>
+                            </m:r>
+                          </m:e>
+                          <m:sub>
+                            <m:r>
+                              <a:rPr lang="en-GB" sz="1800" b="0" i="1" smtClean="0">
+                                <a:latin typeface="Cambria Math" panose="02040503050406030204" pitchFamily="18" charset="0"/>
+                              </a:rPr>
+                              <m:t>𝑝𝑜𝑠𝑖𝑡𝑖𝑜𝑛</m:t>
+                            </m:r>
+                          </m:sub>
+                        </m:sSub>
+                      </m:e>
+                    </m:d>
+                    <m:r>
+                      <a:rPr lang="en-GB" sz="1800" b="0" i="1" smtClean="0">
+                        <a:latin typeface="Cambria Math" panose="02040503050406030204" pitchFamily="18" charset="0"/>
+                      </a:rPr>
+                      <m:t> − </m:t>
+                    </m:r>
+                    <m:sSub>
+                      <m:sSubPr>
+                        <m:ctrlPr>
+                          <a:rPr lang="en-GB" sz="1800" b="0" i="1" smtClean="0">
+                            <a:latin typeface="Cambria Math" panose="02040503050406030204" pitchFamily="18" charset="0"/>
+                          </a:rPr>
+                        </m:ctrlPr>
+                      </m:sSubPr>
+                      <m:e>
+                        <m:r>
+                          <a:rPr lang="en-GB" sz="1800" b="0" i="1" smtClean="0">
+                            <a:latin typeface="Cambria Math" panose="02040503050406030204" pitchFamily="18" charset="0"/>
+                          </a:rPr>
+                          <m:t>𝑑</m:t>
+                        </m:r>
+                      </m:e>
+                      <m:sub>
+                        <m:r>
+                          <a:rPr lang="en-GB" sz="1800" b="0" i="1" smtClean="0">
+                            <a:latin typeface="Cambria Math" panose="02040503050406030204" pitchFamily="18" charset="0"/>
+                          </a:rPr>
+                          <m:t>0</m:t>
+                        </m:r>
+                      </m:sub>
+                    </m:sSub>
+                  </m:oMath>
+                </a14:m>
+                <a:endParaRPr lang="en-GB" dirty="0" smtClean="0"/>
+              </a:p>
+              <a:p>
+                <a:pPr lvl="1">
+                  <a:buFont typeface="Arial" panose="020B0604020202020204" pitchFamily="34" charset="0"/>
+                  <a:buChar char="•"/>
+                </a:pPr>
+                <a:endParaRPr lang="en-GB" dirty="0"/>
+              </a:p>
+              <a:p>
+                <a:pPr>
+                  <a:buFont typeface="Arial" panose="020B0604020202020204" pitchFamily="34" charset="0"/>
+                  <a:buChar char="•"/>
+                </a:pPr>
+                <a:r>
+                  <a:rPr lang="en-GB" dirty="0" smtClean="0"/>
+                  <a:t>If </a:t>
+                </a:r>
+                <a14:m>
+                  <m:oMath xmlns:m="http://schemas.openxmlformats.org/officeDocument/2006/math">
+                    <m:r>
+                      <a:rPr lang="en-GB" sz="2400" i="1">
+                        <a:latin typeface="Cambria Math" panose="02040503050406030204" pitchFamily="18" charset="0"/>
+                      </a:rPr>
+                      <m:t>𝑑</m:t>
+                    </m:r>
+                  </m:oMath>
+                </a14:m>
+                <a:r>
+                  <a:rPr lang="en-GB" dirty="0" smtClean="0"/>
+                  <a:t> &lt;= 0 then there is an intersection</a:t>
+                </a:r>
+              </a:p>
+              <a:p>
+                <a:pPr lvl="1">
+                  <a:buFont typeface="Arial" panose="020B0604020202020204" pitchFamily="34" charset="0"/>
+                  <a:buChar char="•"/>
+                </a:pPr>
+                <a:r>
+                  <a:rPr lang="en-GB" dirty="0" smtClean="0"/>
+                  <a:t>The direction of the collision is the plane’s normal</a:t>
+                </a:r>
+              </a:p>
+              <a:p>
+                <a:pPr lvl="1">
+                  <a:buFont typeface="Arial" panose="020B0604020202020204" pitchFamily="34" charset="0"/>
+                  <a:buChar char="•"/>
+                </a:pPr>
+                <a14:m>
+                  <m:oMath xmlns:m="http://schemas.openxmlformats.org/officeDocument/2006/math">
+                    <m:r>
+                      <a:rPr lang="en-GB" b="0" i="1" smtClean="0">
+                        <a:latin typeface="Cambria Math" panose="02040503050406030204" pitchFamily="18" charset="0"/>
+                      </a:rPr>
+                      <m:t>𝐼𝑛𝑡𝑒𝑟𝑠𝑒𝑐𝑡𝑖𝑜𝑛</m:t>
+                    </m:r>
+                    <m:r>
+                      <a:rPr lang="en-GB" b="0" i="1" smtClean="0">
+                        <a:latin typeface="Cambria Math" panose="02040503050406030204" pitchFamily="18" charset="0"/>
+                      </a:rPr>
+                      <m:t>= </m:t>
+                    </m:r>
+                    <m:sSub>
+                      <m:sSubPr>
+                        <m:ctrlPr>
+                          <a:rPr lang="en-GB" b="0" i="1" smtClean="0">
+                            <a:latin typeface="Cambria Math" panose="02040503050406030204" pitchFamily="18" charset="0"/>
+                          </a:rPr>
+                        </m:ctrlPr>
+                      </m:sSubPr>
+                      <m:e>
+                        <m:r>
+                          <a:rPr lang="en-GB" b="0" i="1" smtClean="0">
+                            <a:latin typeface="Cambria Math" panose="02040503050406030204" pitchFamily="18" charset="0"/>
+                          </a:rPr>
+                          <m:t>𝑃𝑙𝑎𝑛𝑒</m:t>
+                        </m:r>
+                      </m:e>
+                      <m:sub>
+                        <m:r>
+                          <a:rPr lang="en-GB" b="0" i="1" smtClean="0">
+                            <a:latin typeface="Cambria Math" panose="02040503050406030204" pitchFamily="18" charset="0"/>
+                          </a:rPr>
+                          <m:t>𝑛𝑜𝑟𝑚𝑎𝑙</m:t>
+                        </m:r>
+                      </m:sub>
+                    </m:sSub>
+                    <m:r>
+                      <a:rPr lang="en-GB" b="0" i="1" smtClean="0">
+                        <a:latin typeface="Cambria Math" panose="02040503050406030204" pitchFamily="18" charset="0"/>
+                      </a:rPr>
+                      <m:t> ∗</m:t>
+                    </m:r>
+                    <m:r>
+                      <a:rPr lang="en-GB" b="0" i="1" smtClean="0">
+                        <a:latin typeface="Cambria Math" panose="02040503050406030204" pitchFamily="18" charset="0"/>
+                      </a:rPr>
+                      <m:t>𝑑</m:t>
+                    </m:r>
+                  </m:oMath>
+                </a14:m>
+                <a:endParaRPr lang="en-GB" dirty="0" smtClean="0"/>
+              </a:p>
+            </p:txBody>
+          </p:sp>
+        </mc:Choice>
+        <mc:Fallback>
+          <p:sp>
+            <p:nvSpPr>
+              <p:cNvPr id="3" name="Content Placeholder 2"/>
+              <p:cNvSpPr>
+                <a:spLocks noGrp="1" noRot="1" noChangeAspect="1" noMove="1" noResize="1" noEditPoints="1" noAdjustHandles="1" noChangeArrowheads="1" noChangeShapeType="1" noTextEdit="1"/>
+              </p:cNvSpPr>
+              <p:nvPr>
+                <p:ph idx="1"/>
+              </p:nvPr>
+            </p:nvSpPr>
+            <p:spPr>
+              <a:xfrm>
+                <a:off x="4331302" y="2011680"/>
+                <a:ext cx="6655697" cy="4206240"/>
+              </a:xfrm>
+              <a:blipFill rotWithShape="0">
+                <a:blip r:embed="rId2"/>
+                <a:stretch>
+                  <a:fillRect l="-1100" t="-1884"/>
+                </a:stretch>
+              </a:blipFill>
+            </p:spPr>
+            <p:txBody>
+              <a:bodyPr/>
+              <a:lstStyle/>
+              <a:p>
+                <a:r>
+                  <a:rPr lang="en-GB">
+                    <a:noFill/>
+                  </a:rPr>
+                  <a:t> </a:t>
+                </a:r>
+              </a:p>
+            </p:txBody>
+          </p:sp>
+        </mc:Fallback>
+      </mc:AlternateContent>
+      <p:sp>
+        <p:nvSpPr>
+          <p:cNvPr id="10" name="Parallelogram 9"/>
+          <p:cNvSpPr/>
+          <p:nvPr/>
+        </p:nvSpPr>
+        <p:spPr>
+          <a:xfrm>
+            <a:off x="261392" y="3987943"/>
+            <a:ext cx="3902231" cy="1646239"/>
+          </a:xfrm>
+          <a:prstGeom prst="parallelogram">
+            <a:avLst/>
+          </a:prstGeom>
+          <a:ln>
+            <a:solidFill>
+              <a:schemeClr val="accent6">
+                <a:lumMod val="40000"/>
+                <a:lumOff val="60000"/>
+              </a:schemeClr>
+            </a:solidFill>
+          </a:ln>
+        </p:spPr>
+        <p:style>
+          <a:lnRef idx="2">
+            <a:schemeClr val="accent1">
+              <a:shade val="50000"/>
+            </a:schemeClr>
+          </a:lnRef>
+          <a:fillRef idx="1">
+            <a:schemeClr val="accent1"/>
+          </a:fillRef>
+          <a:effectRef idx="0">
+            <a:schemeClr val="accent1"/>
+          </a:effectRef>
+          <a:fontRef idx="minor">
+            <a:schemeClr val="lt1"/>
+          </a:fontRef>
+        </p:style>
+        <p:txBody>
+          <a:bodyPr rtlCol="0" anchor="ctr"/>
+          <a:lstStyle/>
+          <a:p>
+            <a:pPr algn="ctr"/>
+            <a:endParaRPr lang="en-GB"/>
+          </a:p>
+        </p:txBody>
+      </p:sp>
+      <p:grpSp>
+        <p:nvGrpSpPr>
+          <p:cNvPr id="9" name="Group 8"/>
+          <p:cNvGrpSpPr/>
+          <p:nvPr/>
+        </p:nvGrpSpPr>
+        <p:grpSpPr>
+          <a:xfrm>
+            <a:off x="1542473" y="2413919"/>
+            <a:ext cx="953037" cy="953039"/>
+            <a:chOff x="914400" y="2846229"/>
+            <a:chExt cx="953037" cy="953039"/>
+          </a:xfrm>
+          <a:effectLst>
+            <a:outerShdw blurRad="444500" dist="2082800" dir="5400000" sx="47000" sy="47000" algn="t" rotWithShape="0">
+              <a:prstClr val="black">
+                <a:alpha val="40000"/>
+              </a:prstClr>
+            </a:outerShdw>
+          </a:effectLst>
+        </p:grpSpPr>
+        <p:sp>
+          <p:nvSpPr>
+            <p:cNvPr id="4" name="Oval 3"/>
+            <p:cNvSpPr/>
+            <p:nvPr/>
+          </p:nvSpPr>
+          <p:spPr>
+            <a:xfrm>
+              <a:off x="914400" y="2846231"/>
+              <a:ext cx="953037" cy="953037"/>
+            </a:xfrm>
+            <a:prstGeom prst="ellipse">
+              <a:avLst/>
+            </a:prstGeom>
+          </p:spPr>
+          <p:style>
+            <a:lnRef idx="0">
+              <a:schemeClr val="accent5"/>
+            </a:lnRef>
+            <a:fillRef idx="3">
+              <a:schemeClr val="accent5"/>
+            </a:fillRef>
+            <a:effectRef idx="3">
+              <a:schemeClr val="accent5"/>
+            </a:effectRef>
+            <a:fontRef idx="minor">
+              <a:schemeClr val="lt1"/>
+            </a:fontRef>
+          </p:style>
+          <p:txBody>
+            <a:bodyPr rtlCol="0" anchor="ctr"/>
+            <a:lstStyle/>
+            <a:p>
+              <a:pPr algn="ctr"/>
+              <a:endParaRPr lang="en-GB" dirty="0"/>
+            </a:p>
+          </p:txBody>
+        </p:sp>
+        <p:sp>
+          <p:nvSpPr>
+            <p:cNvPr id="5" name="Oval 4"/>
+            <p:cNvSpPr/>
+            <p:nvPr/>
+          </p:nvSpPr>
+          <p:spPr>
+            <a:xfrm>
+              <a:off x="1320084" y="3251915"/>
+              <a:ext cx="141668" cy="141668"/>
+            </a:xfrm>
+            <a:prstGeom prst="ellipse">
+              <a:avLst/>
+            </a:prstGeom>
+            <a:effectLst>
+              <a:outerShdw blurRad="63500" sx="102000" sy="102000" algn="ctr" rotWithShape="0">
+                <a:prstClr val="black">
+                  <a:alpha val="40000"/>
+                </a:prstClr>
+              </a:outerShdw>
+            </a:effectLst>
+          </p:spPr>
+          <p:style>
+            <a:lnRef idx="1">
+              <a:schemeClr val="accent2"/>
+            </a:lnRef>
+            <a:fillRef idx="2">
+              <a:schemeClr val="accent2"/>
+            </a:fillRef>
+            <a:effectRef idx="1">
+              <a:schemeClr val="accent2"/>
+            </a:effectRef>
+            <a:fontRef idx="minor">
+              <a:schemeClr val="dk1"/>
+            </a:fontRef>
+          </p:style>
+          <p:txBody>
+            <a:bodyPr rtlCol="0" anchor="ctr"/>
+            <a:lstStyle/>
+            <a:p>
+              <a:pPr algn="ctr"/>
+              <a:endParaRPr lang="en-GB"/>
+            </a:p>
+          </p:txBody>
+        </p:sp>
+        <p:sp>
+          <p:nvSpPr>
+            <p:cNvPr id="6" name="TextBox 5"/>
+            <p:cNvSpPr txBox="1"/>
+            <p:nvPr/>
+          </p:nvSpPr>
+          <p:spPr>
+            <a:xfrm>
+              <a:off x="1390918" y="2846229"/>
+              <a:ext cx="193518" cy="369332"/>
+            </a:xfrm>
+            <a:prstGeom prst="rect">
+              <a:avLst/>
+            </a:prstGeom>
+            <a:noFill/>
+          </p:spPr>
+          <p:txBody>
+            <a:bodyPr wrap="square" rtlCol="0">
+              <a:spAutoFit/>
+            </a:bodyPr>
+            <a:lstStyle/>
+            <a:p>
+              <a:r>
+                <a:rPr lang="en-GB" dirty="0" smtClean="0"/>
+                <a:t>r</a:t>
+              </a:r>
+              <a:endParaRPr lang="en-GB" dirty="0"/>
+            </a:p>
+          </p:txBody>
+        </p:sp>
+        <p:cxnSp>
+          <p:nvCxnSpPr>
+            <p:cNvPr id="7" name="Straight Arrow Connector 6"/>
+            <p:cNvCxnSpPr>
+              <a:stCxn id="5" idx="7"/>
+              <a:endCxn id="4" idx="7"/>
+            </p:cNvCxnSpPr>
+            <p:nvPr/>
+          </p:nvCxnSpPr>
+          <p:spPr>
+            <a:xfrm flipV="1">
+              <a:off x="1441005" y="2985800"/>
+              <a:ext cx="286863" cy="286862"/>
+            </a:xfrm>
+            <a:prstGeom prst="straightConnector1">
+              <a:avLst/>
+            </a:prstGeom>
+            <a:ln>
+              <a:solidFill>
+                <a:srgbClr val="E4F2BC"/>
+              </a:solidFill>
+              <a:headEnd type="triangle"/>
+              <a:tailEnd type="triangle"/>
+            </a:ln>
+          </p:spPr>
+          <p:style>
+            <a:lnRef idx="3">
+              <a:schemeClr val="accent2"/>
+            </a:lnRef>
+            <a:fillRef idx="0">
+              <a:schemeClr val="accent2"/>
+            </a:fillRef>
+            <a:effectRef idx="2">
+              <a:schemeClr val="accent2"/>
+            </a:effectRef>
+            <a:fontRef idx="minor">
+              <a:schemeClr val="tx1"/>
+            </a:fontRef>
+          </p:style>
+        </p:cxnSp>
+      </p:grpSp>
+      <p:cxnSp>
+        <p:nvCxnSpPr>
+          <p:cNvPr id="12" name="Straight Connector 11"/>
+          <p:cNvCxnSpPr>
+            <a:stCxn id="5" idx="4"/>
+          </p:cNvCxnSpPr>
+          <p:nvPr/>
+        </p:nvCxnSpPr>
+        <p:spPr>
+          <a:xfrm>
+            <a:off x="2018991" y="2961273"/>
+            <a:ext cx="1" cy="1749272"/>
+          </a:xfrm>
+          <a:prstGeom prst="line">
+            <a:avLst/>
+          </a:prstGeom>
+        </p:spPr>
+        <p:style>
+          <a:lnRef idx="3">
+            <a:schemeClr val="accent4"/>
+          </a:lnRef>
+          <a:fillRef idx="0">
+            <a:schemeClr val="accent4"/>
+          </a:fillRef>
+          <a:effectRef idx="2">
+            <a:schemeClr val="accent4"/>
+          </a:effectRef>
+          <a:fontRef idx="minor">
+            <a:schemeClr val="tx1"/>
+          </a:fontRef>
+        </p:style>
+      </p:cxnSp>
+      <p:cxnSp>
+        <p:nvCxnSpPr>
+          <p:cNvPr id="14" name="Straight Arrow Connector 13"/>
+          <p:cNvCxnSpPr/>
+          <p:nvPr/>
+        </p:nvCxnSpPr>
+        <p:spPr>
+          <a:xfrm flipV="1">
+            <a:off x="2752436" y="4442691"/>
+            <a:ext cx="0" cy="368372"/>
+          </a:xfrm>
+          <a:prstGeom prst="straightConnector1">
+            <a:avLst/>
+          </a:prstGeom>
+          <a:ln>
+            <a:tailEnd type="triangle"/>
+          </a:ln>
+        </p:spPr>
+        <p:style>
+          <a:lnRef idx="3">
+            <a:schemeClr val="accent3"/>
+          </a:lnRef>
+          <a:fillRef idx="0">
+            <a:schemeClr val="accent3"/>
+          </a:fillRef>
+          <a:effectRef idx="2">
+            <a:schemeClr val="accent3"/>
+          </a:effectRef>
+          <a:fontRef idx="minor">
+            <a:schemeClr val="tx1"/>
+          </a:fontRef>
+        </p:style>
+      </p:cxnSp>
+      <p:sp>
+        <p:nvSpPr>
+          <p:cNvPr id="16" name="TextBox 15"/>
+          <p:cNvSpPr txBox="1"/>
+          <p:nvPr/>
+        </p:nvSpPr>
+        <p:spPr>
+          <a:xfrm>
+            <a:off x="2752436" y="4462460"/>
+            <a:ext cx="1163334" cy="369332"/>
+          </a:xfrm>
+          <a:prstGeom prst="rect">
+            <a:avLst/>
+          </a:prstGeom>
+          <a:noFill/>
+        </p:spPr>
+        <p:txBody>
+          <a:bodyPr wrap="square" rtlCol="0">
+            <a:spAutoFit/>
+          </a:bodyPr>
+          <a:lstStyle/>
+          <a:p>
+            <a:r>
+              <a:rPr lang="en-GB" dirty="0" err="1" smtClean="0"/>
+              <a:t>Plane</a:t>
+            </a:r>
+            <a:r>
+              <a:rPr lang="en-GB" baseline="-25000" dirty="0" err="1" smtClean="0"/>
+              <a:t>normal</a:t>
+            </a:r>
+            <a:endParaRPr lang="en-GB" baseline="-25000" dirty="0"/>
+          </a:p>
+        </p:txBody>
+      </p:sp>
+      <p:sp>
+        <p:nvSpPr>
+          <p:cNvPr id="21" name="TextBox 20"/>
+          <p:cNvSpPr txBox="1"/>
+          <p:nvPr/>
+        </p:nvSpPr>
+        <p:spPr>
+          <a:xfrm>
+            <a:off x="2097184" y="4896479"/>
+            <a:ext cx="1237376" cy="369332"/>
+          </a:xfrm>
+          <a:prstGeom prst="rect">
+            <a:avLst/>
+          </a:prstGeom>
+          <a:noFill/>
+        </p:spPr>
+        <p:txBody>
+          <a:bodyPr wrap="square" rtlCol="0">
+            <a:spAutoFit/>
+          </a:bodyPr>
+          <a:lstStyle/>
+          <a:p>
+            <a:r>
+              <a:rPr lang="en-GB" dirty="0" err="1" smtClean="0"/>
+              <a:t>Plane</a:t>
+            </a:r>
+            <a:r>
+              <a:rPr lang="en-GB" baseline="-25000" dirty="0" err="1" smtClean="0"/>
+              <a:t>position</a:t>
+            </a:r>
+            <a:endParaRPr lang="en-GB" baseline="-25000" dirty="0"/>
+          </a:p>
+        </p:txBody>
+      </p:sp>
+      <p:sp>
+        <p:nvSpPr>
+          <p:cNvPr id="23" name="Oval 22"/>
+          <p:cNvSpPr/>
+          <p:nvPr/>
+        </p:nvSpPr>
+        <p:spPr>
+          <a:xfrm>
+            <a:off x="2141674" y="4734082"/>
+            <a:ext cx="141668" cy="141668"/>
+          </a:xfrm>
+          <a:prstGeom prst="ellipse">
+            <a:avLst/>
+          </a:prstGeom>
+        </p:spPr>
+        <p:style>
+          <a:lnRef idx="0">
+            <a:schemeClr val="accent3"/>
+          </a:lnRef>
+          <a:fillRef idx="3">
+            <a:schemeClr val="accent3"/>
+          </a:fillRef>
+          <a:effectRef idx="3">
+            <a:schemeClr val="accent3"/>
+          </a:effectRef>
+          <a:fontRef idx="minor">
+            <a:schemeClr val="lt1"/>
+          </a:fontRef>
+        </p:style>
+        <p:txBody>
+          <a:bodyPr rtlCol="0" anchor="ctr"/>
+          <a:lstStyle/>
+          <a:p>
+            <a:pPr algn="ctr"/>
+            <a:endParaRPr lang="en-GB"/>
+          </a:p>
+        </p:txBody>
+      </p:sp>
+      <mc:AlternateContent xmlns:mc="http://schemas.openxmlformats.org/markup-compatibility/2006">
+        <mc:Choice xmlns:a14="http://schemas.microsoft.com/office/drawing/2010/main" Requires="a14">
+          <p:sp>
+            <p:nvSpPr>
+              <p:cNvPr id="25" name="TextBox 24"/>
+              <p:cNvSpPr txBox="1"/>
+              <p:nvPr/>
+            </p:nvSpPr>
+            <p:spPr>
+              <a:xfrm>
+                <a:off x="1948157" y="3547777"/>
+                <a:ext cx="360086" cy="369332"/>
+              </a:xfrm>
+              <a:prstGeom prst="rect">
+                <a:avLst/>
+              </a:prstGeom>
+              <a:noFill/>
+            </p:spPr>
+            <p:txBody>
+              <a:bodyPr wrap="square" rtlCol="0">
+                <a:spAutoFit/>
+              </a:bodyPr>
+              <a:lstStyle/>
+              <a:p>
+                <a14:m>
+                  <m:oMathPara xmlns:m="http://schemas.openxmlformats.org/officeDocument/2006/math">
+                    <m:oMathParaPr>
+                      <m:jc m:val="centerGroup"/>
+                    </m:oMathParaPr>
+                    <m:oMath xmlns:m="http://schemas.openxmlformats.org/officeDocument/2006/math">
+                      <m:r>
+                        <a:rPr lang="en-GB" i="1">
+                          <a:latin typeface="Cambria Math" panose="02040503050406030204" pitchFamily="18" charset="0"/>
+                        </a:rPr>
+                        <m:t>𝑑</m:t>
+                      </m:r>
+                    </m:oMath>
+                  </m:oMathPara>
+                </a14:m>
+                <a:endParaRPr lang="en-GB" dirty="0"/>
+              </a:p>
+            </p:txBody>
+          </p:sp>
+        </mc:Choice>
+        <mc:Fallback>
+          <p:sp>
+            <p:nvSpPr>
+              <p:cNvPr id="25" name="TextBox 24"/>
+              <p:cNvSpPr txBox="1">
+                <a:spLocks noRot="1" noChangeAspect="1" noMove="1" noResize="1" noEditPoints="1" noAdjustHandles="1" noChangeArrowheads="1" noChangeShapeType="1" noTextEdit="1"/>
+              </p:cNvSpPr>
+              <p:nvPr/>
+            </p:nvSpPr>
+            <p:spPr>
+              <a:xfrm>
+                <a:off x="1948157" y="3547777"/>
+                <a:ext cx="360086" cy="369332"/>
+              </a:xfrm>
+              <a:prstGeom prst="rect">
+                <a:avLst/>
+              </a:prstGeom>
+              <a:blipFill rotWithShape="0">
+                <a:blip r:embed="rId3"/>
+                <a:stretch>
+                  <a:fillRect/>
+                </a:stretch>
+              </a:blipFill>
+            </p:spPr>
+            <p:txBody>
+              <a:bodyPr/>
+              <a:lstStyle/>
+              <a:p>
+                <a:r>
+                  <a:rPr lang="en-GB">
+                    <a:noFill/>
+                  </a:rPr>
+                  <a:t> </a:t>
+                </a:r>
+              </a:p>
+            </p:txBody>
+          </p:sp>
+        </mc:Fallback>
+      </mc:AlternateContent>
+      <mc:AlternateContent xmlns:mc="http://schemas.openxmlformats.org/markup-compatibility/2006">
+        <mc:Choice xmlns:a14="http://schemas.microsoft.com/office/drawing/2010/main" Requires="a14">
+          <p:sp>
+            <p:nvSpPr>
+              <p:cNvPr id="26" name="TextBox 25"/>
+              <p:cNvSpPr txBox="1"/>
+              <p:nvPr/>
+            </p:nvSpPr>
+            <p:spPr>
+              <a:xfrm>
+                <a:off x="2023739" y="2859657"/>
+                <a:ext cx="877455" cy="390748"/>
+              </a:xfrm>
+              <a:prstGeom prst="rect">
+                <a:avLst/>
+              </a:prstGeom>
+              <a:noFill/>
+            </p:spPr>
+            <p:txBody>
+              <a:bodyPr wrap="square" rtlCol="0">
+                <a:spAutoFit/>
+              </a:bodyPr>
+              <a:lstStyle/>
+              <a:p>
+                <a14:m>
+                  <m:oMathPara xmlns:m="http://schemas.openxmlformats.org/officeDocument/2006/math">
+                    <m:oMathParaPr>
+                      <m:jc m:val="centerGroup"/>
+                    </m:oMathParaPr>
+                    <m:oMath xmlns:m="http://schemas.openxmlformats.org/officeDocument/2006/math">
+                      <m:sSub>
+                        <m:sSubPr>
+                          <m:ctrlPr>
+                            <a:rPr lang="en-GB" i="1">
+                              <a:latin typeface="Cambria Math" panose="02040503050406030204" pitchFamily="18" charset="0"/>
+                            </a:rPr>
+                          </m:ctrlPr>
+                        </m:sSubPr>
+                        <m:e>
+                          <m:r>
+                            <a:rPr lang="en-GB" i="1">
+                              <a:latin typeface="Cambria Math" panose="02040503050406030204" pitchFamily="18" charset="0"/>
+                            </a:rPr>
+                            <m:t>𝑆𝑝h𝑒𝑟𝑒</m:t>
+                          </m:r>
+                        </m:e>
+                        <m:sub>
+                          <m:r>
+                            <a:rPr lang="en-GB" i="1">
+                              <a:latin typeface="Cambria Math" panose="02040503050406030204" pitchFamily="18" charset="0"/>
+                            </a:rPr>
+                            <m:t>𝑝𝑜𝑠𝑖𝑡𝑖𝑜𝑛</m:t>
+                          </m:r>
+                        </m:sub>
+                      </m:sSub>
+                    </m:oMath>
+                  </m:oMathPara>
+                </a14:m>
+                <a:endParaRPr lang="en-GB" dirty="0"/>
+              </a:p>
+            </p:txBody>
+          </p:sp>
+        </mc:Choice>
+        <mc:Fallback>
+          <p:sp>
+            <p:nvSpPr>
+              <p:cNvPr id="26" name="TextBox 25"/>
+              <p:cNvSpPr txBox="1">
+                <a:spLocks noRot="1" noChangeAspect="1" noMove="1" noResize="1" noEditPoints="1" noAdjustHandles="1" noChangeArrowheads="1" noChangeShapeType="1" noTextEdit="1"/>
+              </p:cNvSpPr>
+              <p:nvPr/>
+            </p:nvSpPr>
+            <p:spPr>
+              <a:xfrm>
+                <a:off x="2023739" y="2859657"/>
+                <a:ext cx="877455" cy="390748"/>
+              </a:xfrm>
+              <a:prstGeom prst="rect">
+                <a:avLst/>
+              </a:prstGeom>
+              <a:blipFill rotWithShape="0">
+                <a:blip r:embed="rId4"/>
+                <a:stretch>
+                  <a:fillRect l="-2083" r="-77778" b="-9375"/>
+                </a:stretch>
+              </a:blipFill>
+            </p:spPr>
+            <p:txBody>
+              <a:bodyPr/>
+              <a:lstStyle/>
+              <a:p>
+                <a:r>
+                  <a:rPr lang="en-GB">
+                    <a:noFill/>
+                  </a:rPr>
+                  <a:t> </a:t>
+                </a:r>
+              </a:p>
+            </p:txBody>
+          </p:sp>
+        </mc:Fallback>
+      </mc:AlternateContent>
     </p:spTree>
     <p:extLst>
       <p:ext uri="{BB962C8B-B14F-4D97-AF65-F5344CB8AC3E}">
-        <p14:creationId xmlns:p14="http://schemas.microsoft.com/office/powerpoint/2010/main" val="3252208971"/>
+        <p14:creationId xmlns:p14="http://schemas.microsoft.com/office/powerpoint/2010/main" val="938866574"/>
       </p:ext>
     </p:extLst>
   </p:cSld>
   <p:clrMapOvr>
     <a:masterClrMapping/>
   </p:clrMapOvr>
+  <p:timing>
+    <p:tnLst>
+      <p:par>
+        <p:cTn id="1" dur="indefinite" restart="never" nodeType="tmRoot"/>
+      </p:par>
+    </p:tnLst>
+  </p:timing>
 </p:sld>
 </file>
 
@@ -3529,41 +4535,167 @@
           <a:p>
             <a:r>
               <a:rPr lang="en-GB" cap="none" dirty="0" smtClean="0"/>
-              <a:t>Sphere v plane</a:t>
+              <a:t>Particle System</a:t>
             </a:r>
             <a:endParaRPr lang="en-GB" cap="none" dirty="0"/>
           </a:p>
         </p:txBody>
       </p:sp>
-      <p:sp>
-        <p:nvSpPr>
-          <p:cNvPr id="3" name="Content Placeholder 2"/>
+      <p:pic>
+        <p:nvPicPr>
+          <p:cNvPr id="5" name="Picture Placeholder 4"/>
+          <p:cNvPicPr>
+            <a:picLocks noGrp="1" noChangeAspect="1"/>
+          </p:cNvPicPr>
+          <p:nvPr>
+            <p:ph type="pic" idx="1"/>
+          </p:nvPr>
+        </p:nvPicPr>
+        <p:blipFill>
+          <a:blip r:embed="rId2">
+            <a:extLst>
+              <a:ext uri="{28A0092B-C50C-407E-A947-70E740481C1C}">
+                <a14:useLocalDpi xmlns:a14="http://schemas.microsoft.com/office/drawing/2010/main" val="0"/>
+              </a:ext>
+            </a:extLst>
+          </a:blip>
+          <a:stretch>
+            <a:fillRect/>
+          </a:stretch>
+        </p:blipFill>
+        <p:spPr>
+          <a:xfrm>
+            <a:off x="566529" y="2713434"/>
+            <a:ext cx="5598311" cy="2866187"/>
+          </a:xfrm>
+        </p:spPr>
+      </p:pic>
+      <p:sp>
+        <p:nvSpPr>
+          <p:cNvPr id="4" name="Text Placeholder 3"/>
           <p:cNvSpPr>
             <a:spLocks noGrp="1"/>
           </p:cNvSpPr>
           <p:nvPr>
-            <p:ph idx="1"/>
-          </p:nvPr>
-        </p:nvSpPr>
-        <p:spPr/>
+            <p:ph type="body" sz="half" idx="2"/>
+          </p:nvPr>
+        </p:nvSpPr>
+        <p:spPr>
+          <a:xfrm>
+            <a:off x="6493164" y="2150621"/>
+            <a:ext cx="4497924" cy="4083924"/>
+          </a:xfrm>
+        </p:spPr>
         <p:txBody>
           <a:bodyPr/>
           <a:lstStyle/>
           <a:p>
-            <a:endParaRPr lang="en-GB"/>
+            <a:r>
+              <a:rPr lang="en-GB" dirty="0" smtClean="0"/>
+              <a:t>Hierarchical:</a:t>
+            </a:r>
+          </a:p>
+          <a:p>
+            <a:pPr marL="285750" indent="-285750">
+              <a:buFont typeface="Arial" panose="020B0604020202020204" pitchFamily="34" charset="0"/>
+              <a:buChar char="•"/>
+            </a:pPr>
+            <a:r>
+              <a:rPr lang="en-GB" dirty="0" smtClean="0"/>
+              <a:t>Manager contains many emitters</a:t>
+            </a:r>
+          </a:p>
+          <a:p>
+            <a:pPr marL="285750" indent="-285750">
+              <a:buFont typeface="Arial" panose="020B0604020202020204" pitchFamily="34" charset="0"/>
+              <a:buChar char="•"/>
+            </a:pPr>
+            <a:r>
+              <a:rPr lang="en-GB" dirty="0" smtClean="0"/>
+              <a:t>Emitters contain many particles</a:t>
+            </a:r>
+          </a:p>
+          <a:p>
+            <a:pPr marL="285750" indent="-285750">
+              <a:buFont typeface="Arial" panose="020B0604020202020204" pitchFamily="34" charset="0"/>
+              <a:buChar char="•"/>
+            </a:pPr>
+            <a:endParaRPr lang="en-GB" dirty="0"/>
+          </a:p>
+          <a:p>
+            <a:r>
+              <a:rPr lang="en-GB" dirty="0" smtClean="0"/>
+              <a:t>This structure allows for:</a:t>
+            </a:r>
+          </a:p>
+          <a:p>
+            <a:pPr marL="285750" indent="-285750">
+              <a:buFont typeface="Arial" panose="020B0604020202020204" pitchFamily="34" charset="0"/>
+              <a:buChar char="•"/>
+            </a:pPr>
+            <a:r>
+              <a:rPr lang="en-GB" dirty="0" smtClean="0"/>
+              <a:t>Emitters to be easily added and removed</a:t>
+            </a:r>
+          </a:p>
+          <a:p>
+            <a:pPr marL="285750" indent="-285750">
+              <a:buFont typeface="Arial" panose="020B0604020202020204" pitchFamily="34" charset="0"/>
+              <a:buChar char="•"/>
+            </a:pPr>
+            <a:r>
+              <a:rPr lang="en-GB" dirty="0" smtClean="0"/>
+              <a:t>The entire system to be updated with ease</a:t>
+            </a:r>
+            <a:endParaRPr lang="en-GB" dirty="0"/>
+          </a:p>
+          <a:p>
+            <a:pPr marL="285750" indent="-285750">
+              <a:buFont typeface="Arial" panose="020B0604020202020204" pitchFamily="34" charset="0"/>
+              <a:buChar char="•"/>
+            </a:pPr>
+            <a:r>
+              <a:rPr lang="en-GB" dirty="0" smtClean="0"/>
+              <a:t>Better management of resources</a:t>
+            </a:r>
+          </a:p>
+          <a:p>
+            <a:pPr marL="742950" lvl="1" indent="-285750">
+              <a:buFont typeface="Arial" panose="020B0604020202020204" pitchFamily="34" charset="0"/>
+              <a:buChar char="•"/>
+            </a:pPr>
+            <a:r>
+              <a:rPr lang="en-GB" dirty="0" smtClean="0"/>
+              <a:t>(</a:t>
+            </a:r>
+            <a:r>
+              <a:rPr lang="en-GB" dirty="0" err="1" smtClean="0"/>
+              <a:t>eg</a:t>
+            </a:r>
+            <a:r>
+              <a:rPr lang="en-GB" dirty="0" smtClean="0"/>
+              <a:t> textures)</a:t>
+            </a:r>
           </a:p>
         </p:txBody>
       </p:sp>
     </p:spTree>
     <p:extLst>
       <p:ext uri="{BB962C8B-B14F-4D97-AF65-F5344CB8AC3E}">
-        <p14:creationId xmlns:p14="http://schemas.microsoft.com/office/powerpoint/2010/main" val="938866574"/>
+        <p14:creationId xmlns:p14="http://schemas.microsoft.com/office/powerpoint/2010/main" val="3860982027"/>
       </p:ext>
     </p:extLst>
   </p:cSld>
   <p:clrMapOvr>
     <a:masterClrMapping/>
   </p:clrMapOvr>
+  <p:timing>
+    <p:tnLst>
+      <p:par>
+        <p:cTn id="1" dur="indefinite" restart="never" nodeType="tmRoot"/>
+      </p:par>
+    </p:tnLst>
+  </p:timing>
 </p:sld>
 </file>
 
@@ -3599,26 +4731,39 @@
           <a:bodyPr/>
           <a:lstStyle/>
           <a:p>
-            <a:r>
-              <a:rPr lang="en-GB" cap="none" dirty="0" smtClean="0"/>
-              <a:t>Particle System</a:t>
-            </a:r>
-            <a:endParaRPr lang="en-GB" cap="none" dirty="0"/>
-          </a:p>
-        </p:txBody>
-      </p:sp>
-      <p:sp>
-        <p:nvSpPr>
-          <p:cNvPr id="3" name="Picture Placeholder 2"/>
-          <p:cNvSpPr>
-            <a:spLocks noGrp="1"/>
-          </p:cNvSpPr>
+            <a:endParaRPr lang="en-GB"/>
+          </a:p>
+        </p:txBody>
+      </p:sp>
+      <p:pic>
+        <p:nvPicPr>
+          <p:cNvPr id="5" name="Picture Placeholder 4"/>
+          <p:cNvPicPr>
+            <a:picLocks noGrp="1" noChangeAspect="1"/>
+          </p:cNvPicPr>
           <p:nvPr>
             <p:ph type="pic" idx="1"/>
           </p:nvPr>
-        </p:nvSpPr>
-        <p:spPr/>
-      </p:sp>
+        </p:nvPicPr>
+        <p:blipFill>
+          <a:blip r:embed="rId2">
+            <a:extLst>
+              <a:ext uri="{28A0092B-C50C-407E-A947-70E740481C1C}">
+                <a14:useLocalDpi xmlns:a14="http://schemas.microsoft.com/office/drawing/2010/main" val="0"/>
+              </a:ext>
+            </a:extLst>
+          </a:blip>
+          <a:stretch>
+            <a:fillRect/>
+          </a:stretch>
+        </p:blipFill>
+        <p:spPr>
+          <a:xfrm>
+            <a:off x="622612" y="2617895"/>
+            <a:ext cx="5787424" cy="3252192"/>
+          </a:xfrm>
+        </p:spPr>
+      </p:pic>
       <p:sp>
         <p:nvSpPr>
           <p:cNvPr id="4" name="Text Placeholder 3"/>
@@ -3629,25 +4774,146 @@
             <p:ph type="body" sz="half" idx="2"/>
           </p:nvPr>
         </p:nvSpPr>
-        <p:spPr/>
-        <p:txBody>
-          <a:bodyPr/>
-          <a:lstStyle/>
-          <a:p>
-            <a:endParaRPr lang="en-GB"/>
+        <p:spPr>
+          <a:xfrm>
+            <a:off x="6557819" y="2150620"/>
+            <a:ext cx="4710546" cy="4351779"/>
+          </a:xfrm>
+        </p:spPr>
+        <p:txBody>
+          <a:bodyPr>
+            <a:normAutofit/>
+          </a:bodyPr>
+          <a:lstStyle/>
+          <a:p>
+            <a:pPr marL="285750" indent="-285750">
+              <a:buFont typeface="Arial" panose="020B0604020202020204" pitchFamily="34" charset="0"/>
+              <a:buChar char="•"/>
+            </a:pPr>
+            <a:r>
+              <a:rPr lang="en-GB" dirty="0" smtClean="0"/>
+              <a:t>To reduce time wasted allocating and deallocating memory, each emitter has one list of particles that is not dynamic.</a:t>
+            </a:r>
+            <a:endParaRPr lang="en-GB" dirty="0"/>
+          </a:p>
+          <a:p>
+            <a:pPr marL="285750" indent="-285750">
+              <a:buFont typeface="Arial" panose="020B0604020202020204" pitchFamily="34" charset="0"/>
+              <a:buChar char="•"/>
+            </a:pPr>
+            <a:r>
+              <a:rPr lang="en-GB" dirty="0" smtClean="0"/>
+              <a:t>Instead of deallocating particles when they die, they change state, reducing the time wasted.</a:t>
+            </a:r>
+          </a:p>
+          <a:p>
+            <a:pPr marL="285750" indent="-285750">
+              <a:buFont typeface="Arial" panose="020B0604020202020204" pitchFamily="34" charset="0"/>
+              <a:buChar char="•"/>
+            </a:pPr>
+            <a:r>
+              <a:rPr lang="en-GB" dirty="0" smtClean="0"/>
+              <a:t>On creation</a:t>
+            </a:r>
+          </a:p>
+          <a:p>
+            <a:pPr marL="742950" lvl="1" indent="-285750">
+              <a:buFont typeface="Arial" panose="020B0604020202020204" pitchFamily="34" charset="0"/>
+              <a:buChar char="•"/>
+            </a:pPr>
+            <a:r>
+              <a:rPr lang="en-GB" dirty="0" smtClean="0"/>
+              <a:t>set the life time to an initial value and set the state (Alive).</a:t>
+            </a:r>
+          </a:p>
+          <a:p>
+            <a:pPr marL="285750" indent="-285750">
+              <a:buFont typeface="Arial" panose="020B0604020202020204" pitchFamily="34" charset="0"/>
+              <a:buChar char="•"/>
+            </a:pPr>
+            <a:r>
+              <a:rPr lang="en-GB" dirty="0" smtClean="0"/>
+              <a:t>When the life time is &lt;= 0</a:t>
+            </a:r>
+          </a:p>
+          <a:p>
+            <a:pPr marL="742950" lvl="1" indent="-285750">
+              <a:buFont typeface="Arial" panose="020B0604020202020204" pitchFamily="34" charset="0"/>
+              <a:buChar char="•"/>
+            </a:pPr>
+            <a:r>
+              <a:rPr lang="en-GB" dirty="0" smtClean="0"/>
+              <a:t>Set the state (Not Alive)</a:t>
+            </a:r>
+          </a:p>
+          <a:p>
+            <a:pPr marL="285750" indent="-285750">
+              <a:buFont typeface="Arial" panose="020B0604020202020204" pitchFamily="34" charset="0"/>
+              <a:buChar char="•"/>
+            </a:pPr>
+            <a:r>
+              <a:rPr lang="en-GB" dirty="0" smtClean="0"/>
+              <a:t>Don’t update or render particles in the ‘Not Alive’ state.</a:t>
+            </a:r>
+            <a:endParaRPr lang="en-GB" dirty="0"/>
+          </a:p>
+        </p:txBody>
+      </p:sp>
+      <p:sp>
+        <p:nvSpPr>
+          <p:cNvPr id="6" name="TextBox 5"/>
+          <p:cNvSpPr txBox="1"/>
+          <p:nvPr/>
+        </p:nvSpPr>
+        <p:spPr>
+          <a:xfrm>
+            <a:off x="541793" y="5870087"/>
+            <a:ext cx="5949061" cy="584775"/>
+          </a:xfrm>
+          <a:prstGeom prst="rect">
+            <a:avLst/>
+          </a:prstGeom>
+          <a:noFill/>
+        </p:spPr>
+        <p:txBody>
+          <a:bodyPr wrap="square" rtlCol="0">
+            <a:spAutoFit/>
+          </a:bodyPr>
+          <a:lstStyle/>
+          <a:p>
+            <a:pPr algn="ctr"/>
+            <a:r>
+              <a:rPr lang="en-GB" sz="1600" dirty="0" smtClean="0"/>
+              <a:t>Particles make use of linear dynamics to respond to collision</a:t>
+            </a:r>
+          </a:p>
+          <a:p>
+            <a:pPr algn="ctr"/>
+            <a:r>
+              <a:rPr lang="en-GB" sz="1600" dirty="0" smtClean="0"/>
+              <a:t>(managed within the Spatial Partitioning Grid)</a:t>
+            </a:r>
+            <a:endParaRPr lang="en-GB" sz="1600" dirty="0"/>
           </a:p>
         </p:txBody>
       </p:sp>
     </p:spTree>
     <p:extLst>
       <p:ext uri="{BB962C8B-B14F-4D97-AF65-F5344CB8AC3E}">
-        <p14:creationId xmlns:p14="http://schemas.microsoft.com/office/powerpoint/2010/main" val="3860982027"/>
+        <p14:creationId xmlns:p14="http://schemas.microsoft.com/office/powerpoint/2010/main" val="2863966159"/>
       </p:ext>
     </p:extLst>
   </p:cSld>
   <p:clrMapOvr>
     <a:masterClrMapping/>
   </p:clrMapOvr>
+  <p:timing>
+    <p:tnLst>
+      <p:par>
+        <p:cTn id="1" dur="indefinite" restart="never" nodeType="tmRoot"/>
+      </p:par>
+    </p:tnLst>
+  </p:timing>
 </p:sld>
 </file>
 
@@ -3691,18 +4957,35 @@
           </a:p>
         </p:txBody>
       </p:sp>
-      <p:sp>
-        <p:nvSpPr>
-          <p:cNvPr id="3" name="Picture Placeholder 2"/>
-          <p:cNvSpPr>
-            <a:spLocks noGrp="1"/>
-          </p:cNvSpPr>
+      <p:pic>
+        <p:nvPicPr>
+          <p:cNvPr id="5" name="Picture Placeholder 4"/>
+          <p:cNvPicPr>
+            <a:picLocks noGrp="1" noChangeAspect="1"/>
+          </p:cNvPicPr>
           <p:nvPr>
             <p:ph type="pic" idx="1"/>
           </p:nvPr>
-        </p:nvSpPr>
-        <p:spPr/>
-      </p:sp>
+        </p:nvPicPr>
+        <p:blipFill>
+          <a:blip r:embed="rId2">
+            <a:extLst>
+              <a:ext uri="{28A0092B-C50C-407E-A947-70E740481C1C}">
+                <a14:useLocalDpi xmlns:a14="http://schemas.microsoft.com/office/drawing/2010/main" val="0"/>
+              </a:ext>
+            </a:extLst>
+          </a:blip>
+          <a:stretch>
+            <a:fillRect/>
+          </a:stretch>
+        </p:blipFill>
+        <p:spPr>
+          <a:xfrm>
+            <a:off x="387928" y="2383463"/>
+            <a:ext cx="7134546" cy="3707918"/>
+          </a:xfrm>
+        </p:spPr>
+      </p:pic>
       <p:sp>
         <p:nvSpPr>
           <p:cNvPr id="4" name="Text Placeholder 3"/>
@@ -3713,12 +4996,67 @@
             <p:ph type="body" sz="half" idx="2"/>
           </p:nvPr>
         </p:nvSpPr>
-        <p:spPr/>
+        <p:spPr>
+          <a:xfrm>
+            <a:off x="7790687" y="2150621"/>
+            <a:ext cx="3865603" cy="4314834"/>
+          </a:xfrm>
+        </p:spPr>
         <p:txBody>
           <a:bodyPr/>
           <a:lstStyle/>
           <a:p>
-            <a:endParaRPr lang="en-GB"/>
+            <a:r>
+              <a:rPr lang="en-GB" dirty="0" smtClean="0"/>
+              <a:t>To improve the performance of the particles and reduce the limitations met (particle quantity), the SP grid was implemented.</a:t>
+            </a:r>
+          </a:p>
+          <a:p>
+            <a:r>
+              <a:rPr lang="en-GB" dirty="0" smtClean="0"/>
+              <a:t>SP grid:</a:t>
+            </a:r>
+          </a:p>
+          <a:p>
+            <a:pPr marL="285750" indent="-285750">
+              <a:buFont typeface="Arial" panose="020B0604020202020204" pitchFamily="34" charset="0"/>
+              <a:buChar char="•"/>
+            </a:pPr>
+            <a:r>
+              <a:rPr lang="en-GB" dirty="0" smtClean="0"/>
+              <a:t>Splits the entire scene up into small cubes within one large cube</a:t>
+            </a:r>
+          </a:p>
+          <a:p>
+            <a:pPr marL="285750" indent="-285750">
+              <a:buFont typeface="Arial" panose="020B0604020202020204" pitchFamily="34" charset="0"/>
+              <a:buChar char="•"/>
+            </a:pPr>
+            <a:r>
+              <a:rPr lang="en-GB" dirty="0" smtClean="0"/>
+              <a:t>Collision detection and response managed within cells of the grid</a:t>
+            </a:r>
+          </a:p>
+          <a:p>
+            <a:pPr marL="285750" indent="-285750">
+              <a:buFont typeface="Arial" panose="020B0604020202020204" pitchFamily="34" charset="0"/>
+              <a:buChar char="•"/>
+            </a:pPr>
+            <a:r>
+              <a:rPr lang="en-GB" dirty="0" smtClean="0"/>
+              <a:t>Takes 3D world positions and converts them to 1D array positions</a:t>
+            </a:r>
+          </a:p>
+          <a:p>
+            <a:pPr marL="742950" lvl="1" indent="-285750">
+              <a:buFont typeface="Arial" panose="020B0604020202020204" pitchFamily="34" charset="0"/>
+              <a:buChar char="•"/>
+            </a:pPr>
+            <a:r>
+              <a:rPr lang="en-GB" dirty="0" smtClean="0"/>
+              <a:t>The 1D positions represent a cell</a:t>
+            </a:r>
+            <a:endParaRPr lang="en-GB" dirty="0" smtClean="0"/>
           </a:p>
         </p:txBody>
       </p:sp>
@@ -3732,6 +5070,13 @@
   <p:clrMapOvr>
     <a:masterClrMapping/>
   </p:clrMapOvr>
+  <p:timing>
+    <p:tnLst>
+      <p:par>
+        <p:cTn id="1" dur="indefinite" restart="never" nodeType="tmRoot"/>
+      </p:par>
+    </p:tnLst>
+  </p:timing>
 </p:sld>
 </file>
 
@@ -3767,26 +5112,39 @@
           <a:bodyPr/>
           <a:lstStyle/>
           <a:p>
-            <a:r>
-              <a:rPr lang="en-GB" cap="none" dirty="0" smtClean="0"/>
-              <a:t>Rigid Bodies – linear dynamics</a:t>
-            </a:r>
-            <a:endParaRPr lang="en-GB" cap="none" dirty="0"/>
-          </a:p>
-        </p:txBody>
-      </p:sp>
-      <p:sp>
-        <p:nvSpPr>
-          <p:cNvPr id="3" name="Picture Placeholder 2"/>
-          <p:cNvSpPr>
-            <a:spLocks noGrp="1"/>
-          </p:cNvSpPr>
+            <a:endParaRPr lang="en-GB"/>
+          </a:p>
+        </p:txBody>
+      </p:sp>
+      <p:pic>
+        <p:nvPicPr>
+          <p:cNvPr id="5" name="Picture Placeholder 4"/>
+          <p:cNvPicPr>
+            <a:picLocks noGrp="1" noChangeAspect="1"/>
+          </p:cNvPicPr>
           <p:nvPr>
             <p:ph type="pic" idx="1"/>
           </p:nvPr>
-        </p:nvSpPr>
-        <p:spPr/>
-      </p:sp>
+        </p:nvPicPr>
+        <p:blipFill>
+          <a:blip r:embed="rId2">
+            <a:extLst>
+              <a:ext uri="{28A0092B-C50C-407E-A947-70E740481C1C}">
+                <a14:useLocalDpi xmlns:a14="http://schemas.microsoft.com/office/drawing/2010/main" val="0"/>
+              </a:ext>
+            </a:extLst>
+          </a:blip>
+          <a:stretch>
+            <a:fillRect/>
+          </a:stretch>
+        </p:blipFill>
+        <p:spPr>
+          <a:xfrm>
+            <a:off x="406401" y="2649385"/>
+            <a:ext cx="5374259" cy="3058688"/>
+          </a:xfrm>
+        </p:spPr>
+      </p:pic>
       <p:sp>
         <p:nvSpPr>
           <p:cNvPr id="4" name="Text Placeholder 3"/>
@@ -3797,25 +5155,148 @@
             <p:ph type="body" sz="half" idx="2"/>
           </p:nvPr>
         </p:nvSpPr>
-        <p:spPr/>
+        <p:spPr>
+          <a:xfrm>
+            <a:off x="5929746" y="2150621"/>
+            <a:ext cx="5057254" cy="4268652"/>
+          </a:xfrm>
+        </p:spPr>
         <p:txBody>
           <a:bodyPr/>
           <a:lstStyle/>
           <a:p>
-            <a:endParaRPr lang="en-GB"/>
+            <a:r>
+              <a:rPr lang="en-GB" dirty="0" smtClean="0"/>
+              <a:t>Each time a collider is updated:</a:t>
+            </a:r>
+          </a:p>
+          <a:p>
+            <a:pPr marL="285750" indent="-285750">
+              <a:buFont typeface="Arial" panose="020B0604020202020204" pitchFamily="34" charset="0"/>
+              <a:buChar char="•"/>
+            </a:pPr>
+            <a:r>
+              <a:rPr lang="en-GB" dirty="0" smtClean="0"/>
+              <a:t>Collider calls the SP grid, passing itself</a:t>
+            </a:r>
+          </a:p>
+          <a:p>
+            <a:pPr marL="285750" indent="-285750">
+              <a:buFont typeface="Arial" panose="020B0604020202020204" pitchFamily="34" charset="0"/>
+              <a:buChar char="•"/>
+            </a:pPr>
+            <a:r>
+              <a:rPr lang="en-GB" dirty="0" smtClean="0"/>
+              <a:t>The grid uses the collider’s position to determine what cells it covers</a:t>
+            </a:r>
+          </a:p>
+          <a:p>
+            <a:pPr marL="285750" indent="-285750">
+              <a:buFont typeface="Arial" panose="020B0604020202020204" pitchFamily="34" charset="0"/>
+              <a:buChar char="•"/>
+            </a:pPr>
+            <a:r>
+              <a:rPr lang="en-GB" dirty="0" smtClean="0"/>
+              <a:t>Passes the collider to relevant cells</a:t>
+            </a:r>
+          </a:p>
+          <a:p>
+            <a:pPr marL="285750" indent="-285750">
+              <a:buFont typeface="Arial" panose="020B0604020202020204" pitchFamily="34" charset="0"/>
+              <a:buChar char="•"/>
+            </a:pPr>
+            <a:r>
+              <a:rPr lang="en-GB" dirty="0" smtClean="0"/>
+              <a:t>Each cell:</a:t>
+            </a:r>
+          </a:p>
+          <a:p>
+            <a:pPr marL="742950" lvl="1" indent="-285750">
+              <a:buFont typeface="Arial" panose="020B0604020202020204" pitchFamily="34" charset="0"/>
+              <a:buChar char="•"/>
+            </a:pPr>
+            <a:r>
+              <a:rPr lang="en-GB" dirty="0" smtClean="0"/>
+              <a:t>Checks the collider for collisions with other colliders in that cell</a:t>
+            </a:r>
+          </a:p>
+          <a:p>
+            <a:pPr marL="742950" lvl="1" indent="-285750">
+              <a:buFont typeface="Arial" panose="020B0604020202020204" pitchFamily="34" charset="0"/>
+              <a:buChar char="•"/>
+            </a:pPr>
+            <a:r>
+              <a:rPr lang="en-GB" dirty="0" smtClean="0"/>
+              <a:t>If there is a collision then the corrective impulses and forces are applied</a:t>
+            </a:r>
+          </a:p>
+          <a:p>
+            <a:endParaRPr lang="en-GB" dirty="0" smtClean="0"/>
+          </a:p>
+        </p:txBody>
+      </p:sp>
+      <p:sp>
+        <p:nvSpPr>
+          <p:cNvPr id="6" name="TextBox 5"/>
+          <p:cNvSpPr txBox="1"/>
+          <p:nvPr/>
+        </p:nvSpPr>
+        <p:spPr>
+          <a:xfrm>
+            <a:off x="406401" y="5781964"/>
+            <a:ext cx="5374259" cy="861774"/>
+          </a:xfrm>
+          <a:prstGeom prst="rect">
+            <a:avLst/>
+          </a:prstGeom>
+          <a:noFill/>
+        </p:spPr>
+        <p:txBody>
+          <a:bodyPr wrap="square" rtlCol="0">
+            <a:spAutoFit/>
+          </a:bodyPr>
+          <a:lstStyle/>
+          <a:p>
+            <a:pPr algn="ctr"/>
+            <a:r>
+              <a:rPr lang="en-GB" sz="1600" dirty="0" smtClean="0"/>
+              <a:t>Debug rendering of the Spatial Partitioning Grid</a:t>
+            </a:r>
+          </a:p>
+          <a:p>
+            <a:pPr algn="ctr"/>
+            <a:r>
+              <a:rPr lang="en-GB" sz="1600" dirty="0" smtClean="0"/>
+              <a:t>Blue = collider called the cell but no collision checks</a:t>
+            </a:r>
+          </a:p>
+          <a:p>
+            <a:pPr algn="ctr"/>
+            <a:r>
+              <a:rPr lang="en-GB" sz="1600" dirty="0" smtClean="0"/>
+              <a:t>Green = 1 to 5 collision checks</a:t>
+            </a:r>
+            <a:endParaRPr lang="en-GB" sz="1600" dirty="0"/>
           </a:p>
         </p:txBody>
       </p:sp>
     </p:spTree>
     <p:extLst>
       <p:ext uri="{BB962C8B-B14F-4D97-AF65-F5344CB8AC3E}">
-        <p14:creationId xmlns:p14="http://schemas.microsoft.com/office/powerpoint/2010/main" val="1286415300"/>
+        <p14:creationId xmlns:p14="http://schemas.microsoft.com/office/powerpoint/2010/main" val="447913635"/>
       </p:ext>
     </p:extLst>
   </p:cSld>
   <p:clrMapOvr>
     <a:masterClrMapping/>
   </p:clrMapOvr>
+  <p:timing>
+    <p:tnLst>
+      <p:par>
+        <p:cTn id="1" dur="indefinite" restart="never" nodeType="tmRoot"/>
+      </p:par>
+    </p:tnLst>
+  </p:timing>
 </p:sld>
 </file>
 
@@ -3852,10 +5333,18 @@
           <a:lstStyle/>
           <a:p>
             <a:r>
+              <a:rPr lang="en-GB" cap="none" dirty="0"/>
+              <a:t>Rigid Bodies </a:t>
+            </a:r>
+            <a:r>
               <a:rPr lang="en-GB" cap="none" dirty="0" smtClean="0"/>
-              <a:t>Improvements</a:t>
-            </a:r>
-            <a:endParaRPr lang="en-GB" cap="none" dirty="0"/>
+              <a:t>– </a:t>
+            </a:r>
+            <a:r>
+              <a:rPr lang="en-GB" cap="none" dirty="0"/>
+              <a:t>linear dynamics</a:t>
+            </a:r>
+            <a:endParaRPr lang="en-GB" dirty="0"/>
           </a:p>
         </p:txBody>
       </p:sp>
@@ -3874,7 +5363,976 @@
           <a:bodyPr/>
           <a:lstStyle/>
           <a:p>
-            <a:endParaRPr lang="en-GB"/>
+            <a:pPr>
+              <a:buFont typeface="Arial" panose="020B0604020202020204" pitchFamily="34" charset="0"/>
+              <a:buChar char="•"/>
+            </a:pPr>
+            <a:r>
+              <a:rPr lang="en-GB" dirty="0" smtClean="0"/>
+              <a:t>Rigid bodies implemented using linear dynamics (no rotation)</a:t>
+            </a:r>
+          </a:p>
+          <a:p>
+            <a:pPr>
+              <a:buFont typeface="Arial" panose="020B0604020202020204" pitchFamily="34" charset="0"/>
+              <a:buChar char="•"/>
+            </a:pPr>
+            <a:r>
+              <a:rPr lang="en-GB" dirty="0" smtClean="0"/>
+              <a:t>Implemented for collision response and for more user interaction</a:t>
+            </a:r>
+          </a:p>
+          <a:p>
+            <a:pPr lvl="1">
+              <a:buFont typeface="Arial" panose="020B0604020202020204" pitchFamily="34" charset="0"/>
+              <a:buChar char="•"/>
+            </a:pPr>
+            <a:r>
+              <a:rPr lang="en-GB" dirty="0" smtClean="0"/>
+              <a:t>User controlled rigid body</a:t>
+            </a:r>
+          </a:p>
+          <a:p>
+            <a:pPr>
+              <a:buFont typeface="Arial" panose="020B0604020202020204" pitchFamily="34" charset="0"/>
+              <a:buChar char="•"/>
+            </a:pPr>
+            <a:endParaRPr lang="en-GB" dirty="0"/>
+          </a:p>
+          <a:p>
+            <a:pPr>
+              <a:buFont typeface="Arial" panose="020B0604020202020204" pitchFamily="34" charset="0"/>
+              <a:buChar char="•"/>
+            </a:pPr>
+            <a:r>
+              <a:rPr lang="en-GB" dirty="0" smtClean="0"/>
+              <a:t>Collision response using impulses with small corrective forces</a:t>
+            </a:r>
+          </a:p>
+          <a:p>
+            <a:pPr>
+              <a:buFont typeface="Arial" panose="020B0604020202020204" pitchFamily="34" charset="0"/>
+              <a:buChar char="•"/>
+            </a:pPr>
+            <a:r>
+              <a:rPr lang="en-GB" dirty="0" smtClean="0"/>
+              <a:t>Implemented using the collider and SP grid</a:t>
+            </a:r>
+          </a:p>
+          <a:p>
+            <a:pPr lvl="1">
+              <a:buFont typeface="Arial" panose="020B0604020202020204" pitchFamily="34" charset="0"/>
+              <a:buChar char="•"/>
+            </a:pPr>
+            <a:r>
+              <a:rPr lang="en-GB" dirty="0" smtClean="0"/>
+              <a:t>Collider manages the integration (using Explicit </a:t>
+            </a:r>
+            <a:r>
+              <a:rPr lang="en-GB" dirty="0" err="1" smtClean="0"/>
+              <a:t>Eular</a:t>
+            </a:r>
+            <a:r>
+              <a:rPr lang="en-GB" dirty="0" smtClean="0"/>
+              <a:t>)</a:t>
+            </a:r>
+          </a:p>
+          <a:p>
+            <a:pPr lvl="1">
+              <a:buFont typeface="Arial" panose="020B0604020202020204" pitchFamily="34" charset="0"/>
+              <a:buChar char="•"/>
+            </a:pPr>
+            <a:r>
+              <a:rPr lang="en-GB" dirty="0" smtClean="0"/>
+              <a:t>SP grid manages the calculation of impulses and forces to correct collision</a:t>
+            </a:r>
+            <a:endParaRPr lang="en-GB" dirty="0"/>
+          </a:p>
+        </p:txBody>
+      </p:sp>
+    </p:spTree>
+    <p:extLst>
+      <p:ext uri="{BB962C8B-B14F-4D97-AF65-F5344CB8AC3E}">
+        <p14:creationId xmlns:p14="http://schemas.microsoft.com/office/powerpoint/2010/main" val="3929462884"/>
+      </p:ext>
+    </p:extLst>
+  </p:cSld>
+  <p:clrMapOvr>
+    <a:masterClrMapping/>
+  </p:clrMapOvr>
+  <p:timing>
+    <p:tnLst>
+      <p:par>
+        <p:cTn id="1" dur="indefinite" restart="never" nodeType="tmRoot"/>
+      </p:par>
+    </p:tnLst>
+  </p:timing>
+</p:sld>
+</file>
+
+<file path=ppt/slides/slide16.xml><?xml version="1.0" encoding="utf-8"?>
+<p:sld xmlns:a="http://schemas.openxmlformats.org/drawingml/2006/main" xmlns:r="http://schemas.openxmlformats.org/officeDocument/2006/relationships" xmlns:p="http://schemas.openxmlformats.org/presentationml/2006/main">
+  <p:cSld>
+    <p:spTree>
+      <p:nvGrpSpPr>
+        <p:cNvPr id="1" name=""/>
+        <p:cNvGrpSpPr/>
+        <p:nvPr/>
+      </p:nvGrpSpPr>
+      <p:grpSpPr>
+        <a:xfrm>
+          <a:off x="0" y="0"/>
+          <a:ext cx="0" cy="0"/>
+          <a:chOff x="0" y="0"/>
+          <a:chExt cx="0" cy="0"/>
+        </a:xfrm>
+      </p:grpSpPr>
+      <p:sp>
+        <p:nvSpPr>
+          <p:cNvPr id="2" name="Title 1"/>
+          <p:cNvSpPr>
+            <a:spLocks noGrp="1"/>
+          </p:cNvSpPr>
+          <p:nvPr>
+            <p:ph type="title"/>
+          </p:nvPr>
+        </p:nvSpPr>
+        <p:spPr/>
+        <p:txBody>
+          <a:bodyPr/>
+          <a:lstStyle/>
+          <a:p>
+            <a:r>
+              <a:rPr lang="en-GB" cap="none" dirty="0"/>
+              <a:t>Rigid Bodies – </a:t>
+            </a:r>
+            <a:r>
+              <a:rPr lang="en-GB" cap="none" dirty="0" smtClean="0"/>
+              <a:t>Integration</a:t>
+            </a:r>
+            <a:endParaRPr lang="en-GB" dirty="0"/>
+          </a:p>
+        </p:txBody>
+      </p:sp>
+      <mc:AlternateContent xmlns:mc="http://schemas.openxmlformats.org/markup-compatibility/2006">
+        <mc:Choice xmlns:a14="http://schemas.microsoft.com/office/drawing/2010/main" Requires="a14">
+          <p:sp>
+            <p:nvSpPr>
+              <p:cNvPr id="3" name="Content Placeholder 2"/>
+              <p:cNvSpPr>
+                <a:spLocks noGrp="1"/>
+              </p:cNvSpPr>
+              <p:nvPr>
+                <p:ph idx="1"/>
+              </p:nvPr>
+            </p:nvSpPr>
+            <p:spPr/>
+            <p:txBody>
+              <a:bodyPr/>
+              <a:lstStyle/>
+              <a:p>
+                <a:pPr>
+                  <a:buFont typeface="Arial" panose="020B0604020202020204" pitchFamily="34" charset="0"/>
+                  <a:buChar char="•"/>
+                </a:pPr>
+                <a:r>
+                  <a:rPr lang="en-GB" dirty="0" smtClean="0"/>
+                  <a:t>Integration using the Explicit Euler method</a:t>
+                </a:r>
+              </a:p>
+              <a:p>
+                <a:pPr lvl="1">
+                  <a:buFont typeface="Arial" panose="020B0604020202020204" pitchFamily="34" charset="0"/>
+                  <a:buChar char="•"/>
+                </a:pPr>
+                <a:r>
+                  <a:rPr lang="en-GB" dirty="0" smtClean="0"/>
+                  <a:t>V</a:t>
+                </a:r>
+                <a:r>
+                  <a:rPr lang="en-GB" baseline="-25000" dirty="0" smtClean="0"/>
+                  <a:t>n+1</a:t>
+                </a:r>
+                <a:r>
+                  <a:rPr lang="en-GB" dirty="0" smtClean="0"/>
+                  <a:t> = </a:t>
+                </a:r>
+                <a:r>
+                  <a:rPr lang="en-GB" dirty="0" err="1" smtClean="0"/>
+                  <a:t>v</a:t>
+                </a:r>
+                <a:r>
+                  <a:rPr lang="en-GB" baseline="-25000" dirty="0" err="1" smtClean="0"/>
+                  <a:t>n</a:t>
+                </a:r>
+                <a:r>
+                  <a:rPr lang="en-GB" dirty="0" smtClean="0"/>
+                  <a:t> + </a:t>
+                </a:r>
+                <a:r>
+                  <a:rPr lang="el-GR" dirty="0" smtClean="0"/>
+                  <a:t>α</a:t>
+                </a:r>
+                <a:r>
+                  <a:rPr lang="en-GB" baseline="-25000" dirty="0" smtClean="0"/>
+                  <a:t>n</a:t>
+                </a:r>
+                <a:r>
+                  <a:rPr lang="el-GR" dirty="0" smtClean="0"/>
+                  <a:t>Δ</a:t>
+                </a:r>
+                <a:r>
+                  <a:rPr lang="en-GB" dirty="0" smtClean="0"/>
+                  <a:t>t  &lt;-- Velocity incremented by the acceleration relative to the time passed</a:t>
+                </a:r>
+              </a:p>
+              <a:p>
+                <a:pPr lvl="1">
+                  <a:buFont typeface="Arial" panose="020B0604020202020204" pitchFamily="34" charset="0"/>
+                  <a:buChar char="•"/>
+                </a:pPr>
+                <a:r>
+                  <a:rPr lang="en-GB" dirty="0" smtClean="0"/>
+                  <a:t>S</a:t>
+                </a:r>
+                <a:r>
+                  <a:rPr lang="en-GB" baseline="-25000" dirty="0" smtClean="0"/>
+                  <a:t>n+1</a:t>
+                </a:r>
+                <a:r>
+                  <a:rPr lang="en-GB" dirty="0" smtClean="0"/>
+                  <a:t> </a:t>
+                </a:r>
+                <a:r>
+                  <a:rPr lang="en-GB" dirty="0"/>
+                  <a:t>= </a:t>
+                </a:r>
+                <a:r>
+                  <a:rPr lang="en-GB" dirty="0" smtClean="0"/>
+                  <a:t>S</a:t>
+                </a:r>
+                <a:r>
+                  <a:rPr lang="en-GB" baseline="-25000" dirty="0" smtClean="0"/>
+                  <a:t>n</a:t>
+                </a:r>
+                <a:r>
+                  <a:rPr lang="en-GB" dirty="0" smtClean="0"/>
+                  <a:t> </a:t>
+                </a:r>
+                <a:r>
+                  <a:rPr lang="en-GB" dirty="0"/>
+                  <a:t>+ </a:t>
+                </a:r>
+                <a:r>
+                  <a:rPr lang="en-GB" dirty="0" err="1" smtClean="0"/>
+                  <a:t>V</a:t>
+                </a:r>
+                <a:r>
+                  <a:rPr lang="en-GB" baseline="-25000" dirty="0" err="1" smtClean="0"/>
+                  <a:t>n</a:t>
+                </a:r>
+                <a:r>
+                  <a:rPr lang="el-GR" dirty="0" smtClean="0"/>
+                  <a:t>Δ</a:t>
+                </a:r>
+                <a:r>
+                  <a:rPr lang="en-GB" dirty="0" smtClean="0"/>
+                  <a:t>t</a:t>
+                </a:r>
+                <a:r>
+                  <a:rPr lang="en-GB" dirty="0"/>
+                  <a:t> &lt;-- </a:t>
+                </a:r>
+                <a:r>
+                  <a:rPr lang="en-GB" dirty="0" smtClean="0"/>
+                  <a:t>Position incremented </a:t>
+                </a:r>
+                <a:r>
+                  <a:rPr lang="en-GB" dirty="0"/>
+                  <a:t>by the </a:t>
+                </a:r>
+                <a:r>
+                  <a:rPr lang="en-GB" dirty="0" smtClean="0"/>
+                  <a:t>velocity relative </a:t>
+                </a:r>
+                <a:r>
+                  <a:rPr lang="en-GB" dirty="0"/>
+                  <a:t>to the time passed</a:t>
+                </a:r>
+                <a:endParaRPr lang="en-GB" baseline="-25000" dirty="0" smtClean="0"/>
+              </a:p>
+              <a:p>
+                <a:pPr lvl="1">
+                  <a:buFont typeface="Arial" panose="020B0604020202020204" pitchFamily="34" charset="0"/>
+                  <a:buChar char="•"/>
+                </a:pPr>
+                <a:endParaRPr lang="en-GB" baseline="-25000" dirty="0"/>
+              </a:p>
+              <a:p>
+                <a:pPr>
+                  <a:buFont typeface="Arial" panose="020B0604020202020204" pitchFamily="34" charset="0"/>
+                  <a:buChar char="•"/>
+                </a:pPr>
+                <a:r>
+                  <a:rPr lang="en-GB" dirty="0" smtClean="0"/>
+                  <a:t>Acceleration is calculated using Newton’s Second Law</a:t>
+                </a:r>
+              </a:p>
+              <a:p>
+                <a:pPr lvl="1">
+                  <a:buFont typeface="Arial" panose="020B0604020202020204" pitchFamily="34" charset="0"/>
+                  <a:buChar char="•"/>
+                </a:pPr>
+                <a14:m>
+                  <m:oMath xmlns:m="http://schemas.openxmlformats.org/officeDocument/2006/math">
+                    <m:r>
+                      <a:rPr lang="en-GB" i="1">
+                        <a:latin typeface="Cambria Math" panose="02040503050406030204" pitchFamily="18" charset="0"/>
+                        <a:ea typeface="Cambria Math" panose="02040503050406030204" pitchFamily="18" charset="0"/>
+                      </a:rPr>
+                      <m:t>𝑓</m:t>
+                    </m:r>
+                  </m:oMath>
+                </a14:m>
+                <a:r>
+                  <a:rPr lang="en-GB" dirty="0" smtClean="0"/>
+                  <a:t> = ma</a:t>
+                </a:r>
+              </a:p>
+              <a:p>
+                <a:pPr lvl="1">
+                  <a:buFont typeface="Arial" panose="020B0604020202020204" pitchFamily="34" charset="0"/>
+                  <a:buChar char="•"/>
+                </a:pPr>
+                <a14:m>
+                  <m:oMath xmlns:m="http://schemas.openxmlformats.org/officeDocument/2006/math">
+                    <m:r>
+                      <a:rPr lang="en-GB" i="1" smtClean="0">
+                        <a:latin typeface="Cambria Math" panose="02040503050406030204" pitchFamily="18" charset="0"/>
+                        <a:ea typeface="Cambria Math" panose="02040503050406030204" pitchFamily="18" charset="0"/>
+                      </a:rPr>
+                      <m:t>𝛼</m:t>
+                    </m:r>
+                    <m:r>
+                      <a:rPr lang="en-GB" b="0" i="1" smtClean="0">
+                        <a:latin typeface="Cambria Math" panose="02040503050406030204" pitchFamily="18" charset="0"/>
+                        <a:ea typeface="Cambria Math" panose="02040503050406030204" pitchFamily="18" charset="0"/>
+                      </a:rPr>
+                      <m:t> </m:t>
+                    </m:r>
+                  </m:oMath>
+                </a14:m>
+                <a:r>
+                  <a:rPr lang="en-GB" b="0" dirty="0" smtClean="0">
+                    <a:ea typeface="Cambria Math" panose="02040503050406030204" pitchFamily="18" charset="0"/>
+                  </a:rPr>
+                  <a:t>= </a:t>
+                </a:r>
+                <a14:m>
+                  <m:oMath xmlns:m="http://schemas.openxmlformats.org/officeDocument/2006/math">
+                    <m:f>
+                      <m:fPr>
+                        <m:ctrlPr>
+                          <a:rPr lang="en-GB" b="0" i="1" smtClean="0">
+                            <a:latin typeface="Cambria Math" panose="02040503050406030204" pitchFamily="18" charset="0"/>
+                            <a:ea typeface="Cambria Math" panose="02040503050406030204" pitchFamily="18" charset="0"/>
+                          </a:rPr>
+                        </m:ctrlPr>
+                      </m:fPr>
+                      <m:num>
+                        <m:r>
+                          <a:rPr lang="en-GB" b="0" i="1" smtClean="0">
+                            <a:latin typeface="Cambria Math" panose="02040503050406030204" pitchFamily="18" charset="0"/>
+                            <a:ea typeface="Cambria Math" panose="02040503050406030204" pitchFamily="18" charset="0"/>
+                          </a:rPr>
+                          <m:t>𝑓</m:t>
+                        </m:r>
+                      </m:num>
+                      <m:den>
+                        <m:r>
+                          <a:rPr lang="en-GB" b="0" i="1" smtClean="0">
+                            <a:latin typeface="Cambria Math" panose="02040503050406030204" pitchFamily="18" charset="0"/>
+                            <a:ea typeface="Cambria Math" panose="02040503050406030204" pitchFamily="18" charset="0"/>
+                          </a:rPr>
+                          <m:t>𝑚</m:t>
+                        </m:r>
+                      </m:den>
+                    </m:f>
+                  </m:oMath>
+                </a14:m>
+                <a:endParaRPr lang="en-GB" dirty="0" smtClean="0"/>
+              </a:p>
+            </p:txBody>
+          </p:sp>
+        </mc:Choice>
+        <mc:Fallback>
+          <p:sp>
+            <p:nvSpPr>
+              <p:cNvPr id="3" name="Content Placeholder 2"/>
+              <p:cNvSpPr>
+                <a:spLocks noGrp="1" noRot="1" noChangeAspect="1" noMove="1" noResize="1" noEditPoints="1" noAdjustHandles="1" noChangeArrowheads="1" noChangeShapeType="1" noTextEdit="1"/>
+              </p:cNvSpPr>
+              <p:nvPr>
+                <p:ph idx="1"/>
+              </p:nvPr>
+            </p:nvSpPr>
+            <p:spPr>
+              <a:blipFill rotWithShape="0">
+                <a:blip r:embed="rId2"/>
+                <a:stretch>
+                  <a:fillRect l="-685" t="-1884"/>
+                </a:stretch>
+              </a:blipFill>
+            </p:spPr>
+            <p:txBody>
+              <a:bodyPr/>
+              <a:lstStyle/>
+              <a:p>
+                <a:r>
+                  <a:rPr lang="en-GB">
+                    <a:noFill/>
+                  </a:rPr>
+                  <a:t> </a:t>
+                </a:r>
+              </a:p>
+            </p:txBody>
+          </p:sp>
+        </mc:Fallback>
+      </mc:AlternateContent>
+    </p:spTree>
+    <p:extLst>
+      <p:ext uri="{BB962C8B-B14F-4D97-AF65-F5344CB8AC3E}">
+        <p14:creationId xmlns:p14="http://schemas.microsoft.com/office/powerpoint/2010/main" val="4026297878"/>
+      </p:ext>
+    </p:extLst>
+  </p:cSld>
+  <p:clrMapOvr>
+    <a:masterClrMapping/>
+  </p:clrMapOvr>
+  <p:timing>
+    <p:tnLst>
+      <p:par>
+        <p:cTn id="1" dur="indefinite" restart="never" nodeType="tmRoot"/>
+      </p:par>
+    </p:tnLst>
+  </p:timing>
+</p:sld>
+</file>
+
+<file path=ppt/slides/slide17.xml><?xml version="1.0" encoding="utf-8"?>
+<p:sld xmlns:a="http://schemas.openxmlformats.org/drawingml/2006/main" xmlns:r="http://schemas.openxmlformats.org/officeDocument/2006/relationships" xmlns:p="http://schemas.openxmlformats.org/presentationml/2006/main">
+  <p:cSld>
+    <p:spTree>
+      <p:nvGrpSpPr>
+        <p:cNvPr id="1" name=""/>
+        <p:cNvGrpSpPr/>
+        <p:nvPr/>
+      </p:nvGrpSpPr>
+      <p:grpSpPr>
+        <a:xfrm>
+          <a:off x="0" y="0"/>
+          <a:ext cx="0" cy="0"/>
+          <a:chOff x="0" y="0"/>
+          <a:chExt cx="0" cy="0"/>
+        </a:xfrm>
+      </p:grpSpPr>
+      <p:sp>
+        <p:nvSpPr>
+          <p:cNvPr id="2" name="Title 1"/>
+          <p:cNvSpPr>
+            <a:spLocks noGrp="1"/>
+          </p:cNvSpPr>
+          <p:nvPr>
+            <p:ph type="title"/>
+          </p:nvPr>
+        </p:nvSpPr>
+        <p:spPr/>
+        <p:txBody>
+          <a:bodyPr/>
+          <a:lstStyle/>
+          <a:p>
+            <a:r>
+              <a:rPr lang="en-GB" cap="none" dirty="0" smtClean="0"/>
+              <a:t>Collision Response</a:t>
+            </a:r>
+            <a:endParaRPr lang="en-GB" dirty="0"/>
+          </a:p>
+        </p:txBody>
+      </p:sp>
+      <mc:AlternateContent xmlns:mc="http://schemas.openxmlformats.org/markup-compatibility/2006">
+        <mc:Choice xmlns:a14="http://schemas.microsoft.com/office/drawing/2010/main" Requires="a14">
+          <p:sp>
+            <p:nvSpPr>
+              <p:cNvPr id="3" name="Content Placeholder 2"/>
+              <p:cNvSpPr>
+                <a:spLocks noGrp="1"/>
+              </p:cNvSpPr>
+              <p:nvPr>
+                <p:ph idx="1"/>
+              </p:nvPr>
+            </p:nvSpPr>
+            <p:spPr/>
+            <p:txBody>
+              <a:bodyPr/>
+              <a:lstStyle/>
+              <a:p>
+                <a:pPr>
+                  <a:buFont typeface="Arial" panose="020B0604020202020204" pitchFamily="34" charset="0"/>
+                  <a:buChar char="•"/>
+                </a:pPr>
+                <a:r>
+                  <a:rPr lang="en-GB" dirty="0" smtClean="0"/>
+                  <a:t>Impulse calculated using:</a:t>
+                </a:r>
+              </a:p>
+              <a:p>
+                <a:pPr lvl="1">
+                  <a:buFont typeface="Arial" panose="020B0604020202020204" pitchFamily="34" charset="0"/>
+                  <a:buChar char="•"/>
+                </a:pPr>
+                <a:r>
+                  <a:rPr lang="en-GB" dirty="0" smtClean="0"/>
+                  <a:t>Impulse = </a:t>
+                </a:r>
+                <a14:m>
+                  <m:oMath xmlns:m="http://schemas.openxmlformats.org/officeDocument/2006/math">
+                    <m:r>
+                      <a:rPr lang="en-GB" b="0" i="1" smtClean="0">
+                        <a:latin typeface="Cambria Math" panose="02040503050406030204" pitchFamily="18" charset="0"/>
+                      </a:rPr>
+                      <m:t>𝑛</m:t>
+                    </m:r>
+                    <m:r>
+                      <a:rPr lang="en-GB" b="0" i="1" smtClean="0">
+                        <a:latin typeface="Cambria Math" panose="02040503050406030204" pitchFamily="18" charset="0"/>
+                      </a:rPr>
+                      <m:t> ∗</m:t>
+                    </m:r>
+                    <m:d>
+                      <m:dPr>
+                        <m:ctrlPr>
+                          <a:rPr lang="en-GB" b="0" i="1" smtClean="0">
+                            <a:latin typeface="Cambria Math" panose="02040503050406030204" pitchFamily="18" charset="0"/>
+                          </a:rPr>
+                        </m:ctrlPr>
+                      </m:dPr>
+                      <m:e>
+                        <m:r>
+                          <a:rPr lang="en-GB" b="0" i="1" smtClean="0">
+                            <a:latin typeface="Cambria Math" panose="02040503050406030204" pitchFamily="18" charset="0"/>
+                          </a:rPr>
+                          <m:t>𝑛</m:t>
+                        </m:r>
+                        <m:r>
+                          <a:rPr lang="en-GB" b="0" i="1" smtClean="0">
+                            <a:latin typeface="Cambria Math" panose="02040503050406030204" pitchFamily="18" charset="0"/>
+                          </a:rPr>
+                          <m:t> . </m:t>
+                        </m:r>
+                        <m:d>
+                          <m:dPr>
+                            <m:ctrlPr>
+                              <a:rPr lang="en-GB" b="0" i="1" smtClean="0">
+                                <a:latin typeface="Cambria Math" panose="02040503050406030204" pitchFamily="18" charset="0"/>
+                              </a:rPr>
+                            </m:ctrlPr>
+                          </m:dPr>
+                          <m:e>
+                            <m:sSub>
+                              <m:sSubPr>
+                                <m:ctrlPr>
+                                  <a:rPr lang="en-GB" b="0" i="1" smtClean="0">
+                                    <a:latin typeface="Cambria Math" panose="02040503050406030204" pitchFamily="18" charset="0"/>
+                                  </a:rPr>
+                                </m:ctrlPr>
+                              </m:sSubPr>
+                              <m:e>
+                                <m:r>
+                                  <a:rPr lang="en-GB" b="0" i="1" smtClean="0">
+                                    <a:latin typeface="Cambria Math" panose="02040503050406030204" pitchFamily="18" charset="0"/>
+                                  </a:rPr>
+                                  <m:t>𝑣</m:t>
+                                </m:r>
+                              </m:e>
+                              <m:sub>
+                                <m:r>
+                                  <a:rPr lang="en-GB" b="0" i="1" smtClean="0">
+                                    <a:latin typeface="Cambria Math" panose="02040503050406030204" pitchFamily="18" charset="0"/>
+                                  </a:rPr>
+                                  <m:t>0</m:t>
+                                </m:r>
+                              </m:sub>
+                            </m:sSub>
+                            <m:r>
+                              <a:rPr lang="en-GB" b="0" i="1" smtClean="0">
+                                <a:latin typeface="Cambria Math" panose="02040503050406030204" pitchFamily="18" charset="0"/>
+                              </a:rPr>
+                              <m:t> −</m:t>
+                            </m:r>
+                            <m:sSub>
+                              <m:sSubPr>
+                                <m:ctrlPr>
+                                  <a:rPr lang="en-GB" b="0" i="1" smtClean="0">
+                                    <a:latin typeface="Cambria Math" panose="02040503050406030204" pitchFamily="18" charset="0"/>
+                                  </a:rPr>
+                                </m:ctrlPr>
+                              </m:sSubPr>
+                              <m:e>
+                                <m:r>
+                                  <a:rPr lang="en-GB" b="0" i="1" smtClean="0">
+                                    <a:latin typeface="Cambria Math" panose="02040503050406030204" pitchFamily="18" charset="0"/>
+                                  </a:rPr>
+                                  <m:t>𝑣</m:t>
+                                </m:r>
+                              </m:e>
+                              <m:sub>
+                                <m:r>
+                                  <a:rPr lang="en-GB" b="0" i="1" smtClean="0">
+                                    <a:latin typeface="Cambria Math" panose="02040503050406030204" pitchFamily="18" charset="0"/>
+                                  </a:rPr>
+                                  <m:t>1</m:t>
+                                </m:r>
+                              </m:sub>
+                            </m:sSub>
+                          </m:e>
+                        </m:d>
+                      </m:e>
+                    </m:d>
+                    <m:r>
+                      <a:rPr lang="en-GB" b="0" i="1" smtClean="0">
+                        <a:latin typeface="Cambria Math" panose="02040503050406030204" pitchFamily="18" charset="0"/>
+                      </a:rPr>
+                      <m:t>∗</m:t>
+                    </m:r>
+                    <m:r>
+                      <a:rPr lang="en-GB" b="0" i="1" smtClean="0">
+                        <a:latin typeface="Cambria Math" panose="02040503050406030204" pitchFamily="18" charset="0"/>
+                      </a:rPr>
+                      <m:t>𝑘</m:t>
+                    </m:r>
+                  </m:oMath>
+                </a14:m>
+                <a:endParaRPr lang="en-GB" dirty="0" smtClean="0"/>
+              </a:p>
+              <a:p>
+                <a:pPr lvl="1">
+                  <a:buFont typeface="Arial" panose="020B0604020202020204" pitchFamily="34" charset="0"/>
+                  <a:buChar char="•"/>
+                </a:pPr>
+                <a14:m>
+                  <m:oMath xmlns:m="http://schemas.openxmlformats.org/officeDocument/2006/math">
+                    <m:r>
+                      <a:rPr lang="en-GB" i="1">
+                        <a:latin typeface="Cambria Math" panose="02040503050406030204" pitchFamily="18" charset="0"/>
+                      </a:rPr>
+                      <m:t>𝑛</m:t>
+                    </m:r>
+                  </m:oMath>
+                </a14:m>
+                <a:r>
+                  <a:rPr lang="en-GB" dirty="0" smtClean="0"/>
+                  <a:t> = direction of collision</a:t>
+                </a:r>
+              </a:p>
+              <a:p>
+                <a:pPr lvl="1">
+                  <a:buFont typeface="Arial" panose="020B0604020202020204" pitchFamily="34" charset="0"/>
+                  <a:buChar char="•"/>
+                </a:pPr>
+                <a14:m>
+                  <m:oMath xmlns:m="http://schemas.openxmlformats.org/officeDocument/2006/math">
+                    <m:sSub>
+                      <m:sSubPr>
+                        <m:ctrlPr>
+                          <a:rPr lang="en-GB" i="1">
+                            <a:latin typeface="Cambria Math" panose="02040503050406030204" pitchFamily="18" charset="0"/>
+                          </a:rPr>
+                        </m:ctrlPr>
+                      </m:sSubPr>
+                      <m:e>
+                        <m:r>
+                          <a:rPr lang="en-GB" i="1">
+                            <a:latin typeface="Cambria Math" panose="02040503050406030204" pitchFamily="18" charset="0"/>
+                          </a:rPr>
+                          <m:t>𝑣</m:t>
+                        </m:r>
+                      </m:e>
+                      <m:sub>
+                        <m:r>
+                          <a:rPr lang="en-GB" i="1">
+                            <a:latin typeface="Cambria Math" panose="02040503050406030204" pitchFamily="18" charset="0"/>
+                          </a:rPr>
+                          <m:t>0</m:t>
+                        </m:r>
+                      </m:sub>
+                    </m:sSub>
+                  </m:oMath>
+                </a14:m>
+                <a:r>
+                  <a:rPr lang="en-GB" dirty="0" smtClean="0"/>
+                  <a:t> = velocity of one collider</a:t>
+                </a:r>
+              </a:p>
+              <a:p>
+                <a:pPr lvl="1">
+                  <a:buFont typeface="Arial" panose="020B0604020202020204" pitchFamily="34" charset="0"/>
+                  <a:buChar char="•"/>
+                </a:pPr>
+                <a14:m>
+                  <m:oMath xmlns:m="http://schemas.openxmlformats.org/officeDocument/2006/math">
+                    <m:sSub>
+                      <m:sSubPr>
+                        <m:ctrlPr>
+                          <a:rPr lang="en-GB" i="1">
+                            <a:latin typeface="Cambria Math" panose="02040503050406030204" pitchFamily="18" charset="0"/>
+                          </a:rPr>
+                        </m:ctrlPr>
+                      </m:sSubPr>
+                      <m:e>
+                        <m:r>
+                          <a:rPr lang="en-GB" i="1">
+                            <a:latin typeface="Cambria Math" panose="02040503050406030204" pitchFamily="18" charset="0"/>
+                          </a:rPr>
+                          <m:t>𝑣</m:t>
+                        </m:r>
+                      </m:e>
+                      <m:sub>
+                        <m:r>
+                          <a:rPr lang="en-GB" i="1">
+                            <a:latin typeface="Cambria Math" panose="02040503050406030204" pitchFamily="18" charset="0"/>
+                          </a:rPr>
+                          <m:t>1</m:t>
+                        </m:r>
+                      </m:sub>
+                    </m:sSub>
+                  </m:oMath>
+                </a14:m>
+                <a:r>
+                  <a:rPr lang="en-GB" dirty="0" smtClean="0"/>
+                  <a:t> = velocity of other collider</a:t>
+                </a:r>
+              </a:p>
+              <a:p>
+                <a:pPr lvl="1">
+                  <a:buFont typeface="Arial" panose="020B0604020202020204" pitchFamily="34" charset="0"/>
+                  <a:buChar char="•"/>
+                </a:pPr>
+                <a14:m>
+                  <m:oMath xmlns:m="http://schemas.openxmlformats.org/officeDocument/2006/math">
+                    <m:r>
+                      <a:rPr lang="en-GB" i="1">
+                        <a:latin typeface="Cambria Math" panose="02040503050406030204" pitchFamily="18" charset="0"/>
+                      </a:rPr>
+                      <m:t>𝑘</m:t>
+                    </m:r>
+                  </m:oMath>
+                </a14:m>
+                <a:r>
+                  <a:rPr lang="en-GB" dirty="0" smtClean="0"/>
+                  <a:t> = elasticity constant</a:t>
+                </a:r>
+              </a:p>
+              <a:p>
+                <a:pPr lvl="1">
+                  <a:buFont typeface="Arial" panose="020B0604020202020204" pitchFamily="34" charset="0"/>
+                  <a:buChar char="•"/>
+                </a:pPr>
+                <a:endParaRPr lang="en-GB" dirty="0" smtClean="0"/>
+              </a:p>
+              <a:p>
+                <a:pPr>
+                  <a:buFont typeface="Arial" panose="020B0604020202020204" pitchFamily="34" charset="0"/>
+                  <a:buChar char="•"/>
+                </a:pPr>
+                <a:r>
+                  <a:rPr lang="en-GB" dirty="0" smtClean="0"/>
+                  <a:t>The impulse is applied directly to the collider by the SP grid in order to correct collisions.</a:t>
+                </a:r>
+                <a:endParaRPr lang="en-GB" dirty="0"/>
+              </a:p>
+            </p:txBody>
+          </p:sp>
+        </mc:Choice>
+        <mc:Fallback>
+          <p:sp>
+            <p:nvSpPr>
+              <p:cNvPr id="3" name="Content Placeholder 2"/>
+              <p:cNvSpPr>
+                <a:spLocks noGrp="1" noRot="1" noChangeAspect="1" noMove="1" noResize="1" noEditPoints="1" noAdjustHandles="1" noChangeArrowheads="1" noChangeShapeType="1" noTextEdit="1"/>
+              </p:cNvSpPr>
+              <p:nvPr>
+                <p:ph idx="1"/>
+              </p:nvPr>
+            </p:nvSpPr>
+            <p:spPr>
+              <a:blipFill rotWithShape="0">
+                <a:blip r:embed="rId2"/>
+                <a:stretch>
+                  <a:fillRect l="-685" t="-1884"/>
+                </a:stretch>
+              </a:blipFill>
+            </p:spPr>
+            <p:txBody>
+              <a:bodyPr/>
+              <a:lstStyle/>
+              <a:p>
+                <a:r>
+                  <a:rPr lang="en-GB">
+                    <a:noFill/>
+                  </a:rPr>
+                  <a:t> </a:t>
+                </a:r>
+              </a:p>
+            </p:txBody>
+          </p:sp>
+        </mc:Fallback>
+      </mc:AlternateContent>
+    </p:spTree>
+    <p:extLst>
+      <p:ext uri="{BB962C8B-B14F-4D97-AF65-F5344CB8AC3E}">
+        <p14:creationId xmlns:p14="http://schemas.microsoft.com/office/powerpoint/2010/main" val="3361241247"/>
+      </p:ext>
+    </p:extLst>
+  </p:cSld>
+  <p:clrMapOvr>
+    <a:masterClrMapping/>
+  </p:clrMapOvr>
+  <p:timing>
+    <p:tnLst>
+      <p:par>
+        <p:cTn id="1" dur="indefinite" restart="never" nodeType="tmRoot"/>
+      </p:par>
+    </p:tnLst>
+  </p:timing>
+</p:sld>
+</file>
+
+<file path=ppt/slides/slide18.xml><?xml version="1.0" encoding="utf-8"?>
+<p:sld xmlns:a="http://schemas.openxmlformats.org/drawingml/2006/main" xmlns:r="http://schemas.openxmlformats.org/officeDocument/2006/relationships" xmlns:p="http://schemas.openxmlformats.org/presentationml/2006/main">
+  <p:cSld>
+    <p:spTree>
+      <p:nvGrpSpPr>
+        <p:cNvPr id="1" name=""/>
+        <p:cNvGrpSpPr/>
+        <p:nvPr/>
+      </p:nvGrpSpPr>
+      <p:grpSpPr>
+        <a:xfrm>
+          <a:off x="0" y="0"/>
+          <a:ext cx="0" cy="0"/>
+          <a:chOff x="0" y="0"/>
+          <a:chExt cx="0" cy="0"/>
+        </a:xfrm>
+      </p:grpSpPr>
+      <p:sp>
+        <p:nvSpPr>
+          <p:cNvPr id="2" name="Title 1"/>
+          <p:cNvSpPr>
+            <a:spLocks noGrp="1"/>
+          </p:cNvSpPr>
+          <p:nvPr>
+            <p:ph type="title"/>
+          </p:nvPr>
+        </p:nvSpPr>
+        <p:spPr/>
+        <p:txBody>
+          <a:bodyPr/>
+          <a:lstStyle/>
+          <a:p>
+            <a:r>
+              <a:rPr lang="en-GB" cap="none" dirty="0" smtClean="0"/>
+              <a:t>Improvements</a:t>
+            </a:r>
+            <a:endParaRPr lang="en-GB" cap="none" dirty="0"/>
+          </a:p>
+        </p:txBody>
+      </p:sp>
+      <p:sp>
+        <p:nvSpPr>
+          <p:cNvPr id="3" name="Content Placeholder 2"/>
+          <p:cNvSpPr>
+            <a:spLocks noGrp="1"/>
+          </p:cNvSpPr>
+          <p:nvPr>
+            <p:ph idx="1"/>
+          </p:nvPr>
+        </p:nvSpPr>
+        <p:spPr/>
+        <p:txBody>
+          <a:bodyPr/>
+          <a:lstStyle/>
+          <a:p>
+            <a:pPr>
+              <a:buFont typeface="Arial" panose="020B0604020202020204" pitchFamily="34" charset="0"/>
+              <a:buChar char="•"/>
+            </a:pPr>
+            <a:r>
+              <a:rPr lang="en-GB" dirty="0" smtClean="0"/>
+              <a:t>Particle System implemented using compute </a:t>
+            </a:r>
+            <a:r>
+              <a:rPr lang="en-GB" dirty="0" err="1" smtClean="0"/>
+              <a:t>shaders</a:t>
+            </a:r>
+            <a:endParaRPr lang="en-GB" dirty="0"/>
+          </a:p>
+          <a:p>
+            <a:pPr lvl="1">
+              <a:buFont typeface="Arial" panose="020B0604020202020204" pitchFamily="34" charset="0"/>
+              <a:buChar char="•"/>
+            </a:pPr>
+            <a:r>
+              <a:rPr lang="en-GB" dirty="0" smtClean="0"/>
+              <a:t>Reduce load on </a:t>
+            </a:r>
+            <a:r>
+              <a:rPr lang="en-GB" dirty="0" err="1" smtClean="0"/>
+              <a:t>cpu</a:t>
+            </a:r>
+            <a:r>
+              <a:rPr lang="en-GB" dirty="0"/>
+              <a:t> </a:t>
+            </a:r>
+            <a:r>
+              <a:rPr lang="en-GB" dirty="0" smtClean="0"/>
+              <a:t>by passing it to the </a:t>
+            </a:r>
+            <a:r>
+              <a:rPr lang="en-GB" dirty="0" err="1" smtClean="0"/>
+              <a:t>gpu</a:t>
+            </a:r>
+            <a:endParaRPr lang="en-GB" dirty="0" smtClean="0"/>
+          </a:p>
+          <a:p>
+            <a:pPr>
+              <a:buFont typeface="Arial" panose="020B0604020202020204" pitchFamily="34" charset="0"/>
+              <a:buChar char="•"/>
+            </a:pPr>
+            <a:r>
+              <a:rPr lang="en-GB" dirty="0" smtClean="0"/>
+              <a:t>Self colliding Inverse Kinematics</a:t>
+            </a:r>
+          </a:p>
+          <a:p>
+            <a:pPr>
+              <a:buFont typeface="Arial" panose="020B0604020202020204" pitchFamily="34" charset="0"/>
+              <a:buChar char="•"/>
+            </a:pPr>
+            <a:r>
+              <a:rPr lang="en-GB" dirty="0" smtClean="0"/>
+              <a:t>Make the Spatial Partitioning Grid more dynamic</a:t>
+            </a:r>
+          </a:p>
+          <a:p>
+            <a:pPr lvl="1">
+              <a:buFont typeface="Arial" panose="020B0604020202020204" pitchFamily="34" charset="0"/>
+              <a:buChar char="•"/>
+            </a:pPr>
+            <a:r>
+              <a:rPr lang="en-GB" dirty="0" smtClean="0"/>
+              <a:t>Adapts to the scene better (cells with different size/shape)</a:t>
+            </a:r>
+            <a:endParaRPr lang="en-GB" dirty="0"/>
           </a:p>
         </p:txBody>
       </p:sp>
@@ -3888,6 +6346,13 @@
   <p:clrMapOvr>
     <a:masterClrMapping/>
   </p:clrMapOvr>
+  <p:timing>
+    <p:tnLst>
+      <p:par>
+        <p:cTn id="1" dur="indefinite" restart="never" nodeType="tmRoot"/>
+      </p:par>
+    </p:tnLst>
+  </p:timing>
 </p:sld>
 </file>
 
@@ -4775,30 +7240,50 @@
           <a:bodyPr/>
           <a:lstStyle/>
           <a:p>
+            <a:pPr>
+              <a:buFont typeface="Arial" panose="020B0604020202020204" pitchFamily="34" charset="0"/>
+              <a:buChar char="•"/>
+            </a:pPr>
             <a:r>
               <a:rPr lang="en-GB" dirty="0" smtClean="0"/>
               <a:t>Sphere v Sphere</a:t>
             </a:r>
           </a:p>
           <a:p>
+            <a:pPr>
+              <a:buFont typeface="Arial" panose="020B0604020202020204" pitchFamily="34" charset="0"/>
+              <a:buChar char="•"/>
+            </a:pPr>
             <a:r>
               <a:rPr lang="en-GB" dirty="0" smtClean="0"/>
               <a:t>AABB v AABB (Axis Aligned Bounding Box)</a:t>
             </a:r>
           </a:p>
           <a:p>
+            <a:pPr>
+              <a:buFont typeface="Arial" panose="020B0604020202020204" pitchFamily="34" charset="0"/>
+              <a:buChar char="•"/>
+            </a:pPr>
             <a:r>
               <a:rPr lang="en-GB" dirty="0" smtClean="0"/>
               <a:t>OBB v OBB (Orientated Bounding Box)</a:t>
             </a:r>
           </a:p>
           <a:p>
+            <a:pPr>
+              <a:buFont typeface="Arial" panose="020B0604020202020204" pitchFamily="34" charset="0"/>
+              <a:buChar char="•"/>
+            </a:pPr>
             <a:r>
               <a:rPr lang="en-GB" dirty="0" smtClean="0"/>
               <a:t>Line v Line</a:t>
             </a:r>
           </a:p>
           <a:p>
+            <a:pPr>
+              <a:buFont typeface="Arial" panose="020B0604020202020204" pitchFamily="34" charset="0"/>
+              <a:buChar char="•"/>
+            </a:pPr>
             <a:r>
               <a:rPr lang="en-GB" dirty="0" smtClean="0"/>
               <a:t>Sphere v Plane</a:t>
@@ -4891,6 +7376,10 @@
           <a:bodyPr/>
           <a:lstStyle/>
           <a:p>
+            <a:pPr>
+              <a:buFont typeface="Arial" panose="020B0604020202020204" pitchFamily="34" charset="0"/>
+              <a:buChar char="•"/>
+            </a:pPr>
             <a:r>
               <a:rPr lang="en-GB" dirty="0" smtClean="0"/>
               <a:t>Offset vector from </a:t>
@@ -4910,19 +7399,30 @@
             <a:endParaRPr lang="en-GB" dirty="0" smtClean="0"/>
           </a:p>
           <a:p>
+            <a:pPr>
+              <a:buFont typeface="Arial" panose="020B0604020202020204" pitchFamily="34" charset="0"/>
+              <a:buChar char="•"/>
+            </a:pPr>
             <a:r>
               <a:rPr lang="en-GB" dirty="0" smtClean="0"/>
               <a:t>Take the magnitude of the offset</a:t>
             </a:r>
           </a:p>
           <a:p>
+            <a:pPr>
+              <a:buFont typeface="Arial" panose="020B0604020202020204" pitchFamily="34" charset="0"/>
+              <a:buChar char="•"/>
+            </a:pPr>
             <a:r>
               <a:rPr lang="en-GB" dirty="0" smtClean="0"/>
               <a:t>If the sum of the radii is less than the magnitude</a:t>
             </a:r>
           </a:p>
           <a:p>
-            <a:pPr lvl="1"/>
+            <a:pPr lvl="1">
+              <a:buFont typeface="Arial" panose="020B0604020202020204" pitchFamily="34" charset="0"/>
+              <a:buChar char="•"/>
+            </a:pPr>
             <a:r>
               <a:rPr lang="en-GB" dirty="0" smtClean="0"/>
               <a:t>There is an intersection</a:t>
@@ -4930,6 +7430,10 @@
             <a:endParaRPr lang="en-GB" dirty="0"/>
           </a:p>
           <a:p>
+            <a:pPr>
+              <a:buFont typeface="Arial" panose="020B0604020202020204" pitchFamily="34" charset="0"/>
+              <a:buChar char="•"/>
+            </a:pPr>
             <a:r>
               <a:rPr lang="en-GB" dirty="0"/>
               <a:t>If the sum of the radii is less than the </a:t>
@@ -4940,7 +7444,10 @@
             </a:r>
           </a:p>
           <a:p>
-            <a:pPr lvl="1"/>
+            <a:pPr lvl="1">
+              <a:buFont typeface="Arial" panose="020B0604020202020204" pitchFamily="34" charset="0"/>
+              <a:buChar char="•"/>
+            </a:pPr>
             <a:r>
               <a:rPr lang="en-GB" dirty="0" smtClean="0"/>
               <a:t>No Intersection</a:t>
@@ -4948,7 +7455,10 @@
             <a:endParaRPr lang="en-GB" dirty="0"/>
           </a:p>
           <a:p>
-            <a:pPr lvl="1"/>
+            <a:pPr lvl="1">
+              <a:buFont typeface="Arial" panose="020B0604020202020204" pitchFamily="34" charset="0"/>
+              <a:buChar char="•"/>
+            </a:pPr>
             <a:endParaRPr lang="en-GB" dirty="0" smtClean="0"/>
           </a:p>
         </p:txBody>
@@ -5483,14 +7993,20 @@
           <a:bodyPr/>
           <a:lstStyle/>
           <a:p>
-            <a:pPr lvl="1"/>
+            <a:pPr lvl="1">
+              <a:buFont typeface="Arial" panose="020B0604020202020204" pitchFamily="34" charset="0"/>
+              <a:buChar char="•"/>
+            </a:pPr>
             <a:r>
               <a:rPr lang="en-GB" dirty="0" smtClean="0"/>
               <a:t>For each axis: x, y and z</a:t>
             </a:r>
           </a:p>
           <a:p>
-            <a:pPr lvl="2"/>
+            <a:pPr lvl="2">
+              <a:buFont typeface="Arial" panose="020B0604020202020204" pitchFamily="34" charset="0"/>
+              <a:buChar char="•"/>
+            </a:pPr>
             <a:r>
               <a:rPr lang="en-GB" dirty="0" smtClean="0"/>
               <a:t>Check centre[axis] of </a:t>
@@ -5513,25 +8029,37 @@
             </a:r>
           </a:p>
           <a:p>
-            <a:pPr lvl="2"/>
+            <a:pPr lvl="2">
+              <a:buFont typeface="Arial" panose="020B0604020202020204" pitchFamily="34" charset="0"/>
+              <a:buChar char="•"/>
+            </a:pPr>
             <a:r>
               <a:rPr lang="en-GB" dirty="0" smtClean="0"/>
               <a:t>The sum of the dimension of each cube on that axis</a:t>
             </a:r>
           </a:p>
           <a:p>
-            <a:pPr lvl="2"/>
+            <a:pPr lvl="2">
+              <a:buFont typeface="Arial" panose="020B0604020202020204" pitchFamily="34" charset="0"/>
+              <a:buChar char="•"/>
+            </a:pPr>
             <a:endParaRPr lang="en-GB" dirty="0"/>
           </a:p>
           <a:p>
-            <a:pPr lvl="1"/>
+            <a:pPr lvl="1">
+              <a:buFont typeface="Arial" panose="020B0604020202020204" pitchFamily="34" charset="0"/>
+              <a:buChar char="•"/>
+            </a:pPr>
             <a:r>
               <a:rPr lang="en-GB" dirty="0" smtClean="0"/>
               <a:t>If the check is true on each axis then there is an intersection</a:t>
             </a:r>
           </a:p>
           <a:p>
-            <a:pPr lvl="1"/>
+            <a:pPr lvl="1">
+              <a:buFont typeface="Arial" panose="020B0604020202020204" pitchFamily="34" charset="0"/>
+              <a:buChar char="•"/>
+            </a:pPr>
             <a:endParaRPr lang="en-GB" dirty="0"/>
           </a:p>
         </p:txBody>
@@ -6755,53 +9283,80 @@
           <a:bodyPr/>
           <a:lstStyle/>
           <a:p>
+            <a:pPr>
+              <a:buFont typeface="Arial" panose="020B0604020202020204" pitchFamily="34" charset="0"/>
+              <a:buChar char="•"/>
+            </a:pPr>
             <a:r>
               <a:rPr lang="en-GB" dirty="0" smtClean="0"/>
               <a:t>For every axis in the ‘axes’ list</a:t>
             </a:r>
           </a:p>
           <a:p>
-            <a:pPr lvl="1"/>
+            <a:pPr lvl="1">
+              <a:buFont typeface="Arial" panose="020B0604020202020204" pitchFamily="34" charset="0"/>
+              <a:buChar char="•"/>
+            </a:pPr>
             <a:r>
               <a:rPr lang="en-GB" dirty="0" smtClean="0"/>
               <a:t>Do a 1D intersection test</a:t>
             </a:r>
           </a:p>
           <a:p>
-            <a:pPr lvl="1"/>
+            <a:pPr lvl="1">
+              <a:buFont typeface="Arial" panose="020B0604020202020204" pitchFamily="34" charset="0"/>
+              <a:buChar char="•"/>
+            </a:pPr>
             <a:r>
               <a:rPr lang="en-GB" dirty="0" smtClean="0"/>
               <a:t>If at any point, the 1D intersection is false, there is no intersection = no collision</a:t>
             </a:r>
           </a:p>
           <a:p>
+            <a:pPr>
+              <a:buFont typeface="Arial" panose="020B0604020202020204" pitchFamily="34" charset="0"/>
+              <a:buChar char="•"/>
+            </a:pPr>
             <a:r>
               <a:rPr lang="en-GB" dirty="0" smtClean="0"/>
               <a:t>If each test returned true, pick the test that returned the lowest overlap and use the axis for that as the collision direction</a:t>
             </a:r>
           </a:p>
           <a:p>
+            <a:pPr>
+              <a:buFont typeface="Arial" panose="020B0604020202020204" pitchFamily="34" charset="0"/>
+              <a:buChar char="•"/>
+            </a:pPr>
             <a:r>
               <a:rPr lang="en-GB" dirty="0" smtClean="0"/>
               <a:t>1D intersection test:</a:t>
             </a:r>
           </a:p>
           <a:p>
-            <a:pPr lvl="1"/>
+            <a:pPr lvl="1">
+              <a:buFont typeface="Arial" panose="020B0604020202020204" pitchFamily="34" charset="0"/>
+              <a:buChar char="•"/>
+            </a:pPr>
             <a:r>
               <a:rPr lang="en-GB" dirty="0" smtClean="0"/>
               <a:t>Take the dot product of the axis against each corner (for both cubes)</a:t>
             </a:r>
           </a:p>
           <a:p>
-            <a:pPr lvl="1"/>
+            <a:pPr lvl="1">
+              <a:buFont typeface="Arial" panose="020B0604020202020204" pitchFamily="34" charset="0"/>
+              <a:buChar char="•"/>
+            </a:pPr>
             <a:r>
               <a:rPr lang="en-GB" dirty="0" smtClean="0"/>
               <a:t>Store the min and max value from the dot product for each cube</a:t>
             </a:r>
           </a:p>
           <a:p>
-            <a:pPr lvl="1"/>
+            <a:pPr lvl="1">
+              <a:buFont typeface="Arial" panose="020B0604020202020204" pitchFamily="34" charset="0"/>
+              <a:buChar char="•"/>
+            </a:pPr>
             <a:r>
               <a:rPr lang="en-GB" dirty="0" smtClean="0"/>
               <a:t>Calculate the </a:t>
@@ -6840,7 +9395,10 @@
             </a:r>
           </a:p>
           <a:p>
-            <a:pPr lvl="1"/>
+            <a:pPr lvl="1">
+              <a:buFont typeface="Arial" panose="020B0604020202020204" pitchFamily="34" charset="0"/>
+              <a:buChar char="•"/>
+            </a:pPr>
             <a:r>
               <a:rPr lang="en-GB" dirty="0"/>
               <a:t>Calculate the </a:t>
@@ -6863,7 +9421,10 @@
             </a:r>
           </a:p>
           <a:p>
-            <a:pPr lvl="1"/>
+            <a:pPr lvl="1">
+              <a:buFont typeface="Arial" panose="020B0604020202020204" pitchFamily="34" charset="0"/>
+              <a:buChar char="•"/>
+            </a:pPr>
             <a:r>
               <a:rPr lang="en-GB" dirty="0" smtClean="0"/>
               <a:t>If the long span is less than or equal to the sum span, there is an overlap on the axis</a:t>
@@ -6882,6 +9443,13 @@
   <p:clrMapOvr>
     <a:masterClrMapping/>
   </p:clrMapOvr>
+  <p:timing>
+    <p:tnLst>
+      <p:par>
+        <p:cTn id="1" dur="indefinite" restart="never" nodeType="tmRoot"/>
+      </p:par>
+    </p:tnLst>
+  </p:timing>
 </p:sld>
 </file>
 

--- a/Presentation/Inverse Kinematics and Particles.pptx
+++ b/Presentation/Inverse Kinematics and Particles.pptx
@@ -305,7 +305,7 @@
           <a:p>
             <a:fld id="{96DFF08F-DC6B-4601-B491-B0F83F6DD2DA}" type="datetimeFigureOut">
               <a:rPr lang="en-US" dirty="0"/>
-              <a:t>11/30/2015</a:t>
+              <a:t>12/1/2015</a:t>
             </a:fld>
             <a:endParaRPr lang="en-US" dirty="0"/>
           </a:p>
@@ -470,7 +470,7 @@
           <a:p>
             <a:fld id="{96DFF08F-DC6B-4601-B491-B0F83F6DD2DA}" type="datetimeFigureOut">
               <a:rPr lang="en-US" dirty="0"/>
-              <a:t>11/30/2015</a:t>
+              <a:t>12/1/2015</a:t>
             </a:fld>
             <a:endParaRPr lang="en-US" dirty="0"/>
           </a:p>
@@ -688,7 +688,7 @@
           <a:p>
             <a:fld id="{96DFF08F-DC6B-4601-B491-B0F83F6DD2DA}" type="datetimeFigureOut">
               <a:rPr lang="en-US" dirty="0"/>
-              <a:t>11/30/2015</a:t>
+              <a:t>12/1/2015</a:t>
             </a:fld>
             <a:endParaRPr lang="en-US" dirty="0"/>
           </a:p>
@@ -863,7 +863,7 @@
           <a:p>
             <a:fld id="{96DFF08F-DC6B-4601-B491-B0F83F6DD2DA}" type="datetimeFigureOut">
               <a:rPr lang="en-US" dirty="0"/>
-              <a:t>11/30/2015</a:t>
+              <a:t>12/1/2015</a:t>
             </a:fld>
             <a:endParaRPr lang="en-US" dirty="0"/>
           </a:p>
@@ -1160,7 +1160,7 @@
             <a:fld id="{96DFF08F-DC6B-4601-B491-B0F83F6DD2DA}" type="datetimeFigureOut">
               <a:rPr lang="en-US" dirty="0"/>
               <a:pPr/>
-              <a:t>11/30/2015</a:t>
+              <a:t>12/1/2015</a:t>
             </a:fld>
             <a:endParaRPr lang="en-US" dirty="0"/>
           </a:p>
@@ -1460,7 +1460,7 @@
           <a:p>
             <a:fld id="{96DFF08F-DC6B-4601-B491-B0F83F6DD2DA}" type="datetimeFigureOut">
               <a:rPr lang="en-US" dirty="0"/>
-              <a:t>11/30/2015</a:t>
+              <a:t>12/1/2015</a:t>
             </a:fld>
             <a:endParaRPr lang="en-US" dirty="0"/>
           </a:p>
@@ -1877,7 +1877,7 @@
           <a:p>
             <a:fld id="{96DFF08F-DC6B-4601-B491-B0F83F6DD2DA}" type="datetimeFigureOut">
               <a:rPr lang="en-US" dirty="0"/>
-              <a:t>11/30/2015</a:t>
+              <a:t>12/1/2015</a:t>
             </a:fld>
             <a:endParaRPr lang="en-US" dirty="0"/>
           </a:p>
@@ -1990,7 +1990,7 @@
           <a:p>
             <a:fld id="{96DFF08F-DC6B-4601-B491-B0F83F6DD2DA}" type="datetimeFigureOut">
               <a:rPr lang="en-US" dirty="0"/>
-              <a:t>11/30/2015</a:t>
+              <a:t>12/1/2015</a:t>
             </a:fld>
             <a:endParaRPr lang="en-US" dirty="0"/>
           </a:p>
@@ -2080,7 +2080,7 @@
           <a:p>
             <a:fld id="{96DFF08F-DC6B-4601-B491-B0F83F6DD2DA}" type="datetimeFigureOut">
               <a:rPr lang="en-US" dirty="0"/>
-              <a:t>11/30/2015</a:t>
+              <a:t>12/1/2015</a:t>
             </a:fld>
             <a:endParaRPr lang="en-US" dirty="0"/>
           </a:p>
@@ -2348,7 +2348,7 @@
           <a:p>
             <a:fld id="{96DFF08F-DC6B-4601-B491-B0F83F6DD2DA}" type="datetimeFigureOut">
               <a:rPr lang="en-US" dirty="0"/>
-              <a:t>11/30/2015</a:t>
+              <a:t>12/1/2015</a:t>
             </a:fld>
             <a:endParaRPr lang="en-US" dirty="0"/>
           </a:p>
@@ -2608,7 +2608,7 @@
           <a:p>
             <a:fld id="{96DFF08F-DC6B-4601-B491-B0F83F6DD2DA}" type="datetimeFigureOut">
               <a:rPr lang="en-US" dirty="0"/>
-              <a:t>11/30/2015</a:t>
+              <a:t>12/1/2015</a:t>
             </a:fld>
             <a:endParaRPr lang="en-US" dirty="0"/>
           </a:p>
@@ -2856,7 +2856,7 @@
             <a:fld id="{96DFF08F-DC6B-4601-B491-B0F83F6DD2DA}" type="datetimeFigureOut">
               <a:rPr lang="en-US" dirty="0"/>
               <a:pPr/>
-              <a:t>11/30/2015</a:t>
+              <a:t>12/1/2015</a:t>
             </a:fld>
             <a:endParaRPr lang="en-US" dirty="0"/>
           </a:p>
@@ -3466,8 +3466,8 @@
           </a:p>
         </p:txBody>
       </p:sp>
-      <mc:AlternateContent xmlns:mc="http://schemas.openxmlformats.org/markup-compatibility/2006">
-        <mc:Choice xmlns:a14="http://schemas.microsoft.com/office/drawing/2010/main" Requires="a14">
+      <mc:AlternateContent xmlns:mc="http://schemas.openxmlformats.org/markup-compatibility/2006" xmlns:a14="http://schemas.microsoft.com/office/drawing/2010/main">
+        <mc:Choice Requires="a14">
           <p:sp>
             <p:nvSpPr>
               <p:cNvPr id="3" name="Content Placeholder 2"/>
@@ -3864,7 +3864,7 @@
             </p:txBody>
           </p:sp>
         </mc:Choice>
-        <mc:Fallback>
+        <mc:Fallback xmlns="">
           <p:sp>
             <p:nvSpPr>
               <p:cNvPr id="3" name="Content Placeholder 2"/>
@@ -4296,8 +4296,8 @@
           </a:p>
         </p:txBody>
       </p:sp>
-      <mc:AlternateContent xmlns:mc="http://schemas.openxmlformats.org/markup-compatibility/2006">
-        <mc:Choice xmlns:a14="http://schemas.microsoft.com/office/drawing/2010/main" Requires="a14">
+      <mc:AlternateContent xmlns:mc="http://schemas.openxmlformats.org/markup-compatibility/2006" xmlns:a14="http://schemas.microsoft.com/office/drawing/2010/main">
+        <mc:Choice Requires="a14">
           <p:sp>
             <p:nvSpPr>
               <p:cNvPr id="25" name="TextBox 24"/>
@@ -4320,6 +4320,7 @@
               </a:bodyPr>
               <a:lstStyle/>
               <a:p>
+                <a:pPr/>
                 <a14:m>
                   <m:oMathPara xmlns:m="http://schemas.openxmlformats.org/officeDocument/2006/math">
                     <m:oMathParaPr>
@@ -4340,7 +4341,7 @@
             </p:txBody>
           </p:sp>
         </mc:Choice>
-        <mc:Fallback>
+        <mc:Fallback xmlns="">
           <p:sp>
             <p:nvSpPr>
               <p:cNvPr id="25" name="TextBox 24"/>
@@ -4379,8 +4380,8 @@
           </p:sp>
         </mc:Fallback>
       </mc:AlternateContent>
-      <mc:AlternateContent xmlns:mc="http://schemas.openxmlformats.org/markup-compatibility/2006">
-        <mc:Choice xmlns:a14="http://schemas.microsoft.com/office/drawing/2010/main" Requires="a14">
+      <mc:AlternateContent xmlns:mc="http://schemas.openxmlformats.org/markup-compatibility/2006" xmlns:a14="http://schemas.microsoft.com/office/drawing/2010/main">
+        <mc:Choice Requires="a14">
           <p:sp>
             <p:nvSpPr>
               <p:cNvPr id="26" name="TextBox 25"/>
@@ -4403,6 +4404,7 @@
               </a:bodyPr>
               <a:lstStyle/>
               <a:p>
+                <a:pPr/>
                 <a14:m>
                   <m:oMathPara xmlns:m="http://schemas.openxmlformats.org/officeDocument/2006/math">
                     <m:oMathParaPr>
@@ -4442,7 +4444,7 @@
             </p:txBody>
           </p:sp>
         </mc:Choice>
-        <mc:Fallback>
+        <mc:Fallback xmlns="">
           <p:sp>
             <p:nvSpPr>
               <p:cNvPr id="26" name="TextBox 25"/>
@@ -4731,7 +4733,11 @@
           <a:bodyPr/>
           <a:lstStyle/>
           <a:p>
-            <a:endParaRPr lang="en-GB"/>
+            <a:r>
+              <a:rPr lang="en-GB" cap="none" smtClean="0"/>
+              <a:t>Particle System</a:t>
+            </a:r>
+            <a:endParaRPr lang="en-GB" cap="none" dirty="0"/>
           </a:p>
         </p:txBody>
       </p:sp>
@@ -5056,7 +5062,6 @@
               <a:rPr lang="en-GB" dirty="0" smtClean="0"/>
               <a:t>The 1D positions represent a cell</a:t>
             </a:r>
-            <a:endParaRPr lang="en-GB" dirty="0" smtClean="0"/>
           </a:p>
         </p:txBody>
       </p:sp>
@@ -5514,8 +5519,8 @@
           </a:p>
         </p:txBody>
       </p:sp>
-      <mc:AlternateContent xmlns:mc="http://schemas.openxmlformats.org/markup-compatibility/2006">
-        <mc:Choice xmlns:a14="http://schemas.microsoft.com/office/drawing/2010/main" Requires="a14">
+      <mc:AlternateContent xmlns:mc="http://schemas.openxmlformats.org/markup-compatibility/2006" xmlns:a14="http://schemas.microsoft.com/office/drawing/2010/main">
+        <mc:Choice Requires="a14">
           <p:sp>
             <p:nvSpPr>
               <p:cNvPr id="3" name="Content Placeholder 2"/>
@@ -5765,7 +5770,7 @@
             </p:txBody>
           </p:sp>
         </mc:Choice>
-        <mc:Fallback>
+        <mc:Fallback xmlns="">
           <p:sp>
             <p:nvSpPr>
               <p:cNvPr id="3" name="Content Placeholder 2"/>
@@ -5859,8 +5864,8 @@
           </a:p>
         </p:txBody>
       </p:sp>
-      <mc:AlternateContent xmlns:mc="http://schemas.openxmlformats.org/markup-compatibility/2006">
-        <mc:Choice xmlns:a14="http://schemas.microsoft.com/office/drawing/2010/main" Requires="a14">
+      <mc:AlternateContent xmlns:mc="http://schemas.openxmlformats.org/markup-compatibility/2006" xmlns:a14="http://schemas.microsoft.com/office/drawing/2010/main">
+        <mc:Choice Requires="a14">
           <p:sp>
             <p:nvSpPr>
               <p:cNvPr id="3" name="Content Placeholder 2"/>
@@ -6153,7 +6158,7 @@
             </p:txBody>
           </p:sp>
         </mc:Choice>
-        <mc:Fallback>
+        <mc:Fallback xmlns="">
           <p:sp>
             <p:nvSpPr>
               <p:cNvPr id="3" name="Content Placeholder 2"/>
